--- a/DsDotNet/src/UnitTest/UnitTest.Model/ImportOfficeExample/Sample/Sub/Sub/Floor.pptx
+++ b/DsDotNet/src/UnitTest/UnitTest.Model/ImportOfficeExample/Sample/Sub/Sub/Floor.pptx
@@ -3414,10 +3414,10 @@
       </p:sp>
       <p:grpSp>
         <p:nvGrpSpPr>
-          <p:cNvPr id="6" name="그룹 5">
+          <p:cNvPr id="33" name="그룹 32">
             <a:extLst>
               <a:ext uri="{FF2B5EF4-FFF2-40B4-BE49-F238E27FC236}">
-                <a16:creationId xmlns:a16="http://schemas.microsoft.com/office/drawing/2014/main" id="{F19DF423-7B95-F6D2-3980-3ABBDAD34585}"/>
+                <a16:creationId xmlns:a16="http://schemas.microsoft.com/office/drawing/2014/main" id="{BBA64F52-A5AC-1502-173A-8CCF74495843}"/>
               </a:ext>
             </a:extLst>
           </p:cNvPr>
@@ -3989,98 +3989,6 @@
           </a:p>
         </p:txBody>
       </p:sp>
-      <p:cxnSp>
-        <p:nvCxnSpPr>
-          <p:cNvPr id="29" name="연결선: 꺾임 28">
-            <a:extLst>
-              <a:ext uri="{FF2B5EF4-FFF2-40B4-BE49-F238E27FC236}">
-                <a16:creationId xmlns:a16="http://schemas.microsoft.com/office/drawing/2014/main" id="{C8478288-8E55-80A2-710C-9BB36E1A9D26}"/>
-              </a:ext>
-            </a:extLst>
-          </p:cNvPr>
-          <p:cNvCxnSpPr>
-            <a:cxnSpLocks/>
-            <a:stCxn id="14" idx="3"/>
-            <a:endCxn id="25" idx="3"/>
-          </p:cNvCxnSpPr>
-          <p:nvPr/>
-        </p:nvCxnSpPr>
-        <p:spPr>
-          <a:xfrm>
-            <a:off x="10065975" y="4361328"/>
-            <a:ext cx="12700" cy="1512954"/>
-          </a:xfrm>
-          <a:prstGeom prst="bentConnector3">
-            <a:avLst>
-              <a:gd name="adj1" fmla="val 1800000"/>
-            </a:avLst>
-          </a:prstGeom>
-          <a:ln w="25400">
-            <a:prstDash val="dash"/>
-            <a:headEnd w="lg" len="lg"/>
-            <a:tailEnd type="triangle" w="lg" len="lg"/>
-          </a:ln>
-        </p:spPr>
-        <p:style>
-          <a:lnRef idx="1">
-            <a:schemeClr val="accent1"/>
-          </a:lnRef>
-          <a:fillRef idx="0">
-            <a:schemeClr val="accent1"/>
-          </a:fillRef>
-          <a:effectRef idx="0">
-            <a:schemeClr val="accent1"/>
-          </a:effectRef>
-          <a:fontRef idx="minor">
-            <a:schemeClr val="tx1"/>
-          </a:fontRef>
-        </p:style>
-      </p:cxnSp>
-      <p:cxnSp>
-        <p:nvCxnSpPr>
-          <p:cNvPr id="43" name="직선 화살표 연결선 42">
-            <a:extLst>
-              <a:ext uri="{FF2B5EF4-FFF2-40B4-BE49-F238E27FC236}">
-                <a16:creationId xmlns:a16="http://schemas.microsoft.com/office/drawing/2014/main" id="{CE471264-FC50-93A0-260C-577AEBCC70A6}"/>
-              </a:ext>
-            </a:extLst>
-          </p:cNvPr>
-          <p:cNvCxnSpPr>
-            <a:cxnSpLocks/>
-            <a:stCxn id="14" idx="2"/>
-            <a:endCxn id="25" idx="0"/>
-          </p:cNvCxnSpPr>
-          <p:nvPr/>
-        </p:nvCxnSpPr>
-        <p:spPr>
-          <a:xfrm>
-            <a:off x="9377168" y="5215570"/>
-            <a:ext cx="0" cy="498509"/>
-          </a:xfrm>
-          <a:prstGeom prst="straightConnector1">
-            <a:avLst/>
-          </a:prstGeom>
-          <a:ln w="25400">
-            <a:prstDash val="solid"/>
-            <a:headEnd type="diamond" w="lg" len="lg"/>
-            <a:tailEnd type="triangle" w="lg" len="lg"/>
-          </a:ln>
-        </p:spPr>
-        <p:style>
-          <a:lnRef idx="1">
-            <a:schemeClr val="accent1"/>
-          </a:lnRef>
-          <a:fillRef idx="0">
-            <a:schemeClr val="accent1"/>
-          </a:fillRef>
-          <a:effectRef idx="0">
-            <a:schemeClr val="accent1"/>
-          </a:effectRef>
-          <a:fontRef idx="minor">
-            <a:schemeClr val="tx1"/>
-          </a:fontRef>
-        </p:style>
-      </p:cxnSp>
       <p:sp>
         <p:nvSpPr>
           <p:cNvPr id="41" name="사각형: 모서리가 접힌 도형 40">
@@ -4358,6 +4266,460 @@
           </a:fontRef>
         </p:style>
       </p:cxnSp>
+      <p:sp>
+        <p:nvSpPr>
+          <p:cNvPr id="7" name="직사각형 6">
+            <a:extLst>
+              <a:ext uri="{FF2B5EF4-FFF2-40B4-BE49-F238E27FC236}">
+                <a16:creationId xmlns:a16="http://schemas.microsoft.com/office/drawing/2014/main" id="{83FFC164-D73E-0BD0-2448-BFE1EE128756}"/>
+              </a:ext>
+            </a:extLst>
+          </p:cNvPr>
+          <p:cNvSpPr/>
+          <p:nvPr/>
+        </p:nvSpPr>
+        <p:spPr>
+          <a:xfrm>
+            <a:off x="8688360" y="5714079"/>
+            <a:ext cx="1377615" cy="320406"/>
+          </a:xfrm>
+          <a:prstGeom prst="rect">
+            <a:avLst/>
+          </a:prstGeom>
+          <a:noFill/>
+          <a:ln w="28575" cap="flat" cmpd="sng" algn="ctr">
+            <a:solidFill>
+              <a:schemeClr val="accent4"/>
+            </a:solidFill>
+            <a:prstDash val="solid"/>
+            <a:round/>
+            <a:headEnd type="none" w="med" len="med"/>
+            <a:tailEnd type="none" w="med" len="med"/>
+          </a:ln>
+        </p:spPr>
+        <p:style>
+          <a:lnRef idx="0">
+            <a:scrgbClr r="0" g="0" b="0"/>
+          </a:lnRef>
+          <a:fillRef idx="0">
+            <a:scrgbClr r="0" g="0" b="0"/>
+          </a:fillRef>
+          <a:effectRef idx="0">
+            <a:scrgbClr r="0" g="0" b="0"/>
+          </a:effectRef>
+          <a:fontRef idx="minor">
+            <a:schemeClr val="accent4"/>
+          </a:fontRef>
+        </p:style>
+        <p:txBody>
+          <a:bodyPr rtlCol="0" anchor="b"/>
+          <a:lstStyle/>
+          <a:p>
+            <a:pPr marL="0" marR="0" lvl="0" indent="0" algn="r" defTabSz="914400" rtl="0" eaLnBrk="1" fontAlgn="auto" latinLnBrk="0" hangingPunct="1">
+              <a:lnSpc>
+                <a:spcPct val="100000"/>
+              </a:lnSpc>
+              <a:spcBef>
+                <a:spcPts val="0"/>
+              </a:spcBef>
+              <a:spcAft>
+                <a:spcPts val="0"/>
+              </a:spcAft>
+              <a:buClrTx/>
+              <a:buSzTx/>
+              <a:buFontTx/>
+              <a:buNone/>
+              <a:tabLst/>
+              <a:defRPr/>
+            </a:pPr>
+            <a:r>
+              <a:rPr lang="en-US" altLang="ko-KR" sz="1000" dirty="0">
+                <a:solidFill>
+                  <a:prstClr val="white"/>
+                </a:solidFill>
+                <a:latin typeface="맑은 고딕"/>
+              </a:rPr>
+              <a:t>UnloadClear</a:t>
+            </a:r>
+            <a:endParaRPr kumimoji="0" lang="ko-KR" altLang="en-US" sz="1000" b="0" i="0" u="none" strike="noStrike" kern="1200" cap="none" spc="0" normalizeH="0" baseline="0" noProof="0" dirty="0">
+              <a:ln>
+                <a:noFill/>
+              </a:ln>
+              <a:solidFill>
+                <a:prstClr val="white"/>
+              </a:solidFill>
+              <a:effectLst/>
+              <a:uLnTx/>
+              <a:uFillTx/>
+              <a:latin typeface="맑은 고딕"/>
+              <a:ea typeface="+mn-ea"/>
+              <a:cs typeface="+mn-cs"/>
+            </a:endParaRPr>
+          </a:p>
+        </p:txBody>
+      </p:sp>
+      <p:cxnSp>
+        <p:nvCxnSpPr>
+          <p:cNvPr id="10" name="연결선: 꺾임 9">
+            <a:extLst>
+              <a:ext uri="{FF2B5EF4-FFF2-40B4-BE49-F238E27FC236}">
+                <a16:creationId xmlns:a16="http://schemas.microsoft.com/office/drawing/2014/main" id="{7714891F-9968-5278-6C09-7863B53067C7}"/>
+              </a:ext>
+            </a:extLst>
+          </p:cNvPr>
+          <p:cNvCxnSpPr>
+            <a:cxnSpLocks/>
+            <a:stCxn id="7" idx="3"/>
+            <a:endCxn id="14" idx="3"/>
+          </p:cNvCxnSpPr>
+          <p:nvPr/>
+        </p:nvCxnSpPr>
+        <p:spPr>
+          <a:xfrm flipV="1">
+            <a:off x="10065975" y="4361328"/>
+            <a:ext cx="12700" cy="1512954"/>
+          </a:xfrm>
+          <a:prstGeom prst="bentConnector3">
+            <a:avLst>
+              <a:gd name="adj1" fmla="val 1800000"/>
+            </a:avLst>
+          </a:prstGeom>
+          <a:ln w="25400">
+            <a:prstDash val="dash"/>
+            <a:headEnd w="lg" len="lg"/>
+            <a:tailEnd type="triangle" w="lg" len="lg"/>
+          </a:ln>
+        </p:spPr>
+        <p:style>
+          <a:lnRef idx="1">
+            <a:schemeClr val="accent1"/>
+          </a:lnRef>
+          <a:fillRef idx="0">
+            <a:schemeClr val="accent1"/>
+          </a:fillRef>
+          <a:effectRef idx="0">
+            <a:schemeClr val="accent1"/>
+          </a:effectRef>
+          <a:fontRef idx="minor">
+            <a:schemeClr val="tx1"/>
+          </a:fontRef>
+        </p:style>
+      </p:cxnSp>
+      <p:sp>
+        <p:nvSpPr>
+          <p:cNvPr id="12" name="화살표: 오각형 11">
+            <a:extLst>
+              <a:ext uri="{FF2B5EF4-FFF2-40B4-BE49-F238E27FC236}">
+                <a16:creationId xmlns:a16="http://schemas.microsoft.com/office/drawing/2014/main" id="{3E91B5A7-BB42-8D52-768B-F7112C746F8F}"/>
+              </a:ext>
+            </a:extLst>
+          </p:cNvPr>
+          <p:cNvSpPr/>
+          <p:nvPr/>
+        </p:nvSpPr>
+        <p:spPr>
+          <a:xfrm flipH="1">
+            <a:off x="8729" y="4191733"/>
+            <a:ext cx="2036280" cy="592588"/>
+          </a:xfrm>
+          <a:prstGeom prst="homePlate">
+            <a:avLst/>
+          </a:prstGeom>
+          <a:solidFill>
+            <a:schemeClr val="accent4">
+              <a:alpha val="50000"/>
+            </a:schemeClr>
+          </a:solidFill>
+          <a:ln>
+            <a:noFill/>
+          </a:ln>
+        </p:spPr>
+        <p:style>
+          <a:lnRef idx="0">
+            <a:scrgbClr r="0" g="0" b="0"/>
+          </a:lnRef>
+          <a:fillRef idx="0">
+            <a:scrgbClr r="0" g="0" b="0"/>
+          </a:fillRef>
+          <a:effectRef idx="0">
+            <a:scrgbClr r="0" g="0" b="0"/>
+          </a:effectRef>
+          <a:fontRef idx="minor">
+            <a:schemeClr val="lt1"/>
+          </a:fontRef>
+        </p:style>
+        <p:txBody>
+          <a:bodyPr rtlCol="0" anchor="ctr"/>
+          <a:lstStyle/>
+          <a:p>
+            <a:pPr algn="ctr"/>
+            <a:r>
+              <a:rPr lang="en-US" altLang="ko-KR" sz="1200" dirty="0">
+                <a:solidFill>
+                  <a:prstClr val="white"/>
+                </a:solidFill>
+                <a:latin typeface="맑은 고딕"/>
+              </a:rPr>
+              <a:t>CLEAR</a:t>
+            </a:r>
+            <a:endParaRPr kumimoji="0" lang="ko-KR" altLang="en-US" sz="1200" b="0" i="0" u="none" strike="noStrike" kern="1200" cap="none" spc="0" normalizeH="0" baseline="0" noProof="0" dirty="0">
+              <a:ln>
+                <a:noFill/>
+              </a:ln>
+              <a:solidFill>
+                <a:prstClr val="white"/>
+              </a:solidFill>
+              <a:effectLst/>
+              <a:uLnTx/>
+              <a:uFillTx/>
+              <a:latin typeface="맑은 고딕"/>
+              <a:ea typeface="+mn-ea"/>
+              <a:cs typeface="+mn-cs"/>
+            </a:endParaRPr>
+          </a:p>
+          <a:p>
+            <a:pPr algn="ctr"/>
+            <a:r>
+              <a:rPr lang="en-US" altLang="ko-KR" sz="1200" dirty="0"/>
+              <a:t>[</a:t>
+            </a:r>
+            <a:r>
+              <a:rPr lang="en-US" altLang="ko-KR" sz="1200" dirty="0">
+                <a:solidFill>
+                  <a:prstClr val="white"/>
+                </a:solidFill>
+                <a:latin typeface="맑은 고딕"/>
+              </a:rPr>
+              <a:t>UnloadClear</a:t>
+            </a:r>
+            <a:endParaRPr kumimoji="0" lang="ko-KR" altLang="en-US" sz="1200" b="0" i="0" u="none" strike="noStrike" kern="1200" cap="none" spc="0" normalizeH="0" baseline="0" noProof="0" dirty="0">
+              <a:ln>
+                <a:noFill/>
+              </a:ln>
+              <a:solidFill>
+                <a:prstClr val="white"/>
+              </a:solidFill>
+              <a:effectLst/>
+              <a:uLnTx/>
+              <a:uFillTx/>
+              <a:latin typeface="맑은 고딕"/>
+              <a:ea typeface="+mn-ea"/>
+              <a:cs typeface="+mn-cs"/>
+            </a:endParaRPr>
+          </a:p>
+          <a:p>
+            <a:pPr algn="ctr"/>
+            <a:r>
+              <a:rPr lang="en-US" altLang="ko-KR" sz="1200" dirty="0"/>
+              <a:t>~ </a:t>
+            </a:r>
+            <a:r>
+              <a:rPr lang="en-US" altLang="ko-KR" sz="1200" dirty="0">
+                <a:solidFill>
+                  <a:prstClr val="white"/>
+                </a:solidFill>
+                <a:latin typeface="맑은 고딕"/>
+              </a:rPr>
+              <a:t>UnloadClear</a:t>
+            </a:r>
+            <a:r>
+              <a:rPr lang="en-US" altLang="ko-KR" sz="1200" dirty="0"/>
+              <a:t>]</a:t>
+            </a:r>
+            <a:endParaRPr lang="ko-KR" altLang="en-US" sz="1200" dirty="0"/>
+          </a:p>
+        </p:txBody>
+      </p:sp>
+      <p:sp>
+        <p:nvSpPr>
+          <p:cNvPr id="23" name="직사각형 22">
+            <a:extLst>
+              <a:ext uri="{FF2B5EF4-FFF2-40B4-BE49-F238E27FC236}">
+                <a16:creationId xmlns:a16="http://schemas.microsoft.com/office/drawing/2014/main" id="{E0CF6CE6-A92D-E945-A4F6-5C356C8D2026}"/>
+              </a:ext>
+            </a:extLst>
+          </p:cNvPr>
+          <p:cNvSpPr/>
+          <p:nvPr/>
+        </p:nvSpPr>
+        <p:spPr>
+          <a:xfrm>
+            <a:off x="7007907" y="6314507"/>
+            <a:ext cx="1377615" cy="320406"/>
+          </a:xfrm>
+          <a:prstGeom prst="rect">
+            <a:avLst/>
+          </a:prstGeom>
+          <a:noFill/>
+          <a:ln w="28575" cap="flat" cmpd="sng" algn="ctr">
+            <a:solidFill>
+              <a:schemeClr val="accent4"/>
+            </a:solidFill>
+            <a:prstDash val="solid"/>
+            <a:round/>
+            <a:headEnd type="none" w="med" len="med"/>
+            <a:tailEnd type="none" w="med" len="med"/>
+          </a:ln>
+        </p:spPr>
+        <p:style>
+          <a:lnRef idx="0">
+            <a:scrgbClr r="0" g="0" b="0"/>
+          </a:lnRef>
+          <a:fillRef idx="0">
+            <a:scrgbClr r="0" g="0" b="0"/>
+          </a:fillRef>
+          <a:effectRef idx="0">
+            <a:scrgbClr r="0" g="0" b="0"/>
+          </a:effectRef>
+          <a:fontRef idx="minor">
+            <a:schemeClr val="accent4"/>
+          </a:fontRef>
+        </p:style>
+        <p:txBody>
+          <a:bodyPr rtlCol="0" anchor="b"/>
+          <a:lstStyle/>
+          <a:p>
+            <a:pPr marL="0" marR="0" lvl="0" indent="0" algn="r" defTabSz="914400" rtl="0" eaLnBrk="1" fontAlgn="auto" latinLnBrk="0" hangingPunct="1">
+              <a:lnSpc>
+                <a:spcPct val="100000"/>
+              </a:lnSpc>
+              <a:spcBef>
+                <a:spcPts val="0"/>
+              </a:spcBef>
+              <a:spcAft>
+                <a:spcPts val="0"/>
+              </a:spcAft>
+              <a:buClrTx/>
+              <a:buSzTx/>
+              <a:buFontTx/>
+              <a:buNone/>
+              <a:tabLst/>
+              <a:defRPr/>
+            </a:pPr>
+            <a:r>
+              <a:rPr kumimoji="0" lang="en-US" altLang="ko-KR" sz="1000" b="0" i="0" u="none" strike="noStrike" kern="1200" cap="none" spc="0" normalizeH="0" baseline="0" noProof="0" dirty="0">
+                <a:ln>
+                  <a:noFill/>
+                </a:ln>
+                <a:solidFill>
+                  <a:prstClr val="white"/>
+                </a:solidFill>
+                <a:effectLst/>
+                <a:uLnTx/>
+                <a:uFillTx/>
+                <a:latin typeface="맑은 고딕"/>
+                <a:ea typeface="+mn-ea"/>
+                <a:cs typeface="+mn-cs"/>
+              </a:rPr>
+              <a:t>clear</a:t>
+            </a:r>
+            <a:endParaRPr kumimoji="0" lang="ko-KR" altLang="en-US" sz="1000" b="0" i="0" u="none" strike="noStrike" kern="1200" cap="none" spc="0" normalizeH="0" baseline="0" noProof="0" dirty="0">
+              <a:ln>
+                <a:noFill/>
+              </a:ln>
+              <a:solidFill>
+                <a:prstClr val="white"/>
+              </a:solidFill>
+              <a:effectLst/>
+              <a:uLnTx/>
+              <a:uFillTx/>
+              <a:latin typeface="맑은 고딕"/>
+              <a:ea typeface="+mn-ea"/>
+              <a:cs typeface="+mn-cs"/>
+            </a:endParaRPr>
+          </a:p>
+        </p:txBody>
+      </p:sp>
+      <p:cxnSp>
+        <p:nvCxnSpPr>
+          <p:cNvPr id="26" name="연결선: 꺾임 25">
+            <a:extLst>
+              <a:ext uri="{FF2B5EF4-FFF2-40B4-BE49-F238E27FC236}">
+                <a16:creationId xmlns:a16="http://schemas.microsoft.com/office/drawing/2014/main" id="{14AA3F0D-31C5-8B48-D093-BF1E7EEA1C4B}"/>
+              </a:ext>
+            </a:extLst>
+          </p:cNvPr>
+          <p:cNvCxnSpPr>
+            <a:cxnSpLocks/>
+            <a:stCxn id="7" idx="1"/>
+            <a:endCxn id="23" idx="0"/>
+          </p:cNvCxnSpPr>
+          <p:nvPr/>
+        </p:nvCxnSpPr>
+        <p:spPr>
+          <a:xfrm rot="10800000" flipV="1">
+            <a:off x="7696716" y="5874281"/>
+            <a:ext cx="991645" cy="440225"/>
+          </a:xfrm>
+          <a:prstGeom prst="bentConnector2">
+            <a:avLst/>
+          </a:prstGeom>
+          <a:ln w="25400">
+            <a:prstDash val="dash"/>
+            <a:headEnd w="lg" len="lg"/>
+            <a:tailEnd type="triangle" w="lg" len="lg"/>
+          </a:ln>
+        </p:spPr>
+        <p:style>
+          <a:lnRef idx="1">
+            <a:schemeClr val="accent1"/>
+          </a:lnRef>
+          <a:fillRef idx="0">
+            <a:schemeClr val="accent1"/>
+          </a:fillRef>
+          <a:effectRef idx="0">
+            <a:schemeClr val="accent1"/>
+          </a:effectRef>
+          <a:fontRef idx="minor">
+            <a:schemeClr val="tx1"/>
+          </a:fontRef>
+        </p:style>
+      </p:cxnSp>
+      <p:cxnSp>
+        <p:nvCxnSpPr>
+          <p:cNvPr id="27" name="연결선: 꺾임 26">
+            <a:extLst>
+              <a:ext uri="{FF2B5EF4-FFF2-40B4-BE49-F238E27FC236}">
+                <a16:creationId xmlns:a16="http://schemas.microsoft.com/office/drawing/2014/main" id="{66DFE282-2285-7EC8-8B39-41B966A540A3}"/>
+              </a:ext>
+            </a:extLst>
+          </p:cNvPr>
+          <p:cNvCxnSpPr>
+            <a:cxnSpLocks/>
+            <a:stCxn id="7" idx="2"/>
+            <a:endCxn id="23" idx="3"/>
+          </p:cNvCxnSpPr>
+          <p:nvPr/>
+        </p:nvCxnSpPr>
+        <p:spPr>
+          <a:xfrm rot="5400000">
+            <a:off x="8661233" y="5758774"/>
+            <a:ext cx="440225" cy="991646"/>
+          </a:xfrm>
+          <a:prstGeom prst="bentConnector2">
+            <a:avLst/>
+          </a:prstGeom>
+          <a:ln w="25400">
+            <a:prstDash val="solid"/>
+            <a:headEnd type="diamond" w="lg" len="lg"/>
+            <a:tailEnd type="triangle" w="lg" len="lg"/>
+          </a:ln>
+        </p:spPr>
+        <p:style>
+          <a:lnRef idx="1">
+            <a:schemeClr val="accent1"/>
+          </a:lnRef>
+          <a:fillRef idx="0">
+            <a:schemeClr val="accent1"/>
+          </a:fillRef>
+          <a:effectRef idx="0">
+            <a:schemeClr val="accent1"/>
+          </a:effectRef>
+          <a:fontRef idx="minor">
+            <a:schemeClr val="tx1"/>
+          </a:fontRef>
+        </p:style>
+      </p:cxnSp>
     </p:spTree>
     <p:extLst>
       <p:ext uri="{BB962C8B-B14F-4D97-AF65-F5344CB8AC3E}">
@@ -4419,10 +4781,10 @@
       </p:sp>
       <p:grpSp>
         <p:nvGrpSpPr>
-          <p:cNvPr id="5" name="그룹 4">
+          <p:cNvPr id="3" name="그룹 2">
             <a:extLst>
               <a:ext uri="{FF2B5EF4-FFF2-40B4-BE49-F238E27FC236}">
-                <a16:creationId xmlns:a16="http://schemas.microsoft.com/office/drawing/2014/main" id="{786F2D88-6830-15F6-4D57-BB8F50C102F2}"/>
+                <a16:creationId xmlns:a16="http://schemas.microsoft.com/office/drawing/2014/main" id="{653ED448-C600-B6CF-AEDE-4282B62602F5}"/>
               </a:ext>
             </a:extLst>
           </p:cNvPr>
@@ -6972,10 +7334,10 @@
       </p:sp>
       <p:grpSp>
         <p:nvGrpSpPr>
-          <p:cNvPr id="5" name="그룹 4">
+          <p:cNvPr id="3" name="그룹 2">
             <a:extLst>
               <a:ext uri="{FF2B5EF4-FFF2-40B4-BE49-F238E27FC236}">
-                <a16:creationId xmlns:a16="http://schemas.microsoft.com/office/drawing/2014/main" id="{8B6EE9E7-E5AE-70F8-482D-9E172DCE2140}"/>
+                <a16:creationId xmlns:a16="http://schemas.microsoft.com/office/drawing/2014/main" id="{977BDB06-C7EB-1565-256D-77975ECB0BA8}"/>
               </a:ext>
             </a:extLst>
           </p:cNvPr>
@@ -9525,10 +9887,10 @@
       </p:sp>
       <p:grpSp>
         <p:nvGrpSpPr>
-          <p:cNvPr id="5" name="그룹 4">
+          <p:cNvPr id="3" name="그룹 2">
             <a:extLst>
               <a:ext uri="{FF2B5EF4-FFF2-40B4-BE49-F238E27FC236}">
-                <a16:creationId xmlns:a16="http://schemas.microsoft.com/office/drawing/2014/main" id="{606C8E8F-4A6C-779A-BAC1-C240BBF9A58A}"/>
+                <a16:creationId xmlns:a16="http://schemas.microsoft.com/office/drawing/2014/main" id="{A9CDA613-5053-8661-FF44-4DB86605B10F}"/>
               </a:ext>
             </a:extLst>
           </p:cNvPr>
@@ -12078,10 +12440,10 @@
       </p:sp>
       <p:grpSp>
         <p:nvGrpSpPr>
-          <p:cNvPr id="5" name="그룹 4">
+          <p:cNvPr id="3" name="그룹 2">
             <a:extLst>
               <a:ext uri="{FF2B5EF4-FFF2-40B4-BE49-F238E27FC236}">
-                <a16:creationId xmlns:a16="http://schemas.microsoft.com/office/drawing/2014/main" id="{6C9FF2DE-2DCB-8C3C-0BB0-29DF1D95AFC8}"/>
+                <a16:creationId xmlns:a16="http://schemas.microsoft.com/office/drawing/2014/main" id="{5BE4631D-4D07-6DF6-96EC-720CE1B1650B}"/>
               </a:ext>
             </a:extLst>
           </p:cNvPr>

--- a/DsDotNet/src/UnitTest/UnitTest.Model/ImportOfficeExample/Sample/Sub/Sub/Floor.pptx
+++ b/DsDotNet/src/UnitTest/UnitTest.Model/ImportOfficeExample/Sample/Sub/Sub/Floor.pptx
@@ -220,7 +220,7 @@
           <a:p>
             <a:fld id="{DD503887-5801-43A0-AEF9-041E8DDC2558}" type="datetimeFigureOut">
               <a:rPr lang="ko-KR" altLang="en-US" smtClean="0"/>
-              <a:t>2024-05-30</a:t>
+              <a:t>2024-07-08</a:t>
             </a:fld>
             <a:endParaRPr lang="ko-KR" altLang="en-US" dirty="0"/>
           </a:p>
@@ -397,7 +397,7 @@
           <a:p>
             <a:fld id="{95336A0E-57B1-4D4C-BD9B-2F72B5943464}" type="datetimeFigureOut">
               <a:rPr lang="ko-KR" altLang="en-US" smtClean="0"/>
-              <a:t>2024-05-30</a:t>
+              <a:t>2024-07-08</a:t>
             </a:fld>
             <a:endParaRPr lang="ko-KR" altLang="en-US" dirty="0"/>
           </a:p>
@@ -3414,10 +3414,10 @@
       </p:sp>
       <p:grpSp>
         <p:nvGrpSpPr>
-          <p:cNvPr id="33" name="그룹 32">
+          <p:cNvPr id="5" name="그룹 4">
             <a:extLst>
               <a:ext uri="{FF2B5EF4-FFF2-40B4-BE49-F238E27FC236}">
-                <a16:creationId xmlns:a16="http://schemas.microsoft.com/office/drawing/2014/main" id="{BBA64F52-A5AC-1502-173A-8CCF74495843}"/>
+                <a16:creationId xmlns:a16="http://schemas.microsoft.com/office/drawing/2014/main" id="{6EB9C964-793B-F89F-DD5F-D7947223FA52}"/>
               </a:ext>
             </a:extLst>
           </p:cNvPr>
@@ -4784,7 +4784,7 @@
           <p:cNvPr id="3" name="그룹 2">
             <a:extLst>
               <a:ext uri="{FF2B5EF4-FFF2-40B4-BE49-F238E27FC236}">
-                <a16:creationId xmlns:a16="http://schemas.microsoft.com/office/drawing/2014/main" id="{653ED448-C600-B6CF-AEDE-4282B62602F5}"/>
+                <a16:creationId xmlns:a16="http://schemas.microsoft.com/office/drawing/2014/main" id="{93437B5F-A4AB-772D-FD7D-027795251859}"/>
               </a:ext>
             </a:extLst>
           </p:cNvPr>
@@ -7337,7 +7337,7 @@
           <p:cNvPr id="3" name="그룹 2">
             <a:extLst>
               <a:ext uri="{FF2B5EF4-FFF2-40B4-BE49-F238E27FC236}">
-                <a16:creationId xmlns:a16="http://schemas.microsoft.com/office/drawing/2014/main" id="{977BDB06-C7EB-1565-256D-77975ECB0BA8}"/>
+                <a16:creationId xmlns:a16="http://schemas.microsoft.com/office/drawing/2014/main" id="{313D8A89-F758-F15D-6666-90F197823068}"/>
               </a:ext>
             </a:extLst>
           </p:cNvPr>
@@ -9890,7 +9890,7 @@
           <p:cNvPr id="3" name="그룹 2">
             <a:extLst>
               <a:ext uri="{FF2B5EF4-FFF2-40B4-BE49-F238E27FC236}">
-                <a16:creationId xmlns:a16="http://schemas.microsoft.com/office/drawing/2014/main" id="{A9CDA613-5053-8661-FF44-4DB86605B10F}"/>
+                <a16:creationId xmlns:a16="http://schemas.microsoft.com/office/drawing/2014/main" id="{F7F67DDD-3751-EDDC-4724-B9CC8A1F7493}"/>
               </a:ext>
             </a:extLst>
           </p:cNvPr>
@@ -12443,7 +12443,7 @@
           <p:cNvPr id="3" name="그룹 2">
             <a:extLst>
               <a:ext uri="{FF2B5EF4-FFF2-40B4-BE49-F238E27FC236}">
-                <a16:creationId xmlns:a16="http://schemas.microsoft.com/office/drawing/2014/main" id="{5BE4631D-4D07-6DF6-96EC-720CE1B1650B}"/>
+                <a16:creationId xmlns:a16="http://schemas.microsoft.com/office/drawing/2014/main" id="{5B4277AD-B315-BACE-0F36-23C24BC03D2E}"/>
               </a:ext>
             </a:extLst>
           </p:cNvPr>

--- a/DsDotNet/src/UnitTest/UnitTest.Model/ImportOfficeExample/Sample/Sub/Sub/Floor.pptx
+++ b/DsDotNet/src/UnitTest/UnitTest.Model/ImportOfficeExample/Sample/Sub/Sub/Floor.pptx
@@ -220,7 +220,7 @@
           <a:p>
             <a:fld id="{DD503887-5801-43A0-AEF9-041E8DDC2558}" type="datetimeFigureOut">
               <a:rPr lang="ko-KR" altLang="en-US" smtClean="0"/>
-              <a:t>2024-07-08</a:t>
+              <a:t>2024-07-12</a:t>
             </a:fld>
             <a:endParaRPr lang="ko-KR" altLang="en-US" dirty="0"/>
           </a:p>
@@ -397,7 +397,7 @@
           <a:p>
             <a:fld id="{95336A0E-57B1-4D4C-BD9B-2F72B5943464}" type="datetimeFigureOut">
               <a:rPr lang="ko-KR" altLang="en-US" smtClean="0"/>
-              <a:t>2024-07-08</a:t>
+              <a:t>2024-07-12</a:t>
             </a:fld>
             <a:endParaRPr lang="ko-KR" altLang="en-US" dirty="0"/>
           </a:p>
@@ -3414,10 +3414,10 @@
       </p:sp>
       <p:grpSp>
         <p:nvGrpSpPr>
-          <p:cNvPr id="5" name="그룹 4">
+          <p:cNvPr id="6" name="그룹 5">
             <a:extLst>
               <a:ext uri="{FF2B5EF4-FFF2-40B4-BE49-F238E27FC236}">
-                <a16:creationId xmlns:a16="http://schemas.microsoft.com/office/drawing/2014/main" id="{6EB9C964-793B-F89F-DD5F-D7947223FA52}"/>
+                <a16:creationId xmlns:a16="http://schemas.microsoft.com/office/drawing/2014/main" id="{1DE12C1C-810E-BFF2-A2EE-DA0A2B49722D}"/>
               </a:ext>
             </a:extLst>
           </p:cNvPr>
@@ -4543,8 +4543,8 @@
           <p:nvPr/>
         </p:nvSpPr>
         <p:spPr>
-          <a:xfrm>
-            <a:off x="7007907" y="6314507"/>
+          <a:xfrm flipH="1">
+            <a:off x="8688360" y="6302129"/>
             <a:ext cx="1377615" cy="320406"/>
           </a:xfrm>
           <a:prstGeom prst="rect">
@@ -4632,77 +4632,34 @@
       </p:sp>
       <p:cxnSp>
         <p:nvCxnSpPr>
-          <p:cNvPr id="26" name="연결선: 꺾임 25">
+          <p:cNvPr id="31" name="연결선: 꺾임 30">
             <a:extLst>
               <a:ext uri="{FF2B5EF4-FFF2-40B4-BE49-F238E27FC236}">
-                <a16:creationId xmlns:a16="http://schemas.microsoft.com/office/drawing/2014/main" id="{14AA3F0D-31C5-8B48-D093-BF1E7EEA1C4B}"/>
+                <a16:creationId xmlns:a16="http://schemas.microsoft.com/office/drawing/2014/main" id="{767AF514-9B89-A677-D564-9725AA7AF2DD}"/>
               </a:ext>
             </a:extLst>
           </p:cNvPr>
           <p:cNvCxnSpPr>
             <a:cxnSpLocks/>
-            <a:stCxn id="7" idx="1"/>
-            <a:endCxn id="23" idx="0"/>
+            <a:stCxn id="23" idx="3"/>
+            <a:endCxn id="7" idx="1"/>
           </p:cNvCxnSpPr>
           <p:nvPr/>
         </p:nvCxnSpPr>
         <p:spPr>
-          <a:xfrm rot="10800000" flipV="1">
-            <a:off x="7696716" y="5874281"/>
-            <a:ext cx="991645" cy="440225"/>
+          <a:xfrm rot="10800000">
+            <a:off x="8688360" y="5874282"/>
+            <a:ext cx="12700" cy="588050"/>
           </a:xfrm>
-          <a:prstGeom prst="bentConnector2">
-            <a:avLst/>
+          <a:prstGeom prst="bentConnector3">
+            <a:avLst>
+              <a:gd name="adj1" fmla="val 1800000"/>
+            </a:avLst>
           </a:prstGeom>
           <a:ln w="25400">
             <a:prstDash val="dash"/>
-            <a:headEnd w="lg" len="lg"/>
-            <a:tailEnd type="triangle" w="lg" len="lg"/>
-          </a:ln>
-        </p:spPr>
-        <p:style>
-          <a:lnRef idx="1">
-            <a:schemeClr val="accent1"/>
-          </a:lnRef>
-          <a:fillRef idx="0">
-            <a:schemeClr val="accent1"/>
-          </a:fillRef>
-          <a:effectRef idx="0">
-            <a:schemeClr val="accent1"/>
-          </a:effectRef>
-          <a:fontRef idx="minor">
-            <a:schemeClr val="tx1"/>
-          </a:fontRef>
-        </p:style>
-      </p:cxnSp>
-      <p:cxnSp>
-        <p:nvCxnSpPr>
-          <p:cNvPr id="27" name="연결선: 꺾임 26">
-            <a:extLst>
-              <a:ext uri="{FF2B5EF4-FFF2-40B4-BE49-F238E27FC236}">
-                <a16:creationId xmlns:a16="http://schemas.microsoft.com/office/drawing/2014/main" id="{66DFE282-2285-7EC8-8B39-41B966A540A3}"/>
-              </a:ext>
-            </a:extLst>
-          </p:cNvPr>
-          <p:cNvCxnSpPr>
-            <a:cxnSpLocks/>
-            <a:stCxn id="7" idx="2"/>
-            <a:endCxn id="23" idx="3"/>
-          </p:cNvCxnSpPr>
-          <p:nvPr/>
-        </p:nvCxnSpPr>
-        <p:spPr>
-          <a:xfrm rot="5400000">
-            <a:off x="8661233" y="5758774"/>
-            <a:ext cx="440225" cy="991646"/>
-          </a:xfrm>
-          <a:prstGeom prst="bentConnector2">
-            <a:avLst/>
-          </a:prstGeom>
-          <a:ln w="25400">
-            <a:prstDash val="solid"/>
-            <a:headEnd type="diamond" w="lg" len="lg"/>
-            <a:tailEnd type="triangle" w="lg" len="lg"/>
+            <a:headEnd type="triangle" w="lg" len="lg"/>
+            <a:tailEnd type="diamond" w="lg" len="lg"/>
           </a:ln>
         </p:spPr>
         <p:style>
@@ -4781,10 +4738,10 @@
       </p:sp>
       <p:grpSp>
         <p:nvGrpSpPr>
-          <p:cNvPr id="3" name="그룹 2">
+          <p:cNvPr id="4" name="그룹 3">
             <a:extLst>
               <a:ext uri="{FF2B5EF4-FFF2-40B4-BE49-F238E27FC236}">
-                <a16:creationId xmlns:a16="http://schemas.microsoft.com/office/drawing/2014/main" id="{93437B5F-A4AB-772D-FD7D-027795251859}"/>
+                <a16:creationId xmlns:a16="http://schemas.microsoft.com/office/drawing/2014/main" id="{6331E3E6-2933-4BF9-EB9E-1020FA16EB44}"/>
               </a:ext>
             </a:extLst>
           </p:cNvPr>
@@ -7334,10 +7291,10 @@
       </p:sp>
       <p:grpSp>
         <p:nvGrpSpPr>
-          <p:cNvPr id="3" name="그룹 2">
+          <p:cNvPr id="4" name="그룹 3">
             <a:extLst>
               <a:ext uri="{FF2B5EF4-FFF2-40B4-BE49-F238E27FC236}">
-                <a16:creationId xmlns:a16="http://schemas.microsoft.com/office/drawing/2014/main" id="{313D8A89-F758-F15D-6666-90F197823068}"/>
+                <a16:creationId xmlns:a16="http://schemas.microsoft.com/office/drawing/2014/main" id="{C9388262-C33B-9136-5157-040A804C5E3E}"/>
               </a:ext>
             </a:extLst>
           </p:cNvPr>
@@ -9887,10 +9844,10 @@
       </p:sp>
       <p:grpSp>
         <p:nvGrpSpPr>
-          <p:cNvPr id="3" name="그룹 2">
+          <p:cNvPr id="4" name="그룹 3">
             <a:extLst>
               <a:ext uri="{FF2B5EF4-FFF2-40B4-BE49-F238E27FC236}">
-                <a16:creationId xmlns:a16="http://schemas.microsoft.com/office/drawing/2014/main" id="{F7F67DDD-3751-EDDC-4724-B9CC8A1F7493}"/>
+                <a16:creationId xmlns:a16="http://schemas.microsoft.com/office/drawing/2014/main" id="{7F6F655E-879F-4768-8B96-EA25140170D2}"/>
               </a:ext>
             </a:extLst>
           </p:cNvPr>
@@ -12440,10 +12397,10 @@
       </p:sp>
       <p:grpSp>
         <p:nvGrpSpPr>
-          <p:cNvPr id="3" name="그룹 2">
+          <p:cNvPr id="4" name="그룹 3">
             <a:extLst>
               <a:ext uri="{FF2B5EF4-FFF2-40B4-BE49-F238E27FC236}">
-                <a16:creationId xmlns:a16="http://schemas.microsoft.com/office/drawing/2014/main" id="{5B4277AD-B315-BACE-0F36-23C24BC03D2E}"/>
+                <a16:creationId xmlns:a16="http://schemas.microsoft.com/office/drawing/2014/main" id="{F27F0C2F-B74A-4692-7CE2-0728E9E5F1CE}"/>
               </a:ext>
             </a:extLst>
           </p:cNvPr>

--- a/DsDotNet/src/UnitTest/UnitTest.Model/ImportOfficeExample/Sample/Sub/Sub/Floor.pptx
+++ b/DsDotNet/src/UnitTest/UnitTest.Model/ImportOfficeExample/Sample/Sub/Sub/Floor.pptx
@@ -220,7 +220,7 @@
           <a:p>
             <a:fld id="{DD503887-5801-43A0-AEF9-041E8DDC2558}" type="datetimeFigureOut">
               <a:rPr lang="ko-KR" altLang="en-US" smtClean="0"/>
-              <a:t>2024-07-12</a:t>
+              <a:t>2024-07-13</a:t>
             </a:fld>
             <a:endParaRPr lang="ko-KR" altLang="en-US" dirty="0"/>
           </a:p>
@@ -397,7 +397,7 @@
           <a:p>
             <a:fld id="{95336A0E-57B1-4D4C-BD9B-2F72B5943464}" type="datetimeFigureOut">
               <a:rPr lang="ko-KR" altLang="en-US" smtClean="0"/>
-              <a:t>2024-07-12</a:t>
+              <a:t>2024-07-13</a:t>
             </a:fld>
             <a:endParaRPr lang="ko-KR" altLang="en-US" dirty="0"/>
           </a:p>
@@ -2558,7 +2558,7 @@
             <a:pPr algn="ctr"/>
             <a:r>
               <a:rPr lang="en-US" altLang="ko-KR" sz="1200" dirty="0"/>
-              <a:t>RUN</a:t>
+              <a:t>START</a:t>
             </a:r>
           </a:p>
           <a:p>
@@ -2566,44 +2566,6 @@
             <a:r>
               <a:rPr lang="en-US" altLang="ko-KR" sz="1200" dirty="0"/>
               <a:t>[</a:t>
-            </a:r>
-            <a:r>
-              <a:rPr kumimoji="0" lang="en-US" altLang="ko-KR" sz="1200" b="0" i="0" u="none" strike="noStrike" kern="1200" cap="none" spc="0" normalizeH="0" baseline="0" noProof="0" dirty="0" err="1">
-                <a:ln>
-                  <a:noFill/>
-                </a:ln>
-                <a:solidFill>
-                  <a:prstClr val="white"/>
-                </a:solidFill>
-                <a:effectLst/>
-                <a:uLnTx/>
-                <a:uFillTx/>
-                <a:latin typeface="맑은 고딕"/>
-                <a:ea typeface="+mn-ea"/>
-                <a:cs typeface="+mn-cs"/>
-              </a:rPr>
-              <a:t>STN_Buffer</a:t>
-            </a:r>
-            <a:endParaRPr kumimoji="0" lang="en-US" altLang="ko-KR" sz="1200" b="0" i="0" u="none" strike="noStrike" kern="1200" cap="none" spc="0" normalizeH="0" baseline="0" noProof="0" dirty="0">
-              <a:ln>
-                <a:noFill/>
-              </a:ln>
-              <a:solidFill>
-                <a:prstClr val="white"/>
-              </a:solidFill>
-              <a:effectLst/>
-              <a:uLnTx/>
-              <a:uFillTx/>
-              <a:latin typeface="맑은 고딕"/>
-              <a:ea typeface="+mn-ea"/>
-              <a:cs typeface="+mn-cs"/>
-            </a:endParaRPr>
-          </a:p>
-          <a:p>
-            <a:pPr algn="ctr"/>
-            <a:r>
-              <a:rPr lang="en-US" altLang="ko-KR" sz="1200" dirty="0"/>
-              <a:t>~ </a:t>
             </a:r>
             <a:r>
               <a:rPr kumimoji="0" lang="en-US" altLang="ko-KR" sz="1200" b="0" i="0" u="none" strike="noStrike" kern="1200" cap="none" spc="0" normalizeH="0" baseline="0" noProof="0" dirty="0">
@@ -2620,10 +2582,34 @@
                 <a:ea typeface="+mn-ea"/>
                 <a:cs typeface="+mn-cs"/>
               </a:rPr>
-              <a:t>S111.Work</a:t>
+              <a:t>Buffer</a:t>
+            </a:r>
+          </a:p>
+          <a:p>
+            <a:pPr algn="ctr"/>
+            <a:r>
+              <a:rPr lang="en-US" altLang="ko-KR" sz="1200" dirty="0"/>
+              <a:t>~ </a:t>
             </a:r>
             <a:r>
-              <a:rPr lang="en-US" altLang="ko-KR" sz="1200" dirty="0"/>
+              <a:rPr kumimoji="0" lang="en-US" altLang="ko-KR" sz="1200" b="0" i="0" u="none" strike="noStrike" kern="1200" cap="none" spc="0" normalizeH="0" baseline="0" noProof="0">
+                <a:ln>
+                  <a:noFill/>
+                </a:ln>
+                <a:solidFill>
+                  <a:prstClr val="white"/>
+                </a:solidFill>
+                <a:effectLst/>
+                <a:uLnTx/>
+                <a:uFillTx/>
+                <a:latin typeface="맑은 고딕"/>
+                <a:ea typeface="+mn-ea"/>
+                <a:cs typeface="+mn-cs"/>
+              </a:rPr>
+              <a:t>Buffer</a:t>
+            </a:r>
+            <a:r>
+              <a:rPr lang="en-US" altLang="ko-KR" sz="1200"/>
               <a:t>]</a:t>
             </a:r>
             <a:endParaRPr lang="ko-KR" altLang="en-US" sz="1200" dirty="0"/>
@@ -2682,7 +2668,7 @@
         </p:blipFill>
         <p:spPr>
           <a:xfrm>
-            <a:off x="9426610" y="1323047"/>
+            <a:off x="9426610" y="1335487"/>
             <a:ext cx="282635" cy="202278"/>
           </a:xfrm>
           <a:prstGeom prst="rect">
@@ -2704,7 +2690,7 @@
         </p:nvSpPr>
         <p:spPr>
           <a:xfrm>
-            <a:off x="2300470" y="2593547"/>
+            <a:off x="3954502" y="2065665"/>
             <a:ext cx="783562" cy="1192165"/>
           </a:xfrm>
           <a:prstGeom prst="rect">
@@ -2840,7 +2826,7 @@
         </p:nvSpPr>
         <p:spPr>
           <a:xfrm>
-            <a:off x="3737085" y="2593547"/>
+            <a:off x="5391117" y="2065665"/>
             <a:ext cx="783562" cy="1192165"/>
           </a:xfrm>
           <a:prstGeom prst="rect">
@@ -2976,7 +2962,7 @@
         </p:nvSpPr>
         <p:spPr>
           <a:xfrm>
-            <a:off x="5173700" y="2593547"/>
+            <a:off x="6827732" y="2065665"/>
             <a:ext cx="783562" cy="1192165"/>
           </a:xfrm>
           <a:prstGeom prst="rect">
@@ -3112,7 +3098,7 @@
         </p:nvSpPr>
         <p:spPr>
           <a:xfrm>
-            <a:off x="6610314" y="2593547"/>
+            <a:off x="8264346" y="2065665"/>
             <a:ext cx="783562" cy="1192165"/>
           </a:xfrm>
           <a:prstGeom prst="rect">
@@ -3252,7 +3238,7 @@
         </p:nvCxnSpPr>
         <p:spPr>
           <a:xfrm>
-            <a:off x="3084032" y="3189630"/>
+            <a:off x="4738064" y="2661748"/>
             <a:ext cx="653053" cy="0"/>
           </a:xfrm>
           <a:prstGeom prst="straightConnector1">
@@ -3293,626 +3279,8 @@
         </p:nvSpPr>
         <p:spPr>
           <a:xfrm>
-            <a:off x="926172" y="2857127"/>
-            <a:ext cx="783562" cy="665004"/>
-          </a:xfrm>
-          <a:prstGeom prst="rect">
-            <a:avLst/>
-          </a:prstGeom>
-          <a:noFill/>
-          <a:ln w="28575" cap="flat" cmpd="sng" algn="ctr">
-            <a:solidFill>
-              <a:schemeClr val="accent4"/>
-            </a:solidFill>
-            <a:prstDash val="solid"/>
-            <a:round/>
-            <a:headEnd type="none" w="med" len="med"/>
-            <a:tailEnd type="none" w="med" len="med"/>
-          </a:ln>
-        </p:spPr>
-        <p:style>
-          <a:lnRef idx="0">
-            <a:scrgbClr r="0" g="0" b="0"/>
-          </a:lnRef>
-          <a:fillRef idx="0">
-            <a:scrgbClr r="0" g="0" b="0"/>
-          </a:fillRef>
-          <a:effectRef idx="0">
-            <a:scrgbClr r="0" g="0" b="0"/>
-          </a:effectRef>
-          <a:fontRef idx="minor">
-            <a:schemeClr val="accent4"/>
-          </a:fontRef>
-        </p:style>
-        <p:txBody>
-          <a:bodyPr rtlCol="0" anchor="b"/>
-          <a:lstStyle/>
-          <a:p>
-            <a:pPr marL="0" marR="0" lvl="0" indent="0" algn="r" defTabSz="914400" rtl="0" eaLnBrk="1" fontAlgn="auto" latinLnBrk="0" hangingPunct="1">
-              <a:lnSpc>
-                <a:spcPct val="100000"/>
-              </a:lnSpc>
-              <a:spcBef>
-                <a:spcPts val="0"/>
-              </a:spcBef>
-              <a:spcAft>
-                <a:spcPts val="0"/>
-              </a:spcAft>
-              <a:buClrTx/>
-              <a:buSzTx/>
-              <a:buFontTx/>
-              <a:buNone/>
-              <a:tabLst/>
-              <a:defRPr/>
-            </a:pPr>
-            <a:endParaRPr kumimoji="0" lang="en-US" altLang="ko-KR" sz="900" b="0" i="0" u="none" strike="noStrike" kern="1200" cap="none" spc="0" normalizeH="0" baseline="0" noProof="0" dirty="0">
-              <a:ln>
-                <a:noFill/>
-              </a:ln>
-              <a:solidFill>
-                <a:prstClr val="white"/>
-              </a:solidFill>
-              <a:effectLst/>
-              <a:uLnTx/>
-              <a:uFillTx/>
-              <a:latin typeface="맑은 고딕"/>
-              <a:ea typeface="+mn-ea"/>
-              <a:cs typeface="+mn-cs"/>
-            </a:endParaRPr>
-          </a:p>
-          <a:p>
-            <a:pPr marL="0" marR="0" lvl="0" indent="0" algn="r" defTabSz="914400" rtl="0" eaLnBrk="1" fontAlgn="auto" latinLnBrk="0" hangingPunct="1">
-              <a:lnSpc>
-                <a:spcPct val="100000"/>
-              </a:lnSpc>
-              <a:spcBef>
-                <a:spcPts val="0"/>
-              </a:spcBef>
-              <a:spcAft>
-                <a:spcPts val="0"/>
-              </a:spcAft>
-              <a:buClrTx/>
-              <a:buSzTx/>
-              <a:buFontTx/>
-              <a:buNone/>
-              <a:tabLst/>
-              <a:defRPr/>
-            </a:pPr>
-            <a:r>
-              <a:rPr kumimoji="0" lang="en-US" altLang="ko-KR" sz="900" b="0" i="0" u="none" strike="noStrike" kern="1200" cap="none" spc="0" normalizeH="0" baseline="0" noProof="0" dirty="0" err="1">
-                <a:ln>
-                  <a:noFill/>
-                </a:ln>
-                <a:solidFill>
-                  <a:prstClr val="white"/>
-                </a:solidFill>
-                <a:effectLst/>
-                <a:uLnTx/>
-                <a:uFillTx/>
-                <a:latin typeface="맑은 고딕"/>
-                <a:ea typeface="+mn-ea"/>
-                <a:cs typeface="+mn-cs"/>
-              </a:rPr>
-              <a:t>STN_Buffer</a:t>
-            </a:r>
-            <a:endParaRPr kumimoji="0" lang="ko-KR" altLang="en-US" sz="900" b="0" i="0" u="none" strike="noStrike" kern="1200" cap="none" spc="0" normalizeH="0" baseline="0" noProof="0" dirty="0">
-              <a:ln>
-                <a:noFill/>
-              </a:ln>
-              <a:solidFill>
-                <a:prstClr val="white"/>
-              </a:solidFill>
-              <a:effectLst/>
-              <a:uLnTx/>
-              <a:uFillTx/>
-              <a:latin typeface="맑은 고딕"/>
-              <a:ea typeface="+mn-ea"/>
-              <a:cs typeface="+mn-cs"/>
-            </a:endParaRPr>
-          </a:p>
-        </p:txBody>
-      </p:sp>
-      <p:grpSp>
-        <p:nvGrpSpPr>
-          <p:cNvPr id="6" name="그룹 5">
-            <a:extLst>
-              <a:ext uri="{FF2B5EF4-FFF2-40B4-BE49-F238E27FC236}">
-                <a16:creationId xmlns:a16="http://schemas.microsoft.com/office/drawing/2014/main" id="{1DE12C1C-810E-BFF2-A2EE-DA0A2B49722D}"/>
-              </a:ext>
-            </a:extLst>
-          </p:cNvPr>
-          <p:cNvGrpSpPr/>
-          <p:nvPr/>
-        </p:nvGrpSpPr>
-        <p:grpSpPr>
-          <a:xfrm>
-            <a:off x="8688360" y="3507085"/>
-            <a:ext cx="1377615" cy="1708485"/>
-            <a:chOff x="8688360" y="3507085"/>
-            <a:chExt cx="1377615" cy="1708485"/>
-          </a:xfrm>
-        </p:grpSpPr>
-        <p:sp>
-          <p:nvSpPr>
-            <p:cNvPr id="14" name="직사각형 13">
-              <a:extLst>
-                <a:ext uri="{FF2B5EF4-FFF2-40B4-BE49-F238E27FC236}">
-                  <a16:creationId xmlns:a16="http://schemas.microsoft.com/office/drawing/2014/main" id="{19175967-22DC-C0ED-BC9E-523201E0F49E}"/>
-                </a:ext>
-              </a:extLst>
-            </p:cNvPr>
-            <p:cNvSpPr/>
-            <p:nvPr/>
-          </p:nvSpPr>
-          <p:spPr>
-            <a:xfrm>
-              <a:off x="8688360" y="3507085"/>
-              <a:ext cx="1377615" cy="1708485"/>
-            </a:xfrm>
-            <a:prstGeom prst="rect">
-              <a:avLst/>
-            </a:prstGeom>
-            <a:noFill/>
-            <a:ln w="28575" cap="flat" cmpd="sng" algn="ctr">
-              <a:solidFill>
-                <a:schemeClr val="accent4"/>
-              </a:solidFill>
-              <a:prstDash val="solid"/>
-              <a:round/>
-              <a:headEnd type="none" w="med" len="med"/>
-              <a:tailEnd type="none" w="med" len="med"/>
-            </a:ln>
-          </p:spPr>
-          <p:style>
-            <a:lnRef idx="0">
-              <a:scrgbClr r="0" g="0" b="0"/>
-            </a:lnRef>
-            <a:fillRef idx="0">
-              <a:scrgbClr r="0" g="0" b="0"/>
-            </a:fillRef>
-            <a:effectRef idx="0">
-              <a:scrgbClr r="0" g="0" b="0"/>
-            </a:effectRef>
-            <a:fontRef idx="minor">
-              <a:schemeClr val="accent4"/>
-            </a:fontRef>
-          </p:style>
-          <p:txBody>
-            <a:bodyPr rtlCol="0" anchor="b"/>
-            <a:lstStyle/>
-            <a:p>
-              <a:pPr marL="0" marR="0" lvl="0" indent="0" algn="r" defTabSz="914400" rtl="0" eaLnBrk="1" fontAlgn="auto" latinLnBrk="0" hangingPunct="1">
-                <a:lnSpc>
-                  <a:spcPct val="100000"/>
-                </a:lnSpc>
-                <a:spcBef>
-                  <a:spcPts val="0"/>
-                </a:spcBef>
-                <a:spcAft>
-                  <a:spcPts val="0"/>
-                </a:spcAft>
-                <a:buClrTx/>
-                <a:buSzTx/>
-                <a:buFontTx/>
-                <a:buNone/>
-                <a:tabLst/>
-                <a:defRPr/>
-              </a:pPr>
-              <a:r>
-                <a:rPr kumimoji="0" lang="en-US" altLang="ko-KR" sz="1000" b="0" i="0" u="none" strike="noStrike" kern="1200" cap="none" spc="0" normalizeH="0" baseline="0" noProof="0" dirty="0">
-                  <a:ln>
-                    <a:noFill/>
-                  </a:ln>
-                  <a:solidFill>
-                    <a:prstClr val="white"/>
-                  </a:solidFill>
-                  <a:effectLst/>
-                  <a:uLnTx/>
-                  <a:uFillTx/>
-                  <a:latin typeface="맑은 고딕"/>
-                  <a:ea typeface="+mn-ea"/>
-                  <a:cs typeface="+mn-cs"/>
-                </a:rPr>
-                <a:t>Unload</a:t>
-              </a:r>
-              <a:endParaRPr kumimoji="0" lang="ko-KR" altLang="en-US" sz="1000" b="0" i="0" u="none" strike="noStrike" kern="1200" cap="none" spc="0" normalizeH="0" baseline="0" noProof="0" dirty="0">
-                <a:ln>
-                  <a:noFill/>
-                </a:ln>
-                <a:solidFill>
-                  <a:prstClr val="white"/>
-                </a:solidFill>
-                <a:effectLst/>
-                <a:uLnTx/>
-                <a:uFillTx/>
-                <a:latin typeface="맑은 고딕"/>
-                <a:ea typeface="+mn-ea"/>
-                <a:cs typeface="+mn-cs"/>
-              </a:endParaRPr>
-            </a:p>
-          </p:txBody>
-        </p:sp>
-        <p:sp>
-          <p:nvSpPr>
-            <p:cNvPr id="15" name="타원 14">
-              <a:extLst>
-                <a:ext uri="{FF2B5EF4-FFF2-40B4-BE49-F238E27FC236}">
-                  <a16:creationId xmlns:a16="http://schemas.microsoft.com/office/drawing/2014/main" id="{52D41D3E-8B29-EF6A-AD88-4DFF03EFEFDE}"/>
-                </a:ext>
-              </a:extLst>
-            </p:cNvPr>
-            <p:cNvSpPr/>
-            <p:nvPr/>
-          </p:nvSpPr>
-          <p:spPr>
-            <a:xfrm>
-              <a:off x="8905336" y="3659701"/>
-              <a:ext cx="943664" cy="348380"/>
-            </a:xfrm>
-            <a:prstGeom prst="ellipse">
-              <a:avLst/>
-            </a:prstGeom>
-          </p:spPr>
-          <p:style>
-            <a:lnRef idx="2">
-              <a:schemeClr val="accent1">
-                <a:shade val="15000"/>
-              </a:schemeClr>
-            </a:lnRef>
-            <a:fillRef idx="1">
-              <a:schemeClr val="accent1"/>
-            </a:fillRef>
-            <a:effectRef idx="0">
-              <a:schemeClr val="accent1"/>
-            </a:effectRef>
-            <a:fontRef idx="minor">
-              <a:schemeClr val="lt1"/>
-            </a:fontRef>
-          </p:style>
-          <p:txBody>
-            <a:bodyPr rtlCol="0" anchor="ctr"/>
-            <a:lstStyle/>
-            <a:p>
-              <a:pPr algn="ctr"/>
-              <a:r>
-                <a:rPr lang="en-US" altLang="ko-KR" sz="800" dirty="0"/>
-                <a:t>RBT117</a:t>
-              </a:r>
-              <a:r>
-                <a:rPr lang="en-US" altLang="ko-KR" sz="700" dirty="0"/>
-                <a:t>.</a:t>
-              </a:r>
-            </a:p>
-            <a:p>
-              <a:pPr algn="ctr"/>
-              <a:r>
-                <a:rPr lang="en-US" altLang="ko-KR" sz="700" dirty="0"/>
-                <a:t>LOAD</a:t>
-              </a:r>
-              <a:endParaRPr lang="ko-KR" altLang="en-US" sz="700" dirty="0"/>
-            </a:p>
-          </p:txBody>
-        </p:sp>
-        <p:sp>
-          <p:nvSpPr>
-            <p:cNvPr id="17" name="타원 16">
-              <a:extLst>
-                <a:ext uri="{FF2B5EF4-FFF2-40B4-BE49-F238E27FC236}">
-                  <a16:creationId xmlns:a16="http://schemas.microsoft.com/office/drawing/2014/main" id="{A46A441F-498D-DDA5-BF2A-C4DF5072134E}"/>
-                </a:ext>
-              </a:extLst>
-            </p:cNvPr>
-            <p:cNvSpPr/>
-            <p:nvPr/>
-          </p:nvSpPr>
-          <p:spPr>
-            <a:xfrm>
-              <a:off x="8905336" y="4699184"/>
-              <a:ext cx="943664" cy="348380"/>
-            </a:xfrm>
-            <a:prstGeom prst="ellipse">
-              <a:avLst/>
-            </a:prstGeom>
-          </p:spPr>
-          <p:style>
-            <a:lnRef idx="2">
-              <a:schemeClr val="accent1">
-                <a:shade val="15000"/>
-              </a:schemeClr>
-            </a:lnRef>
-            <a:fillRef idx="1">
-              <a:schemeClr val="accent1"/>
-            </a:fillRef>
-            <a:effectRef idx="0">
-              <a:schemeClr val="accent1"/>
-            </a:effectRef>
-            <a:fontRef idx="minor">
-              <a:schemeClr val="lt1"/>
-            </a:fontRef>
-          </p:style>
-          <p:txBody>
-            <a:bodyPr rtlCol="0" anchor="ctr"/>
-            <a:lstStyle/>
-            <a:p>
-              <a:pPr algn="ctr"/>
-              <a:r>
-                <a:rPr lang="en-US" altLang="ko-KR" sz="800" dirty="0"/>
-                <a:t>RBT117</a:t>
-              </a:r>
-              <a:r>
-                <a:rPr lang="en-US" altLang="ko-KR" sz="700" dirty="0"/>
-                <a:t>.</a:t>
-              </a:r>
-            </a:p>
-            <a:p>
-              <a:pPr algn="ctr"/>
-              <a:r>
-                <a:rPr lang="en-US" altLang="ko-KR" sz="700" dirty="0"/>
-                <a:t>HOME</a:t>
-              </a:r>
-              <a:endParaRPr lang="ko-KR" altLang="en-US" sz="700" dirty="0"/>
-            </a:p>
-          </p:txBody>
-        </p:sp>
-        <p:sp>
-          <p:nvSpPr>
-            <p:cNvPr id="8" name="타원 7">
-              <a:extLst>
-                <a:ext uri="{FF2B5EF4-FFF2-40B4-BE49-F238E27FC236}">
-                  <a16:creationId xmlns:a16="http://schemas.microsoft.com/office/drawing/2014/main" id="{AFAD4592-8578-A894-4B34-62EC943DCB9F}"/>
-                </a:ext>
-              </a:extLst>
-            </p:cNvPr>
-            <p:cNvSpPr/>
-            <p:nvPr/>
-          </p:nvSpPr>
-          <p:spPr>
-            <a:xfrm>
-              <a:off x="8905336" y="4203452"/>
-              <a:ext cx="943664" cy="348380"/>
-            </a:xfrm>
-            <a:prstGeom prst="ellipse">
-              <a:avLst/>
-            </a:prstGeom>
-          </p:spPr>
-          <p:style>
-            <a:lnRef idx="2">
-              <a:schemeClr val="accent1">
-                <a:shade val="15000"/>
-              </a:schemeClr>
-            </a:lnRef>
-            <a:fillRef idx="1">
-              <a:schemeClr val="accent1"/>
-            </a:fillRef>
-            <a:effectRef idx="0">
-              <a:schemeClr val="accent1"/>
-            </a:effectRef>
-            <a:fontRef idx="minor">
-              <a:schemeClr val="lt1"/>
-            </a:fontRef>
-          </p:style>
-          <p:txBody>
-            <a:bodyPr rtlCol="0" anchor="ctr"/>
-            <a:lstStyle/>
-            <a:p>
-              <a:pPr algn="ctr"/>
-              <a:r>
-                <a:rPr lang="en-US" altLang="ko-KR" sz="800" dirty="0"/>
-                <a:t>RBT117</a:t>
-              </a:r>
-              <a:r>
-                <a:rPr lang="en-US" altLang="ko-KR" sz="700" dirty="0"/>
-                <a:t>.</a:t>
-              </a:r>
-            </a:p>
-            <a:p>
-              <a:pPr algn="ctr"/>
-              <a:r>
-                <a:rPr lang="en-US" altLang="ko-KR" sz="700" dirty="0"/>
-                <a:t>UNLOAD</a:t>
-              </a:r>
-            </a:p>
-          </p:txBody>
-        </p:sp>
-      </p:grpSp>
-      <p:cxnSp>
-        <p:nvCxnSpPr>
-          <p:cNvPr id="18" name="직선 화살표 연결선 17">
-            <a:extLst>
-              <a:ext uri="{FF2B5EF4-FFF2-40B4-BE49-F238E27FC236}">
-                <a16:creationId xmlns:a16="http://schemas.microsoft.com/office/drawing/2014/main" id="{4B3F5715-1A63-5454-E994-C93977323084}"/>
-              </a:ext>
-            </a:extLst>
-          </p:cNvPr>
-          <p:cNvCxnSpPr>
-            <a:cxnSpLocks/>
-            <a:stCxn id="15" idx="4"/>
-            <a:endCxn id="8" idx="0"/>
-          </p:cNvCxnSpPr>
-          <p:nvPr/>
-        </p:nvCxnSpPr>
-        <p:spPr>
-          <a:xfrm>
-            <a:off x="9377168" y="4008081"/>
-            <a:ext cx="0" cy="195371"/>
-          </a:xfrm>
-          <a:prstGeom prst="straightConnector1">
-            <a:avLst/>
-          </a:prstGeom>
-          <a:ln w="25400">
-            <a:prstDash val="solid"/>
-            <a:headEnd w="lg" len="lg"/>
-            <a:tailEnd type="triangle" w="lg" len="lg"/>
-          </a:ln>
-        </p:spPr>
-        <p:style>
-          <a:lnRef idx="1">
-            <a:schemeClr val="accent1"/>
-          </a:lnRef>
-          <a:fillRef idx="0">
-            <a:schemeClr val="accent1"/>
-          </a:fillRef>
-          <a:effectRef idx="0">
-            <a:schemeClr val="accent1"/>
-          </a:effectRef>
-          <a:fontRef idx="minor">
-            <a:schemeClr val="tx1"/>
-          </a:fontRef>
-        </p:style>
-      </p:cxnSp>
-      <p:cxnSp>
-        <p:nvCxnSpPr>
-          <p:cNvPr id="19" name="직선 화살표 연결선 18">
-            <a:extLst>
-              <a:ext uri="{FF2B5EF4-FFF2-40B4-BE49-F238E27FC236}">
-                <a16:creationId xmlns:a16="http://schemas.microsoft.com/office/drawing/2014/main" id="{06728434-BD88-C813-DC3A-D148D09DADA6}"/>
-              </a:ext>
-            </a:extLst>
-          </p:cNvPr>
-          <p:cNvCxnSpPr>
-            <a:cxnSpLocks/>
-            <a:stCxn id="8" idx="4"/>
-            <a:endCxn id="17" idx="0"/>
-          </p:cNvCxnSpPr>
-          <p:nvPr/>
-        </p:nvCxnSpPr>
-        <p:spPr>
-          <a:xfrm>
-            <a:off x="9377168" y="4551832"/>
-            <a:ext cx="0" cy="147352"/>
-          </a:xfrm>
-          <a:prstGeom prst="straightConnector1">
-            <a:avLst/>
-          </a:prstGeom>
-          <a:ln w="25400">
-            <a:prstDash val="solid"/>
-            <a:headEnd w="lg" len="lg"/>
-            <a:tailEnd type="triangle" w="lg" len="lg"/>
-          </a:ln>
-        </p:spPr>
-        <p:style>
-          <a:lnRef idx="1">
-            <a:schemeClr val="accent1"/>
-          </a:lnRef>
-          <a:fillRef idx="0">
-            <a:schemeClr val="accent1"/>
-          </a:fillRef>
-          <a:effectRef idx="0">
-            <a:schemeClr val="accent1"/>
-          </a:effectRef>
-          <a:fontRef idx="minor">
-            <a:schemeClr val="tx1"/>
-          </a:fontRef>
-        </p:style>
-      </p:cxnSp>
-      <p:cxnSp>
-        <p:nvCxnSpPr>
-          <p:cNvPr id="22" name="연결선: 꺾임 21">
-            <a:extLst>
-              <a:ext uri="{FF2B5EF4-FFF2-40B4-BE49-F238E27FC236}">
-                <a16:creationId xmlns:a16="http://schemas.microsoft.com/office/drawing/2014/main" id="{2E066B20-D2DA-48E8-026A-AE89C04BD919}"/>
-              </a:ext>
-            </a:extLst>
-          </p:cNvPr>
-          <p:cNvCxnSpPr>
-            <a:cxnSpLocks/>
-            <a:stCxn id="9" idx="3"/>
-            <a:endCxn id="187" idx="1"/>
-          </p:cNvCxnSpPr>
-          <p:nvPr/>
-        </p:nvCxnSpPr>
-        <p:spPr>
-          <a:xfrm>
-            <a:off x="1709734" y="3189629"/>
-            <a:ext cx="590736" cy="1"/>
-          </a:xfrm>
-          <a:prstGeom prst="bentConnector3">
-            <a:avLst>
-              <a:gd name="adj1" fmla="val 50000"/>
-            </a:avLst>
-          </a:prstGeom>
-          <a:ln w="25400">
-            <a:prstDash val="solid"/>
-            <a:headEnd type="diamond" w="lg" len="lg"/>
-            <a:tailEnd type="triangle" w="lg" len="lg"/>
-          </a:ln>
-        </p:spPr>
-        <p:style>
-          <a:lnRef idx="1">
-            <a:schemeClr val="accent1"/>
-          </a:lnRef>
-          <a:fillRef idx="0">
-            <a:schemeClr val="accent1"/>
-          </a:fillRef>
-          <a:effectRef idx="0">
-            <a:schemeClr val="accent1"/>
-          </a:effectRef>
-          <a:fontRef idx="minor">
-            <a:schemeClr val="tx1"/>
-          </a:fontRef>
-        </p:style>
-      </p:cxnSp>
-      <p:cxnSp>
-        <p:nvCxnSpPr>
-          <p:cNvPr id="24" name="연결선: 꺾임 23">
-            <a:extLst>
-              <a:ext uri="{FF2B5EF4-FFF2-40B4-BE49-F238E27FC236}">
-                <a16:creationId xmlns:a16="http://schemas.microsoft.com/office/drawing/2014/main" id="{ECE619BD-BC65-68C6-A1F6-077F17535A1F}"/>
-              </a:ext>
-            </a:extLst>
-          </p:cNvPr>
-          <p:cNvCxnSpPr>
-            <a:cxnSpLocks/>
-            <a:stCxn id="190" idx="3"/>
-            <a:endCxn id="14" idx="0"/>
-          </p:cNvCxnSpPr>
-          <p:nvPr/>
-        </p:nvCxnSpPr>
-        <p:spPr>
-          <a:xfrm>
-            <a:off x="7393876" y="3189630"/>
-            <a:ext cx="1983292" cy="317455"/>
-          </a:xfrm>
-          <a:prstGeom prst="bentConnector2">
-            <a:avLst/>
-          </a:prstGeom>
-          <a:ln w="25400">
-            <a:prstDash val="solid"/>
-            <a:headEnd type="diamond" w="lg" len="lg"/>
-            <a:tailEnd type="triangle" w="lg" len="lg"/>
-          </a:ln>
-        </p:spPr>
-        <p:style>
-          <a:lnRef idx="1">
-            <a:schemeClr val="accent1"/>
-          </a:lnRef>
-          <a:fillRef idx="0">
-            <a:schemeClr val="accent1"/>
-          </a:fillRef>
-          <a:effectRef idx="0">
-            <a:schemeClr val="accent1"/>
-          </a:effectRef>
-          <a:fontRef idx="minor">
-            <a:schemeClr val="tx1"/>
-          </a:fontRef>
-        </p:style>
-      </p:cxnSp>
-      <p:sp>
-        <p:nvSpPr>
-          <p:cNvPr id="25" name="직사각형 24">
-            <a:extLst>
-              <a:ext uri="{FF2B5EF4-FFF2-40B4-BE49-F238E27FC236}">
-                <a16:creationId xmlns:a16="http://schemas.microsoft.com/office/drawing/2014/main" id="{451C2A2C-B0DA-4CEC-B803-A77E274FAF03}"/>
-              </a:ext>
-            </a:extLst>
-          </p:cNvPr>
-          <p:cNvSpPr/>
-          <p:nvPr/>
-        </p:nvSpPr>
-        <p:spPr>
-          <a:xfrm>
-            <a:off x="8688360" y="5714079"/>
-            <a:ext cx="1377615" cy="320406"/>
+            <a:off x="2553433" y="464458"/>
+            <a:ext cx="552108" cy="1005126"/>
           </a:xfrm>
           <a:prstGeom prst="rect">
             <a:avLst/>
@@ -3964,15 +3332,23 @@
               <a:defRPr/>
             </a:pPr>
             <a:r>
-              <a:rPr lang="en-US" altLang="ko-KR" sz="1000" dirty="0">
+              <a:rPr kumimoji="0" lang="en-US" altLang="ko-KR" sz="900" b="0" i="0" u="none" strike="noStrike" kern="1200" cap="none" spc="0" normalizeH="0" baseline="0" noProof="0" dirty="0">
+                <a:ln>
+                  <a:noFill/>
+                </a:ln>
                 <a:solidFill>
                   <a:prstClr val="white"/>
                 </a:solidFill>
+                <a:effectLst/>
+                <a:uLnTx/>
+                <a:uFillTx/>
                 <a:latin typeface="맑은 고딕"/>
+                <a:ea typeface="+mn-ea"/>
+                <a:cs typeface="+mn-cs"/>
               </a:rPr>
-              <a:t>UnloadClear</a:t>
+              <a:t>Buffer</a:t>
             </a:r>
-            <a:endParaRPr kumimoji="0" lang="ko-KR" altLang="en-US" sz="1000" b="0" i="0" u="none" strike="noStrike" kern="1200" cap="none" spc="0" normalizeH="0" baseline="0" noProof="0" dirty="0">
+            <a:endParaRPr kumimoji="0" lang="ko-KR" altLang="en-US" sz="900" b="0" i="0" u="none" strike="noStrike" kern="1200" cap="none" spc="0" normalizeH="0" baseline="0" noProof="0" dirty="0">
               <a:ln>
                 <a:noFill/>
               </a:ln>
@@ -3989,6 +3365,491 @@
           </a:p>
         </p:txBody>
       </p:sp>
+      <p:grpSp>
+        <p:nvGrpSpPr>
+          <p:cNvPr id="5" name="그룹 4">
+            <a:extLst>
+              <a:ext uri="{FF2B5EF4-FFF2-40B4-BE49-F238E27FC236}">
+                <a16:creationId xmlns:a16="http://schemas.microsoft.com/office/drawing/2014/main" id="{12C4EE20-D4F2-7670-799D-D222269F5F81}"/>
+              </a:ext>
+            </a:extLst>
+          </p:cNvPr>
+          <p:cNvGrpSpPr/>
+          <p:nvPr/>
+        </p:nvGrpSpPr>
+        <p:grpSpPr>
+          <a:xfrm>
+            <a:off x="9575599" y="3429000"/>
+            <a:ext cx="1377615" cy="1708485"/>
+            <a:chOff x="8688360" y="3507085"/>
+            <a:chExt cx="1377615" cy="1708485"/>
+          </a:xfrm>
+        </p:grpSpPr>
+        <p:sp>
+          <p:nvSpPr>
+            <p:cNvPr id="14" name="직사각형 13">
+              <a:extLst>
+                <a:ext uri="{FF2B5EF4-FFF2-40B4-BE49-F238E27FC236}">
+                  <a16:creationId xmlns:a16="http://schemas.microsoft.com/office/drawing/2014/main" id="{19175967-22DC-C0ED-BC9E-523201E0F49E}"/>
+                </a:ext>
+              </a:extLst>
+            </p:cNvPr>
+            <p:cNvSpPr/>
+            <p:nvPr/>
+          </p:nvSpPr>
+          <p:spPr>
+            <a:xfrm>
+              <a:off x="8688360" y="3507085"/>
+              <a:ext cx="1377615" cy="1708485"/>
+            </a:xfrm>
+            <a:prstGeom prst="rect">
+              <a:avLst/>
+            </a:prstGeom>
+            <a:noFill/>
+            <a:ln w="28575" cap="flat" cmpd="sng" algn="ctr">
+              <a:solidFill>
+                <a:schemeClr val="accent4"/>
+              </a:solidFill>
+              <a:prstDash val="solid"/>
+              <a:round/>
+              <a:headEnd type="none" w="med" len="med"/>
+              <a:tailEnd type="none" w="med" len="med"/>
+            </a:ln>
+          </p:spPr>
+          <p:style>
+            <a:lnRef idx="0">
+              <a:scrgbClr r="0" g="0" b="0"/>
+            </a:lnRef>
+            <a:fillRef idx="0">
+              <a:scrgbClr r="0" g="0" b="0"/>
+            </a:fillRef>
+            <a:effectRef idx="0">
+              <a:scrgbClr r="0" g="0" b="0"/>
+            </a:effectRef>
+            <a:fontRef idx="minor">
+              <a:schemeClr val="accent4"/>
+            </a:fontRef>
+          </p:style>
+          <p:txBody>
+            <a:bodyPr rtlCol="0" anchor="b"/>
+            <a:lstStyle/>
+            <a:p>
+              <a:pPr marL="0" marR="0" lvl="0" indent="0" algn="r" defTabSz="914400" rtl="0" eaLnBrk="1" fontAlgn="auto" latinLnBrk="0" hangingPunct="1">
+                <a:lnSpc>
+                  <a:spcPct val="100000"/>
+                </a:lnSpc>
+                <a:spcBef>
+                  <a:spcPts val="0"/>
+                </a:spcBef>
+                <a:spcAft>
+                  <a:spcPts val="0"/>
+                </a:spcAft>
+                <a:buClrTx/>
+                <a:buSzTx/>
+                <a:buFontTx/>
+                <a:buNone/>
+                <a:tabLst/>
+                <a:defRPr/>
+              </a:pPr>
+              <a:r>
+                <a:rPr kumimoji="0" lang="en-US" altLang="ko-KR" sz="1000" b="0" i="0" u="none" strike="noStrike" kern="1200" cap="none" spc="0" normalizeH="0" baseline="0" noProof="0" dirty="0">
+                  <a:ln>
+                    <a:noFill/>
+                  </a:ln>
+                  <a:solidFill>
+                    <a:prstClr val="white"/>
+                  </a:solidFill>
+                  <a:effectLst/>
+                  <a:uLnTx/>
+                  <a:uFillTx/>
+                  <a:latin typeface="맑은 고딕"/>
+                  <a:ea typeface="+mn-ea"/>
+                  <a:cs typeface="+mn-cs"/>
+                </a:rPr>
+                <a:t>Unload</a:t>
+              </a:r>
+              <a:endParaRPr kumimoji="0" lang="ko-KR" altLang="en-US" sz="1000" b="0" i="0" u="none" strike="noStrike" kern="1200" cap="none" spc="0" normalizeH="0" baseline="0" noProof="0" dirty="0">
+                <a:ln>
+                  <a:noFill/>
+                </a:ln>
+                <a:solidFill>
+                  <a:prstClr val="white"/>
+                </a:solidFill>
+                <a:effectLst/>
+                <a:uLnTx/>
+                <a:uFillTx/>
+                <a:latin typeface="맑은 고딕"/>
+                <a:ea typeface="+mn-ea"/>
+                <a:cs typeface="+mn-cs"/>
+              </a:endParaRPr>
+            </a:p>
+          </p:txBody>
+        </p:sp>
+        <p:sp>
+          <p:nvSpPr>
+            <p:cNvPr id="15" name="타원 14">
+              <a:extLst>
+                <a:ext uri="{FF2B5EF4-FFF2-40B4-BE49-F238E27FC236}">
+                  <a16:creationId xmlns:a16="http://schemas.microsoft.com/office/drawing/2014/main" id="{52D41D3E-8B29-EF6A-AD88-4DFF03EFEFDE}"/>
+                </a:ext>
+              </a:extLst>
+            </p:cNvPr>
+            <p:cNvSpPr/>
+            <p:nvPr/>
+          </p:nvSpPr>
+          <p:spPr>
+            <a:xfrm>
+              <a:off x="8905336" y="3659701"/>
+              <a:ext cx="943664" cy="348380"/>
+            </a:xfrm>
+            <a:prstGeom prst="ellipse">
+              <a:avLst/>
+            </a:prstGeom>
+          </p:spPr>
+          <p:style>
+            <a:lnRef idx="2">
+              <a:schemeClr val="accent1">
+                <a:shade val="15000"/>
+              </a:schemeClr>
+            </a:lnRef>
+            <a:fillRef idx="1">
+              <a:schemeClr val="accent1"/>
+            </a:fillRef>
+            <a:effectRef idx="0">
+              <a:schemeClr val="accent1"/>
+            </a:effectRef>
+            <a:fontRef idx="minor">
+              <a:schemeClr val="lt1"/>
+            </a:fontRef>
+          </p:style>
+          <p:txBody>
+            <a:bodyPr rtlCol="0" anchor="ctr"/>
+            <a:lstStyle/>
+            <a:p>
+              <a:pPr algn="ctr"/>
+              <a:r>
+                <a:rPr lang="en-US" altLang="ko-KR" sz="800" dirty="0"/>
+                <a:t>RBT117</a:t>
+              </a:r>
+              <a:r>
+                <a:rPr lang="en-US" altLang="ko-KR" sz="700" dirty="0"/>
+                <a:t>.</a:t>
+              </a:r>
+            </a:p>
+            <a:p>
+              <a:pPr algn="ctr"/>
+              <a:r>
+                <a:rPr lang="en-US" altLang="ko-KR" sz="700" dirty="0"/>
+                <a:t>LOAD</a:t>
+              </a:r>
+              <a:endParaRPr lang="ko-KR" altLang="en-US" sz="700" dirty="0"/>
+            </a:p>
+          </p:txBody>
+        </p:sp>
+        <p:sp>
+          <p:nvSpPr>
+            <p:cNvPr id="17" name="타원 16">
+              <a:extLst>
+                <a:ext uri="{FF2B5EF4-FFF2-40B4-BE49-F238E27FC236}">
+                  <a16:creationId xmlns:a16="http://schemas.microsoft.com/office/drawing/2014/main" id="{A46A441F-498D-DDA5-BF2A-C4DF5072134E}"/>
+                </a:ext>
+              </a:extLst>
+            </p:cNvPr>
+            <p:cNvSpPr/>
+            <p:nvPr/>
+          </p:nvSpPr>
+          <p:spPr>
+            <a:xfrm>
+              <a:off x="8905336" y="4699184"/>
+              <a:ext cx="943664" cy="348380"/>
+            </a:xfrm>
+            <a:prstGeom prst="ellipse">
+              <a:avLst/>
+            </a:prstGeom>
+          </p:spPr>
+          <p:style>
+            <a:lnRef idx="2">
+              <a:schemeClr val="accent1">
+                <a:shade val="15000"/>
+              </a:schemeClr>
+            </a:lnRef>
+            <a:fillRef idx="1">
+              <a:schemeClr val="accent1"/>
+            </a:fillRef>
+            <a:effectRef idx="0">
+              <a:schemeClr val="accent1"/>
+            </a:effectRef>
+            <a:fontRef idx="minor">
+              <a:schemeClr val="lt1"/>
+            </a:fontRef>
+          </p:style>
+          <p:txBody>
+            <a:bodyPr rtlCol="0" anchor="ctr"/>
+            <a:lstStyle/>
+            <a:p>
+              <a:pPr algn="ctr"/>
+              <a:r>
+                <a:rPr lang="en-US" altLang="ko-KR" sz="800" dirty="0"/>
+                <a:t>RBT117</a:t>
+              </a:r>
+              <a:r>
+                <a:rPr lang="en-US" altLang="ko-KR" sz="700" dirty="0"/>
+                <a:t>.</a:t>
+              </a:r>
+            </a:p>
+            <a:p>
+              <a:pPr algn="ctr"/>
+              <a:r>
+                <a:rPr lang="en-US" altLang="ko-KR" sz="700" dirty="0"/>
+                <a:t>HOME</a:t>
+              </a:r>
+              <a:endParaRPr lang="ko-KR" altLang="en-US" sz="700" dirty="0"/>
+            </a:p>
+          </p:txBody>
+        </p:sp>
+        <p:sp>
+          <p:nvSpPr>
+            <p:cNvPr id="8" name="타원 7">
+              <a:extLst>
+                <a:ext uri="{FF2B5EF4-FFF2-40B4-BE49-F238E27FC236}">
+                  <a16:creationId xmlns:a16="http://schemas.microsoft.com/office/drawing/2014/main" id="{AFAD4592-8578-A894-4B34-62EC943DCB9F}"/>
+                </a:ext>
+              </a:extLst>
+            </p:cNvPr>
+            <p:cNvSpPr/>
+            <p:nvPr/>
+          </p:nvSpPr>
+          <p:spPr>
+            <a:xfrm>
+              <a:off x="8905336" y="4203452"/>
+              <a:ext cx="943664" cy="348380"/>
+            </a:xfrm>
+            <a:prstGeom prst="ellipse">
+              <a:avLst/>
+            </a:prstGeom>
+          </p:spPr>
+          <p:style>
+            <a:lnRef idx="2">
+              <a:schemeClr val="accent1">
+                <a:shade val="15000"/>
+              </a:schemeClr>
+            </a:lnRef>
+            <a:fillRef idx="1">
+              <a:schemeClr val="accent1"/>
+            </a:fillRef>
+            <a:effectRef idx="0">
+              <a:schemeClr val="accent1"/>
+            </a:effectRef>
+            <a:fontRef idx="minor">
+              <a:schemeClr val="lt1"/>
+            </a:fontRef>
+          </p:style>
+          <p:txBody>
+            <a:bodyPr rtlCol="0" anchor="ctr"/>
+            <a:lstStyle/>
+            <a:p>
+              <a:pPr algn="ctr"/>
+              <a:r>
+                <a:rPr lang="en-US" altLang="ko-KR" sz="800" dirty="0"/>
+                <a:t>RBT117</a:t>
+              </a:r>
+              <a:r>
+                <a:rPr lang="en-US" altLang="ko-KR" sz="700" dirty="0"/>
+                <a:t>.</a:t>
+              </a:r>
+            </a:p>
+            <a:p>
+              <a:pPr algn="ctr"/>
+              <a:r>
+                <a:rPr lang="en-US" altLang="ko-KR" sz="700" dirty="0"/>
+                <a:t>UNLOAD</a:t>
+              </a:r>
+            </a:p>
+          </p:txBody>
+        </p:sp>
+      </p:grpSp>
+      <p:cxnSp>
+        <p:nvCxnSpPr>
+          <p:cNvPr id="18" name="직선 화살표 연결선 17">
+            <a:extLst>
+              <a:ext uri="{FF2B5EF4-FFF2-40B4-BE49-F238E27FC236}">
+                <a16:creationId xmlns:a16="http://schemas.microsoft.com/office/drawing/2014/main" id="{4B3F5715-1A63-5454-E994-C93977323084}"/>
+              </a:ext>
+            </a:extLst>
+          </p:cNvPr>
+          <p:cNvCxnSpPr>
+            <a:cxnSpLocks/>
+            <a:stCxn id="15" idx="4"/>
+            <a:endCxn id="8" idx="0"/>
+          </p:cNvCxnSpPr>
+          <p:nvPr/>
+        </p:nvCxnSpPr>
+        <p:spPr>
+          <a:xfrm>
+            <a:off x="10264407" y="3929996"/>
+            <a:ext cx="0" cy="195371"/>
+          </a:xfrm>
+          <a:prstGeom prst="straightConnector1">
+            <a:avLst/>
+          </a:prstGeom>
+          <a:ln w="25400">
+            <a:prstDash val="solid"/>
+            <a:headEnd w="lg" len="lg"/>
+            <a:tailEnd type="triangle" w="lg" len="lg"/>
+          </a:ln>
+        </p:spPr>
+        <p:style>
+          <a:lnRef idx="1">
+            <a:schemeClr val="accent1"/>
+          </a:lnRef>
+          <a:fillRef idx="0">
+            <a:schemeClr val="accent1"/>
+          </a:fillRef>
+          <a:effectRef idx="0">
+            <a:schemeClr val="accent1"/>
+          </a:effectRef>
+          <a:fontRef idx="minor">
+            <a:schemeClr val="tx1"/>
+          </a:fontRef>
+        </p:style>
+      </p:cxnSp>
+      <p:cxnSp>
+        <p:nvCxnSpPr>
+          <p:cNvPr id="19" name="직선 화살표 연결선 18">
+            <a:extLst>
+              <a:ext uri="{FF2B5EF4-FFF2-40B4-BE49-F238E27FC236}">
+                <a16:creationId xmlns:a16="http://schemas.microsoft.com/office/drawing/2014/main" id="{06728434-BD88-C813-DC3A-D148D09DADA6}"/>
+              </a:ext>
+            </a:extLst>
+          </p:cNvPr>
+          <p:cNvCxnSpPr>
+            <a:cxnSpLocks/>
+            <a:stCxn id="8" idx="4"/>
+            <a:endCxn id="17" idx="0"/>
+          </p:cNvCxnSpPr>
+          <p:nvPr/>
+        </p:nvCxnSpPr>
+        <p:spPr>
+          <a:xfrm>
+            <a:off x="10264407" y="4473747"/>
+            <a:ext cx="0" cy="147352"/>
+          </a:xfrm>
+          <a:prstGeom prst="straightConnector1">
+            <a:avLst/>
+          </a:prstGeom>
+          <a:ln w="25400">
+            <a:prstDash val="solid"/>
+            <a:headEnd w="lg" len="lg"/>
+            <a:tailEnd type="triangle" w="lg" len="lg"/>
+          </a:ln>
+        </p:spPr>
+        <p:style>
+          <a:lnRef idx="1">
+            <a:schemeClr val="accent1"/>
+          </a:lnRef>
+          <a:fillRef idx="0">
+            <a:schemeClr val="accent1"/>
+          </a:fillRef>
+          <a:effectRef idx="0">
+            <a:schemeClr val="accent1"/>
+          </a:effectRef>
+          <a:fontRef idx="minor">
+            <a:schemeClr val="tx1"/>
+          </a:fontRef>
+        </p:style>
+      </p:cxnSp>
+      <p:cxnSp>
+        <p:nvCxnSpPr>
+          <p:cNvPr id="22" name="연결선: 꺾임 21">
+            <a:extLst>
+              <a:ext uri="{FF2B5EF4-FFF2-40B4-BE49-F238E27FC236}">
+                <a16:creationId xmlns:a16="http://schemas.microsoft.com/office/drawing/2014/main" id="{2E066B20-D2DA-48E8-026A-AE89C04BD919}"/>
+              </a:ext>
+            </a:extLst>
+          </p:cNvPr>
+          <p:cNvCxnSpPr>
+            <a:cxnSpLocks/>
+            <a:stCxn id="30" idx="2"/>
+            <a:endCxn id="187" idx="0"/>
+          </p:cNvCxnSpPr>
+          <p:nvPr/>
+        </p:nvCxnSpPr>
+        <p:spPr>
+          <a:xfrm rot="5400000">
+            <a:off x="4580178" y="1235688"/>
+            <a:ext cx="596082" cy="1063872"/>
+          </a:xfrm>
+          <a:prstGeom prst="bentConnector3">
+            <a:avLst>
+              <a:gd name="adj1" fmla="val 50000"/>
+            </a:avLst>
+          </a:prstGeom>
+          <a:ln w="25400">
+            <a:prstDash val="solid"/>
+            <a:headEnd type="diamond" w="lg" len="lg"/>
+            <a:tailEnd type="triangle" w="lg" len="lg"/>
+          </a:ln>
+        </p:spPr>
+        <p:style>
+          <a:lnRef idx="1">
+            <a:schemeClr val="accent1"/>
+          </a:lnRef>
+          <a:fillRef idx="0">
+            <a:schemeClr val="accent1"/>
+          </a:fillRef>
+          <a:effectRef idx="0">
+            <a:schemeClr val="accent1"/>
+          </a:effectRef>
+          <a:fontRef idx="minor">
+            <a:schemeClr val="tx1"/>
+          </a:fontRef>
+        </p:style>
+      </p:cxnSp>
+      <p:cxnSp>
+        <p:nvCxnSpPr>
+          <p:cNvPr id="24" name="연결선: 꺾임 23">
+            <a:extLst>
+              <a:ext uri="{FF2B5EF4-FFF2-40B4-BE49-F238E27FC236}">
+                <a16:creationId xmlns:a16="http://schemas.microsoft.com/office/drawing/2014/main" id="{ECE619BD-BC65-68C6-A1F6-077F17535A1F}"/>
+              </a:ext>
+            </a:extLst>
+          </p:cNvPr>
+          <p:cNvCxnSpPr>
+            <a:cxnSpLocks/>
+            <a:stCxn id="190" idx="3"/>
+            <a:endCxn id="14" idx="0"/>
+          </p:cNvCxnSpPr>
+          <p:nvPr/>
+        </p:nvCxnSpPr>
+        <p:spPr>
+          <a:xfrm>
+            <a:off x="9047908" y="2661748"/>
+            <a:ext cx="1216499" cy="767252"/>
+          </a:xfrm>
+          <a:prstGeom prst="bentConnector2">
+            <a:avLst/>
+          </a:prstGeom>
+          <a:ln w="25400">
+            <a:prstDash val="solid"/>
+            <a:headEnd type="diamond" w="lg" len="lg"/>
+            <a:tailEnd type="triangle" w="lg" len="lg"/>
+          </a:ln>
+        </p:spPr>
+        <p:style>
+          <a:lnRef idx="1">
+            <a:schemeClr val="accent1"/>
+          </a:lnRef>
+          <a:fillRef idx="0">
+            <a:schemeClr val="accent1"/>
+          </a:fillRef>
+          <a:effectRef idx="0">
+            <a:schemeClr val="accent1"/>
+          </a:effectRef>
+          <a:fontRef idx="minor">
+            <a:schemeClr val="tx1"/>
+          </a:fontRef>
+        </p:style>
+      </p:cxnSp>
       <p:sp>
         <p:nvSpPr>
           <p:cNvPr id="41" name="사각형: 모서리가 접힌 도형 40">
@@ -4194,7 +4055,7 @@
         </p:nvCxnSpPr>
         <p:spPr>
           <a:xfrm>
-            <a:off x="4520647" y="3189630"/>
+            <a:off x="6174679" y="2661748"/>
             <a:ext cx="653053" cy="0"/>
           </a:xfrm>
           <a:prstGeom prst="straightConnector1">
@@ -4239,7 +4100,7 @@
         </p:nvCxnSpPr>
         <p:spPr>
           <a:xfrm>
-            <a:off x="5957262" y="3189630"/>
+            <a:off x="7611294" y="2661748"/>
             <a:ext cx="653052" cy="0"/>
           </a:xfrm>
           <a:prstGeom prst="straightConnector1">
@@ -4280,7 +4141,7 @@
         </p:nvSpPr>
         <p:spPr>
           <a:xfrm>
-            <a:off x="8688360" y="5714079"/>
+            <a:off x="9575597" y="5558375"/>
             <a:ext cx="1377615" cy="320406"/>
           </a:xfrm>
           <a:prstGeom prst="rect">
@@ -4358,59 +4219,12 @@
           </a:p>
         </p:txBody>
       </p:sp>
-      <p:cxnSp>
-        <p:nvCxnSpPr>
-          <p:cNvPr id="10" name="연결선: 꺾임 9">
+      <p:sp>
+        <p:nvSpPr>
+          <p:cNvPr id="6" name="화살표: 오각형 5">
             <a:extLst>
               <a:ext uri="{FF2B5EF4-FFF2-40B4-BE49-F238E27FC236}">
-                <a16:creationId xmlns:a16="http://schemas.microsoft.com/office/drawing/2014/main" id="{7714891F-9968-5278-6C09-7863B53067C7}"/>
-              </a:ext>
-            </a:extLst>
-          </p:cNvPr>
-          <p:cNvCxnSpPr>
-            <a:cxnSpLocks/>
-            <a:stCxn id="7" idx="3"/>
-            <a:endCxn id="14" idx="3"/>
-          </p:cNvCxnSpPr>
-          <p:nvPr/>
-        </p:nvCxnSpPr>
-        <p:spPr>
-          <a:xfrm flipV="1">
-            <a:off x="10065975" y="4361328"/>
-            <a:ext cx="12700" cy="1512954"/>
-          </a:xfrm>
-          <a:prstGeom prst="bentConnector3">
-            <a:avLst>
-              <a:gd name="adj1" fmla="val 1800000"/>
-            </a:avLst>
-          </a:prstGeom>
-          <a:ln w="25400">
-            <a:prstDash val="dash"/>
-            <a:headEnd w="lg" len="lg"/>
-            <a:tailEnd type="triangle" w="lg" len="lg"/>
-          </a:ln>
-        </p:spPr>
-        <p:style>
-          <a:lnRef idx="1">
-            <a:schemeClr val="accent1"/>
-          </a:lnRef>
-          <a:fillRef idx="0">
-            <a:schemeClr val="accent1"/>
-          </a:fillRef>
-          <a:effectRef idx="0">
-            <a:schemeClr val="accent1"/>
-          </a:effectRef>
-          <a:fontRef idx="minor">
-            <a:schemeClr val="tx1"/>
-          </a:fontRef>
-        </p:style>
-      </p:cxnSp>
-      <p:sp>
-        <p:nvSpPr>
-          <p:cNvPr id="12" name="화살표: 오각형 11">
-            <a:extLst>
-              <a:ext uri="{FF2B5EF4-FFF2-40B4-BE49-F238E27FC236}">
-                <a16:creationId xmlns:a16="http://schemas.microsoft.com/office/drawing/2014/main" id="{3E91B5A7-BB42-8D52-768B-F7112C746F8F}"/>
+                <a16:creationId xmlns:a16="http://schemas.microsoft.com/office/drawing/2014/main" id="{B1851F1E-3EA6-43C8-A243-B7B46B302AAD}"/>
               </a:ext>
             </a:extLst>
           </p:cNvPr>
@@ -4419,7 +4233,7 @@
         </p:nvSpPr>
         <p:spPr>
           <a:xfrm flipH="1">
-            <a:off x="8729" y="4191733"/>
+            <a:off x="66840" y="4551832"/>
             <a:ext cx="2036280" cy="592588"/>
           </a:xfrm>
           <a:prstGeom prst="homePlate">
@@ -4454,28 +4268,23 @@
           <a:p>
             <a:pPr algn="ctr"/>
             <a:r>
-              <a:rPr lang="en-US" altLang="ko-KR" sz="1200" dirty="0">
+              <a:rPr kumimoji="0" lang="en-US" altLang="ko-KR" sz="1200" b="0" i="0" u="none" strike="noStrike" kern="1200" cap="none" spc="0" normalizeH="0" baseline="0" noProof="0" dirty="0">
+                <a:ln>
+                  <a:noFill/>
+                </a:ln>
                 <a:solidFill>
                   <a:prstClr val="white"/>
                 </a:solidFill>
+                <a:effectLst/>
+                <a:uLnTx/>
+                <a:uFillTx/>
                 <a:latin typeface="맑은 고딕"/>
+                <a:ea typeface="+mn-ea"/>
+                <a:cs typeface="+mn-cs"/>
               </a:rPr>
-              <a:t>CLEAR</a:t>
+              <a:t>UNLOAD</a:t>
             </a:r>
-            <a:endParaRPr kumimoji="0" lang="ko-KR" altLang="en-US" sz="1200" b="0" i="0" u="none" strike="noStrike" kern="1200" cap="none" spc="0" normalizeH="0" baseline="0" noProof="0" dirty="0">
-              <a:ln>
-                <a:noFill/>
-              </a:ln>
-              <a:solidFill>
-                <a:prstClr val="white"/>
-              </a:solidFill>
-              <a:effectLst/>
-              <a:uLnTx/>
-              <a:uFillTx/>
-              <a:latin typeface="맑은 고딕"/>
-              <a:ea typeface="+mn-ea"/>
-              <a:cs typeface="+mn-cs"/>
-            </a:endParaRPr>
+            <a:endParaRPr lang="en-US" altLang="ko-KR" sz="1200" dirty="0"/>
           </a:p>
           <a:p>
             <a:pPr algn="ctr"/>
@@ -4492,7 +4301,7 @@
               </a:rPr>
               <a:t>UnloadClear</a:t>
             </a:r>
-            <a:endParaRPr kumimoji="0" lang="ko-KR" altLang="en-US" sz="1200" b="0" i="0" u="none" strike="noStrike" kern="1200" cap="none" spc="0" normalizeH="0" baseline="0" noProof="0" dirty="0">
+            <a:endParaRPr kumimoji="0" lang="en-US" altLang="ko-KR" sz="1200" b="0" i="0" u="none" strike="noStrike" kern="1200" cap="none" spc="0" normalizeH="0" baseline="0" noProof="0" dirty="0">
               <a:ln>
                 <a:noFill/>
               </a:ln>
@@ -4530,12 +4339,57 @@
           </a:p>
         </p:txBody>
       </p:sp>
+      <p:cxnSp>
+        <p:nvCxnSpPr>
+          <p:cNvPr id="10" name="직선 화살표 연결선 9">
+            <a:extLst>
+              <a:ext uri="{FF2B5EF4-FFF2-40B4-BE49-F238E27FC236}">
+                <a16:creationId xmlns:a16="http://schemas.microsoft.com/office/drawing/2014/main" id="{CFE39128-1D27-23F2-6169-6F769B642553}"/>
+              </a:ext>
+            </a:extLst>
+          </p:cNvPr>
+          <p:cNvCxnSpPr>
+            <a:cxnSpLocks/>
+            <a:stCxn id="14" idx="2"/>
+            <a:endCxn id="7" idx="0"/>
+          </p:cNvCxnSpPr>
+          <p:nvPr/>
+        </p:nvCxnSpPr>
+        <p:spPr>
+          <a:xfrm flipH="1">
+            <a:off x="10264405" y="5137485"/>
+            <a:ext cx="2" cy="420890"/>
+          </a:xfrm>
+          <a:prstGeom prst="straightConnector1">
+            <a:avLst/>
+          </a:prstGeom>
+          <a:ln w="25400">
+            <a:prstDash val="dash"/>
+            <a:headEnd type="triangle" w="lg" len="lg"/>
+            <a:tailEnd type="none" w="lg" len="lg"/>
+          </a:ln>
+        </p:spPr>
+        <p:style>
+          <a:lnRef idx="1">
+            <a:schemeClr val="accent1"/>
+          </a:lnRef>
+          <a:fillRef idx="0">
+            <a:schemeClr val="accent1"/>
+          </a:fillRef>
+          <a:effectRef idx="0">
+            <a:schemeClr val="accent1"/>
+          </a:effectRef>
+          <a:fontRef idx="minor">
+            <a:schemeClr val="tx1"/>
+          </a:fontRef>
+        </p:style>
+      </p:cxnSp>
       <p:sp>
         <p:nvSpPr>
           <p:cNvPr id="23" name="직사각형 22">
             <a:extLst>
               <a:ext uri="{FF2B5EF4-FFF2-40B4-BE49-F238E27FC236}">
-                <a16:creationId xmlns:a16="http://schemas.microsoft.com/office/drawing/2014/main" id="{E0CF6CE6-A92D-E945-A4F6-5C356C8D2026}"/>
+                <a16:creationId xmlns:a16="http://schemas.microsoft.com/office/drawing/2014/main" id="{5A96AFEC-DEAC-8408-9DC7-BA70354C48C1}"/>
               </a:ext>
             </a:extLst>
           </p:cNvPr>
@@ -4543,8 +4397,8 @@
           <p:nvPr/>
         </p:nvSpPr>
         <p:spPr>
-          <a:xfrm flipH="1">
-            <a:off x="8688360" y="6302129"/>
+          <a:xfrm>
+            <a:off x="9575598" y="6263946"/>
             <a:ext cx="1377615" cy="320406"/>
           </a:xfrm>
           <a:prstGeom prst="rect">
@@ -4597,21 +4451,13 @@
               <a:defRPr/>
             </a:pPr>
             <a:r>
-              <a:rPr kumimoji="0" lang="en-US" altLang="ko-KR" sz="1000" b="0" i="0" u="none" strike="noStrike" kern="1200" cap="none" spc="0" normalizeH="0" baseline="0" noProof="0" dirty="0">
-                <a:ln>
-                  <a:noFill/>
-                </a:ln>
+              <a:rPr lang="en-US" altLang="ko-KR" sz="1000" dirty="0">
                 <a:solidFill>
                   <a:prstClr val="white"/>
                 </a:solidFill>
-                <a:effectLst/>
-                <a:uLnTx/>
-                <a:uFillTx/>
                 <a:latin typeface="맑은 고딕"/>
-                <a:ea typeface="+mn-ea"/>
-                <a:cs typeface="+mn-cs"/>
               </a:rPr>
-              <a:t>clear</a:t>
+              <a:t>Clear</a:t>
             </a:r>
             <a:endParaRPr kumimoji="0" lang="ko-KR" altLang="en-US" sz="1000" b="0" i="0" u="none" strike="noStrike" kern="1200" cap="none" spc="0" normalizeH="0" baseline="0" noProof="0" dirty="0">
               <a:ln>
@@ -4632,34 +4478,478 @@
       </p:sp>
       <p:cxnSp>
         <p:nvCxnSpPr>
-          <p:cNvPr id="31" name="연결선: 꺾임 30">
+          <p:cNvPr id="26" name="연결선: 꺾임 25">
             <a:extLst>
               <a:ext uri="{FF2B5EF4-FFF2-40B4-BE49-F238E27FC236}">
-                <a16:creationId xmlns:a16="http://schemas.microsoft.com/office/drawing/2014/main" id="{767AF514-9B89-A677-D564-9725AA7AF2DD}"/>
+                <a16:creationId xmlns:a16="http://schemas.microsoft.com/office/drawing/2014/main" id="{887B46B8-F7FF-E368-7AD2-98F9643F1015}"/>
               </a:ext>
             </a:extLst>
           </p:cNvPr>
           <p:cNvCxnSpPr>
             <a:cxnSpLocks/>
-            <a:stCxn id="23" idx="3"/>
-            <a:endCxn id="7" idx="1"/>
+            <a:stCxn id="23" idx="0"/>
+            <a:endCxn id="7" idx="2"/>
           </p:cNvCxnSpPr>
           <p:nvPr/>
         </p:nvCxnSpPr>
         <p:spPr>
-          <a:xfrm rot="10800000">
-            <a:off x="8688360" y="5874282"/>
-            <a:ext cx="12700" cy="588050"/>
+          <a:xfrm rot="16200000" flipV="1">
+            <a:off x="10071824" y="6071363"/>
+            <a:ext cx="385165" cy="1"/>
           </a:xfrm>
           <a:prstGeom prst="bentConnector3">
             <a:avLst>
-              <a:gd name="adj1" fmla="val 1800000"/>
+              <a:gd name="adj1" fmla="val 50000"/>
             </a:avLst>
           </a:prstGeom>
           <a:ln w="25400">
             <a:prstDash val="dash"/>
             <a:headEnd type="triangle" w="lg" len="lg"/>
             <a:tailEnd type="diamond" w="lg" len="lg"/>
+          </a:ln>
+        </p:spPr>
+        <p:style>
+          <a:lnRef idx="1">
+            <a:schemeClr val="accent1"/>
+          </a:lnRef>
+          <a:fillRef idx="0">
+            <a:schemeClr val="accent1"/>
+          </a:fillRef>
+          <a:effectRef idx="0">
+            <a:schemeClr val="accent1"/>
+          </a:effectRef>
+          <a:fontRef idx="minor">
+            <a:schemeClr val="tx1"/>
+          </a:fontRef>
+        </p:style>
+      </p:cxnSp>
+      <p:sp>
+        <p:nvSpPr>
+          <p:cNvPr id="12" name="직사각형 11">
+            <a:extLst>
+              <a:ext uri="{FF2B5EF4-FFF2-40B4-BE49-F238E27FC236}">
+                <a16:creationId xmlns:a16="http://schemas.microsoft.com/office/drawing/2014/main" id="{54CD15A4-2E0C-F7EA-7997-69ECA8EB7CEF}"/>
+              </a:ext>
+            </a:extLst>
+          </p:cNvPr>
+          <p:cNvSpPr/>
+          <p:nvPr/>
+        </p:nvSpPr>
+        <p:spPr>
+          <a:xfrm>
+            <a:off x="3419397" y="466206"/>
+            <a:ext cx="562472" cy="1005126"/>
+          </a:xfrm>
+          <a:prstGeom prst="rect">
+            <a:avLst/>
+          </a:prstGeom>
+          <a:noFill/>
+          <a:ln w="28575" cap="flat" cmpd="sng" algn="ctr">
+            <a:solidFill>
+              <a:schemeClr val="accent4"/>
+            </a:solidFill>
+            <a:prstDash val="solid"/>
+            <a:round/>
+            <a:headEnd type="none" w="med" len="med"/>
+            <a:tailEnd type="none" w="med" len="med"/>
+          </a:ln>
+        </p:spPr>
+        <p:style>
+          <a:lnRef idx="0">
+            <a:scrgbClr r="0" g="0" b="0"/>
+          </a:lnRef>
+          <a:fillRef idx="0">
+            <a:scrgbClr r="0" g="0" b="0"/>
+          </a:fillRef>
+          <a:effectRef idx="0">
+            <a:scrgbClr r="0" g="0" b="0"/>
+          </a:effectRef>
+          <a:fontRef idx="minor">
+            <a:schemeClr val="accent4"/>
+          </a:fontRef>
+        </p:style>
+        <p:txBody>
+          <a:bodyPr rtlCol="0" anchor="b"/>
+          <a:lstStyle/>
+          <a:p>
+            <a:pPr marL="0" marR="0" lvl="0" indent="0" algn="r" defTabSz="914400" rtl="0" eaLnBrk="1" fontAlgn="auto" latinLnBrk="0" hangingPunct="1">
+              <a:lnSpc>
+                <a:spcPct val="100000"/>
+              </a:lnSpc>
+              <a:spcBef>
+                <a:spcPts val="0"/>
+              </a:spcBef>
+              <a:spcAft>
+                <a:spcPts val="0"/>
+              </a:spcAft>
+              <a:buClrTx/>
+              <a:buSzTx/>
+              <a:buFontTx/>
+              <a:buNone/>
+              <a:tabLst/>
+              <a:defRPr/>
+            </a:pPr>
+            <a:r>
+              <a:rPr kumimoji="0" lang="en-US" altLang="ko-KR" sz="900" b="0" i="0" u="none" strike="noStrike" kern="1200" cap="none" spc="0" normalizeH="0" baseline="0" noProof="0" dirty="0">
+                <a:ln>
+                  <a:noFill/>
+                </a:ln>
+                <a:solidFill>
+                  <a:prstClr val="white"/>
+                </a:solidFill>
+                <a:effectLst/>
+                <a:uLnTx/>
+                <a:uFillTx/>
+                <a:latin typeface="맑은 고딕"/>
+                <a:ea typeface="+mn-ea"/>
+                <a:cs typeface="+mn-cs"/>
+              </a:rPr>
+              <a:t>Buffer1</a:t>
+            </a:r>
+            <a:endParaRPr kumimoji="0" lang="ko-KR" altLang="en-US" sz="900" b="0" i="0" u="none" strike="noStrike" kern="1200" cap="none" spc="0" normalizeH="0" baseline="0" noProof="0" dirty="0">
+              <a:ln>
+                <a:noFill/>
+              </a:ln>
+              <a:solidFill>
+                <a:prstClr val="white"/>
+              </a:solidFill>
+              <a:effectLst/>
+              <a:uLnTx/>
+              <a:uFillTx/>
+              <a:latin typeface="맑은 고딕"/>
+              <a:ea typeface="+mn-ea"/>
+              <a:cs typeface="+mn-cs"/>
+            </a:endParaRPr>
+          </a:p>
+        </p:txBody>
+      </p:sp>
+      <p:sp>
+        <p:nvSpPr>
+          <p:cNvPr id="29" name="직사각형 28">
+            <a:extLst>
+              <a:ext uri="{FF2B5EF4-FFF2-40B4-BE49-F238E27FC236}">
+                <a16:creationId xmlns:a16="http://schemas.microsoft.com/office/drawing/2014/main" id="{69317C23-F5A4-0537-8489-6D09A85811BF}"/>
+              </a:ext>
+            </a:extLst>
+          </p:cNvPr>
+          <p:cNvSpPr/>
+          <p:nvPr/>
+        </p:nvSpPr>
+        <p:spPr>
+          <a:xfrm>
+            <a:off x="4298749" y="464457"/>
+            <a:ext cx="562472" cy="1005126"/>
+          </a:xfrm>
+          <a:prstGeom prst="rect">
+            <a:avLst/>
+          </a:prstGeom>
+          <a:noFill/>
+          <a:ln w="28575" cap="flat" cmpd="sng" algn="ctr">
+            <a:solidFill>
+              <a:schemeClr val="accent4"/>
+            </a:solidFill>
+            <a:prstDash val="solid"/>
+            <a:round/>
+            <a:headEnd type="none" w="med" len="med"/>
+            <a:tailEnd type="none" w="med" len="med"/>
+          </a:ln>
+        </p:spPr>
+        <p:style>
+          <a:lnRef idx="0">
+            <a:scrgbClr r="0" g="0" b="0"/>
+          </a:lnRef>
+          <a:fillRef idx="0">
+            <a:scrgbClr r="0" g="0" b="0"/>
+          </a:fillRef>
+          <a:effectRef idx="0">
+            <a:scrgbClr r="0" g="0" b="0"/>
+          </a:effectRef>
+          <a:fontRef idx="minor">
+            <a:schemeClr val="accent4"/>
+          </a:fontRef>
+        </p:style>
+        <p:txBody>
+          <a:bodyPr rtlCol="0" anchor="b"/>
+          <a:lstStyle/>
+          <a:p>
+            <a:pPr marL="0" marR="0" lvl="0" indent="0" algn="r" defTabSz="914400" rtl="0" eaLnBrk="1" fontAlgn="auto" latinLnBrk="0" hangingPunct="1">
+              <a:lnSpc>
+                <a:spcPct val="100000"/>
+              </a:lnSpc>
+              <a:spcBef>
+                <a:spcPts val="0"/>
+              </a:spcBef>
+              <a:spcAft>
+                <a:spcPts val="0"/>
+              </a:spcAft>
+              <a:buClrTx/>
+              <a:buSzTx/>
+              <a:buFontTx/>
+              <a:buNone/>
+              <a:tabLst/>
+              <a:defRPr/>
+            </a:pPr>
+            <a:r>
+              <a:rPr kumimoji="0" lang="en-US" altLang="ko-KR" sz="900" b="0" i="0" u="none" strike="noStrike" kern="1200" cap="none" spc="0" normalizeH="0" baseline="0" noProof="0" dirty="0">
+                <a:ln>
+                  <a:noFill/>
+                </a:ln>
+                <a:solidFill>
+                  <a:prstClr val="white"/>
+                </a:solidFill>
+                <a:effectLst/>
+                <a:uLnTx/>
+                <a:uFillTx/>
+                <a:latin typeface="맑은 고딕"/>
+                <a:ea typeface="+mn-ea"/>
+                <a:cs typeface="+mn-cs"/>
+              </a:rPr>
+              <a:t>Buffer</a:t>
+            </a:r>
+            <a:r>
+              <a:rPr lang="en-US" altLang="ko-KR" sz="900" dirty="0">
+                <a:solidFill>
+                  <a:prstClr val="white"/>
+                </a:solidFill>
+                <a:latin typeface="맑은 고딕"/>
+              </a:rPr>
+              <a:t>2</a:t>
+            </a:r>
+            <a:endParaRPr kumimoji="0" lang="ko-KR" altLang="en-US" sz="900" b="0" i="0" u="none" strike="noStrike" kern="1200" cap="none" spc="0" normalizeH="0" baseline="0" noProof="0" dirty="0">
+              <a:ln>
+                <a:noFill/>
+              </a:ln>
+              <a:solidFill>
+                <a:prstClr val="white"/>
+              </a:solidFill>
+              <a:effectLst/>
+              <a:uLnTx/>
+              <a:uFillTx/>
+              <a:latin typeface="맑은 고딕"/>
+              <a:ea typeface="+mn-ea"/>
+              <a:cs typeface="+mn-cs"/>
+            </a:endParaRPr>
+          </a:p>
+        </p:txBody>
+      </p:sp>
+      <p:sp>
+        <p:nvSpPr>
+          <p:cNvPr id="30" name="직사각형 29">
+            <a:extLst>
+              <a:ext uri="{FF2B5EF4-FFF2-40B4-BE49-F238E27FC236}">
+                <a16:creationId xmlns:a16="http://schemas.microsoft.com/office/drawing/2014/main" id="{076252F8-2D71-18AE-0527-30864A95085E}"/>
+              </a:ext>
+            </a:extLst>
+          </p:cNvPr>
+          <p:cNvSpPr/>
+          <p:nvPr/>
+        </p:nvSpPr>
+        <p:spPr>
+          <a:xfrm>
+            <a:off x="5128919" y="464457"/>
+            <a:ext cx="562472" cy="1005126"/>
+          </a:xfrm>
+          <a:prstGeom prst="rect">
+            <a:avLst/>
+          </a:prstGeom>
+          <a:noFill/>
+          <a:ln w="28575" cap="flat" cmpd="sng" algn="ctr">
+            <a:solidFill>
+              <a:schemeClr val="accent4"/>
+            </a:solidFill>
+            <a:prstDash val="solid"/>
+            <a:round/>
+            <a:headEnd type="none" w="med" len="med"/>
+            <a:tailEnd type="none" w="med" len="med"/>
+          </a:ln>
+        </p:spPr>
+        <p:style>
+          <a:lnRef idx="0">
+            <a:scrgbClr r="0" g="0" b="0"/>
+          </a:lnRef>
+          <a:fillRef idx="0">
+            <a:scrgbClr r="0" g="0" b="0"/>
+          </a:fillRef>
+          <a:effectRef idx="0">
+            <a:scrgbClr r="0" g="0" b="0"/>
+          </a:effectRef>
+          <a:fontRef idx="minor">
+            <a:schemeClr val="accent4"/>
+          </a:fontRef>
+        </p:style>
+        <p:txBody>
+          <a:bodyPr rtlCol="0" anchor="b"/>
+          <a:lstStyle/>
+          <a:p>
+            <a:pPr marL="0" marR="0" lvl="0" indent="0" algn="r" defTabSz="914400" rtl="0" eaLnBrk="1" fontAlgn="auto" latinLnBrk="0" hangingPunct="1">
+              <a:lnSpc>
+                <a:spcPct val="100000"/>
+              </a:lnSpc>
+              <a:spcBef>
+                <a:spcPts val="0"/>
+              </a:spcBef>
+              <a:spcAft>
+                <a:spcPts val="0"/>
+              </a:spcAft>
+              <a:buClrTx/>
+              <a:buSzTx/>
+              <a:buFontTx/>
+              <a:buNone/>
+              <a:tabLst/>
+              <a:defRPr/>
+            </a:pPr>
+            <a:r>
+              <a:rPr kumimoji="0" lang="en-US" altLang="ko-KR" sz="900" b="0" i="0" u="none" strike="noStrike" kern="1200" cap="none" spc="0" normalizeH="0" baseline="0" noProof="0" dirty="0">
+                <a:ln>
+                  <a:noFill/>
+                </a:ln>
+                <a:solidFill>
+                  <a:prstClr val="white"/>
+                </a:solidFill>
+                <a:effectLst/>
+                <a:uLnTx/>
+                <a:uFillTx/>
+                <a:latin typeface="맑은 고딕"/>
+                <a:ea typeface="+mn-ea"/>
+                <a:cs typeface="+mn-cs"/>
+              </a:rPr>
+              <a:t>Buffer3</a:t>
+            </a:r>
+            <a:endParaRPr kumimoji="0" lang="ko-KR" altLang="en-US" sz="900" b="0" i="0" u="none" strike="noStrike" kern="1200" cap="none" spc="0" normalizeH="0" baseline="0" noProof="0" dirty="0">
+              <a:ln>
+                <a:noFill/>
+              </a:ln>
+              <a:solidFill>
+                <a:prstClr val="white"/>
+              </a:solidFill>
+              <a:effectLst/>
+              <a:uLnTx/>
+              <a:uFillTx/>
+              <a:latin typeface="맑은 고딕"/>
+              <a:ea typeface="+mn-ea"/>
+              <a:cs typeface="+mn-cs"/>
+            </a:endParaRPr>
+          </a:p>
+        </p:txBody>
+      </p:sp>
+      <p:cxnSp>
+        <p:nvCxnSpPr>
+          <p:cNvPr id="31" name="직선 화살표 연결선 30">
+            <a:extLst>
+              <a:ext uri="{FF2B5EF4-FFF2-40B4-BE49-F238E27FC236}">
+                <a16:creationId xmlns:a16="http://schemas.microsoft.com/office/drawing/2014/main" id="{B77D5C6C-BDF0-1819-0D66-12C8C232D3B1}"/>
+              </a:ext>
+            </a:extLst>
+          </p:cNvPr>
+          <p:cNvCxnSpPr>
+            <a:cxnSpLocks/>
+            <a:stCxn id="9" idx="3"/>
+            <a:endCxn id="12" idx="1"/>
+          </p:cNvCxnSpPr>
+          <p:nvPr/>
+        </p:nvCxnSpPr>
+        <p:spPr>
+          <a:xfrm>
+            <a:off x="3105541" y="967021"/>
+            <a:ext cx="313856" cy="1748"/>
+          </a:xfrm>
+          <a:prstGeom prst="straightConnector1">
+            <a:avLst/>
+          </a:prstGeom>
+          <a:ln w="25400">
+            <a:prstDash val="solid"/>
+            <a:headEnd type="diamond" w="lg" len="lg"/>
+            <a:tailEnd type="triangle" w="lg" len="lg"/>
+          </a:ln>
+        </p:spPr>
+        <p:style>
+          <a:lnRef idx="1">
+            <a:schemeClr val="accent1"/>
+          </a:lnRef>
+          <a:fillRef idx="0">
+            <a:schemeClr val="accent1"/>
+          </a:fillRef>
+          <a:effectRef idx="0">
+            <a:schemeClr val="accent1"/>
+          </a:effectRef>
+          <a:fontRef idx="minor">
+            <a:schemeClr val="tx1"/>
+          </a:fontRef>
+        </p:style>
+      </p:cxnSp>
+      <p:cxnSp>
+        <p:nvCxnSpPr>
+          <p:cNvPr id="34" name="직선 화살표 연결선 33">
+            <a:extLst>
+              <a:ext uri="{FF2B5EF4-FFF2-40B4-BE49-F238E27FC236}">
+                <a16:creationId xmlns:a16="http://schemas.microsoft.com/office/drawing/2014/main" id="{D7DD4EAB-67AC-13AF-51DA-EE963905A51E}"/>
+              </a:ext>
+            </a:extLst>
+          </p:cNvPr>
+          <p:cNvCxnSpPr>
+            <a:cxnSpLocks/>
+            <a:stCxn id="12" idx="3"/>
+            <a:endCxn id="29" idx="1"/>
+          </p:cNvCxnSpPr>
+          <p:nvPr/>
+        </p:nvCxnSpPr>
+        <p:spPr>
+          <a:xfrm flipV="1">
+            <a:off x="3981869" y="967020"/>
+            <a:ext cx="316880" cy="1749"/>
+          </a:xfrm>
+          <a:prstGeom prst="straightConnector1">
+            <a:avLst/>
+          </a:prstGeom>
+          <a:ln w="25400">
+            <a:prstDash val="solid"/>
+            <a:headEnd type="diamond" w="lg" len="lg"/>
+            <a:tailEnd type="triangle" w="lg" len="lg"/>
+          </a:ln>
+        </p:spPr>
+        <p:style>
+          <a:lnRef idx="1">
+            <a:schemeClr val="accent1"/>
+          </a:lnRef>
+          <a:fillRef idx="0">
+            <a:schemeClr val="accent1"/>
+          </a:fillRef>
+          <a:effectRef idx="0">
+            <a:schemeClr val="accent1"/>
+          </a:effectRef>
+          <a:fontRef idx="minor">
+            <a:schemeClr val="tx1"/>
+          </a:fontRef>
+        </p:style>
+      </p:cxnSp>
+      <p:cxnSp>
+        <p:nvCxnSpPr>
+          <p:cNvPr id="35" name="직선 화살표 연결선 34">
+            <a:extLst>
+              <a:ext uri="{FF2B5EF4-FFF2-40B4-BE49-F238E27FC236}">
+                <a16:creationId xmlns:a16="http://schemas.microsoft.com/office/drawing/2014/main" id="{44A2B1CC-A465-3DA9-06D6-E3324B1A3787}"/>
+              </a:ext>
+            </a:extLst>
+          </p:cNvPr>
+          <p:cNvCxnSpPr>
+            <a:cxnSpLocks/>
+            <a:stCxn id="29" idx="3"/>
+            <a:endCxn id="30" idx="1"/>
+          </p:cNvCxnSpPr>
+          <p:nvPr/>
+        </p:nvCxnSpPr>
+        <p:spPr>
+          <a:xfrm>
+            <a:off x="4861221" y="967020"/>
+            <a:ext cx="267698" cy="0"/>
+          </a:xfrm>
+          <a:prstGeom prst="straightConnector1">
+            <a:avLst/>
+          </a:prstGeom>
+          <a:ln w="25400">
+            <a:prstDash val="solid"/>
+            <a:headEnd type="diamond" w="lg" len="lg"/>
+            <a:tailEnd type="triangle" w="lg" len="lg"/>
           </a:ln>
         </p:spPr>
         <p:style>
@@ -4738,10 +5028,10 @@
       </p:sp>
       <p:grpSp>
         <p:nvGrpSpPr>
-          <p:cNvPr id="4" name="그룹 3">
+          <p:cNvPr id="3" name="그룹 2">
             <a:extLst>
               <a:ext uri="{FF2B5EF4-FFF2-40B4-BE49-F238E27FC236}">
-                <a16:creationId xmlns:a16="http://schemas.microsoft.com/office/drawing/2014/main" id="{6331E3E6-2933-4BF9-EB9E-1020FA16EB44}"/>
+                <a16:creationId xmlns:a16="http://schemas.microsoft.com/office/drawing/2014/main" id="{4E2B568E-1B98-532C-B8C3-4A973B8D5F0D}"/>
               </a:ext>
             </a:extLst>
           </p:cNvPr>
@@ -7291,10 +7581,10 @@
       </p:sp>
       <p:grpSp>
         <p:nvGrpSpPr>
-          <p:cNvPr id="4" name="그룹 3">
+          <p:cNvPr id="3" name="그룹 2">
             <a:extLst>
               <a:ext uri="{FF2B5EF4-FFF2-40B4-BE49-F238E27FC236}">
-                <a16:creationId xmlns:a16="http://schemas.microsoft.com/office/drawing/2014/main" id="{C9388262-C33B-9136-5157-040A804C5E3E}"/>
+                <a16:creationId xmlns:a16="http://schemas.microsoft.com/office/drawing/2014/main" id="{E3C9F733-07D6-CE1E-D236-CF7EF6B2E134}"/>
               </a:ext>
             </a:extLst>
           </p:cNvPr>
@@ -9844,10 +10134,10 @@
       </p:sp>
       <p:grpSp>
         <p:nvGrpSpPr>
-          <p:cNvPr id="4" name="그룹 3">
+          <p:cNvPr id="3" name="그룹 2">
             <a:extLst>
               <a:ext uri="{FF2B5EF4-FFF2-40B4-BE49-F238E27FC236}">
-                <a16:creationId xmlns:a16="http://schemas.microsoft.com/office/drawing/2014/main" id="{7F6F655E-879F-4768-8B96-EA25140170D2}"/>
+                <a16:creationId xmlns:a16="http://schemas.microsoft.com/office/drawing/2014/main" id="{383CD751-23FA-34CE-C706-6B6E637F69E9}"/>
               </a:ext>
             </a:extLst>
           </p:cNvPr>
@@ -12397,10 +12687,10 @@
       </p:sp>
       <p:grpSp>
         <p:nvGrpSpPr>
-          <p:cNvPr id="4" name="그룹 3">
+          <p:cNvPr id="3" name="그룹 2">
             <a:extLst>
               <a:ext uri="{FF2B5EF4-FFF2-40B4-BE49-F238E27FC236}">
-                <a16:creationId xmlns:a16="http://schemas.microsoft.com/office/drawing/2014/main" id="{F27F0C2F-B74A-4692-7CE2-0728E9E5F1CE}"/>
+                <a16:creationId xmlns:a16="http://schemas.microsoft.com/office/drawing/2014/main" id="{DC8B5343-556B-888E-26B9-971B3B2C2C97}"/>
               </a:ext>
             </a:extLst>
           </p:cNvPr>

--- a/DsDotNet/src/UnitTest/UnitTest.Model/ImportOfficeExample/Sample/Sub/Sub/Floor.pptx
+++ b/DsDotNet/src/UnitTest/UnitTest.Model/ImportOfficeExample/Sample/Sub/Sub/Floor.pptx
@@ -220,7 +220,7 @@
           <a:p>
             <a:fld id="{DD503887-5801-43A0-AEF9-041E8DDC2558}" type="datetimeFigureOut">
               <a:rPr lang="ko-KR" altLang="en-US" smtClean="0"/>
-              <a:t>2024-07-13</a:t>
+              <a:t>2024-07-14</a:t>
             </a:fld>
             <a:endParaRPr lang="ko-KR" altLang="en-US" dirty="0"/>
           </a:p>
@@ -397,7 +397,7 @@
           <a:p>
             <a:fld id="{95336A0E-57B1-4D4C-BD9B-2F72B5943464}" type="datetimeFigureOut">
               <a:rPr lang="ko-KR" altLang="en-US" smtClean="0"/>
-              <a:t>2024-07-13</a:t>
+              <a:t>2024-07-14</a:t>
             </a:fld>
             <a:endParaRPr lang="ko-KR" altLang="en-US" dirty="0"/>
           </a:p>
@@ -3367,10 +3367,10 @@
       </p:sp>
       <p:grpSp>
         <p:nvGrpSpPr>
-          <p:cNvPr id="5" name="그룹 4">
+          <p:cNvPr id="25" name="그룹 24">
             <a:extLst>
               <a:ext uri="{FF2B5EF4-FFF2-40B4-BE49-F238E27FC236}">
-                <a16:creationId xmlns:a16="http://schemas.microsoft.com/office/drawing/2014/main" id="{12C4EE20-D4F2-7670-799D-D222269F5F81}"/>
+                <a16:creationId xmlns:a16="http://schemas.microsoft.com/office/drawing/2014/main" id="{C0627CFF-7D98-61F7-4CD0-F11F5F1D2F35}"/>
               </a:ext>
             </a:extLst>
           </p:cNvPr>
@@ -3381,7 +3381,7 @@
           <a:xfrm>
             <a:off x="9575599" y="3429000"/>
             <a:ext cx="1377615" cy="1708485"/>
-            <a:chOff x="8688360" y="3507085"/>
+            <a:chOff x="9575599" y="3429000"/>
             <a:chExt cx="1377615" cy="1708485"/>
           </a:xfrm>
         </p:grpSpPr>
@@ -3399,7 +3399,7 @@
           </p:nvSpPr>
           <p:spPr>
             <a:xfrm>
-              <a:off x="8688360" y="3507085"/>
+              <a:off x="9575599" y="3429000"/>
               <a:ext cx="1377615" cy="1708485"/>
             </a:xfrm>
             <a:prstGeom prst="rect">
@@ -3499,8 +3499,8 @@
           </p:nvSpPr>
           <p:spPr>
             <a:xfrm>
-              <a:off x="8905336" y="3659701"/>
-              <a:ext cx="943664" cy="348380"/>
+              <a:off x="9709245" y="3581616"/>
+              <a:ext cx="1110324" cy="348380"/>
             </a:xfrm>
             <a:prstGeom prst="ellipse">
               <a:avLst/>
@@ -3539,10 +3539,17 @@
             <a:p>
               <a:pPr algn="ctr"/>
               <a:r>
-                <a:rPr lang="en-US" altLang="ko-KR" sz="700" dirty="0"/>
-                <a:t>LOAD</a:t>
-              </a:r>
-              <a:endParaRPr lang="ko-KR" altLang="en-US" sz="700" dirty="0"/>
+                <a:rPr lang="en-US" altLang="ko-KR" sz="800" dirty="0"/>
+                <a:t>IN_OK_1</a:t>
+              </a:r>
+              <a:r>
+                <a:rPr lang="en-US" altLang="ko-KR" sz="800" baseline="30000" dirty="0"/>
+                <a:t>ST</a:t>
+              </a:r>
+              <a:r>
+                <a:rPr lang="en-US" altLang="ko-KR" sz="800" dirty="0"/>
+                <a:t>_A</a:t>
+              </a:r>
             </a:p>
           </p:txBody>
         </p:sp>
@@ -3560,8 +3567,8 @@
           </p:nvSpPr>
           <p:spPr>
             <a:xfrm>
-              <a:off x="8905336" y="4699184"/>
-              <a:ext cx="943664" cy="348380"/>
+              <a:off x="9670318" y="4621099"/>
+              <a:ext cx="1188178" cy="348380"/>
             </a:xfrm>
             <a:prstGeom prst="ellipse">
               <a:avLst/>
@@ -3590,20 +3597,16 @@
               <a:pPr algn="ctr"/>
               <a:r>
                 <a:rPr lang="en-US" altLang="ko-KR" sz="800" dirty="0"/>
-                <a:t>RBT117</a:t>
-              </a:r>
-              <a:r>
-                <a:rPr lang="en-US" altLang="ko-KR" sz="700" dirty="0"/>
-                <a:t>.</a:t>
+                <a:t>RBT117.</a:t>
               </a:r>
             </a:p>
             <a:p>
               <a:pPr algn="ctr"/>
               <a:r>
-                <a:rPr lang="en-US" altLang="ko-KR" sz="700" dirty="0"/>
-                <a:t>HOME</a:t>
-              </a:r>
-              <a:endParaRPr lang="ko-KR" altLang="en-US" sz="700" dirty="0"/>
+                <a:rPr lang="en-US" altLang="ko-KR" sz="800" dirty="0"/>
+                <a:t>WORK_COMP_RST</a:t>
+              </a:r>
+              <a:endParaRPr lang="ko-KR" altLang="en-US" sz="800" dirty="0"/>
             </a:p>
           </p:txBody>
         </p:sp>
@@ -3621,8 +3624,8 @@
           </p:nvSpPr>
           <p:spPr>
             <a:xfrm>
-              <a:off x="8905336" y="4203452"/>
-              <a:ext cx="943664" cy="348380"/>
+              <a:off x="9709245" y="4125367"/>
+              <a:ext cx="1110324" cy="348380"/>
             </a:xfrm>
             <a:prstGeom prst="ellipse">
               <a:avLst/>
@@ -3661,9 +3664,14 @@
             <a:p>
               <a:pPr algn="ctr"/>
               <a:r>
-                <a:rPr lang="en-US" altLang="ko-KR" sz="700" dirty="0"/>
-                <a:t>UNLOAD</a:t>
-              </a:r>
+                <a:rPr lang="en-US" altLang="ko-KR" sz="800" dirty="0"/>
+                <a:t>IN_OK_2</a:t>
+              </a:r>
+              <a:r>
+                <a:rPr lang="en-US" altLang="ko-KR" sz="800" baseline="30000" dirty="0"/>
+                <a:t>nd</a:t>
+              </a:r>
+              <a:endParaRPr lang="en-US" altLang="ko-KR" sz="700" dirty="0"/>
             </a:p>
           </p:txBody>
         </p:sp>
@@ -3902,7 +3910,7 @@
             <a:pPr algn="ctr"/>
             <a:r>
               <a:rPr lang="en-US" altLang="ko-KR" sz="900" dirty="0"/>
-              <a:t>../../lib/Robot/Handling</a:t>
+              <a:t>sub/Robot</a:t>
             </a:r>
           </a:p>
           <a:p>
@@ -5028,10 +5036,10 @@
       </p:sp>
       <p:grpSp>
         <p:nvGrpSpPr>
-          <p:cNvPr id="3" name="그룹 2">
+          <p:cNvPr id="4" name="그룹 3">
             <a:extLst>
               <a:ext uri="{FF2B5EF4-FFF2-40B4-BE49-F238E27FC236}">
-                <a16:creationId xmlns:a16="http://schemas.microsoft.com/office/drawing/2014/main" id="{4E2B568E-1B98-532C-B8C3-4A973B8D5F0D}"/>
+                <a16:creationId xmlns:a16="http://schemas.microsoft.com/office/drawing/2014/main" id="{D65D1406-EF7C-6E68-A17E-01E1EDEAA9F1}"/>
               </a:ext>
             </a:extLst>
           </p:cNvPr>
@@ -7000,526 +7008,6 @@
           </p:style>
         </p:cxnSp>
       </p:grpSp>
-      <p:sp>
-        <p:nvSpPr>
-          <p:cNvPr id="43" name="사각형: 모서리가 접힌 도형 42">
-            <a:extLst>
-              <a:ext uri="{FF2B5EF4-FFF2-40B4-BE49-F238E27FC236}">
-                <a16:creationId xmlns:a16="http://schemas.microsoft.com/office/drawing/2014/main" id="{542319C5-DBB3-FECE-CDA9-B7F88B7E8B70}"/>
-              </a:ext>
-            </a:extLst>
-          </p:cNvPr>
-          <p:cNvSpPr/>
-          <p:nvPr/>
-        </p:nvSpPr>
-        <p:spPr>
-          <a:xfrm>
-            <a:off x="8491003" y="223372"/>
-            <a:ext cx="1685035" cy="591039"/>
-          </a:xfrm>
-          <a:prstGeom prst="foldedCorner">
-            <a:avLst>
-              <a:gd name="adj" fmla="val 27487"/>
-            </a:avLst>
-          </a:prstGeom>
-          <a:solidFill>
-            <a:schemeClr val="accent3">
-              <a:alpha val="50000"/>
-            </a:schemeClr>
-          </a:solidFill>
-          <a:ln>
-            <a:noFill/>
-          </a:ln>
-        </p:spPr>
-        <p:style>
-          <a:lnRef idx="0">
-            <a:scrgbClr r="0" g="0" b="0"/>
-          </a:lnRef>
-          <a:fillRef idx="0">
-            <a:scrgbClr r="0" g="0" b="0"/>
-          </a:fillRef>
-          <a:effectRef idx="0">
-            <a:scrgbClr r="0" g="0" b="0"/>
-          </a:effectRef>
-          <a:fontRef idx="minor">
-            <a:schemeClr val="lt1"/>
-          </a:fontRef>
-        </p:style>
-        <p:txBody>
-          <a:bodyPr rtlCol="0" anchor="ctr"/>
-          <a:lstStyle/>
-          <a:p>
-            <a:pPr algn="ctr"/>
-            <a:r>
-              <a:rPr lang="en-US" altLang="ko-KR" sz="900" dirty="0"/>
-              <a:t>../../lib/Cylinder/Single</a:t>
-            </a:r>
-          </a:p>
-          <a:p>
-            <a:pPr algn="ctr"/>
-            <a:r>
-              <a:rPr lang="en-US" altLang="ko-KR" sz="900" dirty="0"/>
-              <a:t>[Pin01]</a:t>
-            </a:r>
-            <a:endParaRPr lang="ko-KR" altLang="en-US" sz="900" dirty="0"/>
-          </a:p>
-        </p:txBody>
-      </p:sp>
-      <p:sp>
-        <p:nvSpPr>
-          <p:cNvPr id="44" name="사각형: 모서리가 접힌 도형 43">
-            <a:extLst>
-              <a:ext uri="{FF2B5EF4-FFF2-40B4-BE49-F238E27FC236}">
-                <a16:creationId xmlns:a16="http://schemas.microsoft.com/office/drawing/2014/main" id="{FE62AFEE-E51D-82BF-2097-68D97AEF5B08}"/>
-              </a:ext>
-            </a:extLst>
-          </p:cNvPr>
-          <p:cNvSpPr/>
-          <p:nvPr/>
-        </p:nvSpPr>
-        <p:spPr>
-          <a:xfrm>
-            <a:off x="8491003" y="992346"/>
-            <a:ext cx="1685035" cy="591039"/>
-          </a:xfrm>
-          <a:prstGeom prst="foldedCorner">
-            <a:avLst>
-              <a:gd name="adj" fmla="val 27487"/>
-            </a:avLst>
-          </a:prstGeom>
-          <a:solidFill>
-            <a:schemeClr val="accent3">
-              <a:alpha val="50000"/>
-            </a:schemeClr>
-          </a:solidFill>
-          <a:ln>
-            <a:noFill/>
-          </a:ln>
-        </p:spPr>
-        <p:style>
-          <a:lnRef idx="0">
-            <a:scrgbClr r="0" g="0" b="0"/>
-          </a:lnRef>
-          <a:fillRef idx="0">
-            <a:scrgbClr r="0" g="0" b="0"/>
-          </a:fillRef>
-          <a:effectRef idx="0">
-            <a:scrgbClr r="0" g="0" b="0"/>
-          </a:effectRef>
-          <a:fontRef idx="minor">
-            <a:schemeClr val="lt1"/>
-          </a:fontRef>
-        </p:style>
-        <p:txBody>
-          <a:bodyPr rtlCol="0" anchor="ctr"/>
-          <a:lstStyle/>
-          <a:p>
-            <a:pPr algn="ctr"/>
-            <a:r>
-              <a:rPr lang="en-US" altLang="ko-KR" sz="900" dirty="0"/>
-              <a:t>../../lib/Robot/Weld</a:t>
-            </a:r>
-          </a:p>
-          <a:p>
-            <a:pPr algn="ctr"/>
-            <a:r>
-              <a:rPr lang="en-US" altLang="ko-KR" sz="900" dirty="0"/>
-              <a:t>[RbtWeld01]</a:t>
-            </a:r>
-            <a:endParaRPr lang="ko-KR" altLang="en-US" sz="900" dirty="0"/>
-          </a:p>
-        </p:txBody>
-      </p:sp>
-      <p:sp>
-        <p:nvSpPr>
-          <p:cNvPr id="45" name="사각형: 모서리가 접힌 도형 44">
-            <a:extLst>
-              <a:ext uri="{FF2B5EF4-FFF2-40B4-BE49-F238E27FC236}">
-                <a16:creationId xmlns:a16="http://schemas.microsoft.com/office/drawing/2014/main" id="{87DD9411-5771-93AA-0B58-A1CB7493175C}"/>
-              </a:ext>
-            </a:extLst>
-          </p:cNvPr>
-          <p:cNvSpPr/>
-          <p:nvPr/>
-        </p:nvSpPr>
-        <p:spPr>
-          <a:xfrm>
-            <a:off x="8491003" y="1805345"/>
-            <a:ext cx="1685035" cy="591039"/>
-          </a:xfrm>
-          <a:prstGeom prst="foldedCorner">
-            <a:avLst>
-              <a:gd name="adj" fmla="val 27487"/>
-            </a:avLst>
-          </a:prstGeom>
-          <a:solidFill>
-            <a:schemeClr val="accent3">
-              <a:alpha val="50000"/>
-            </a:schemeClr>
-          </a:solidFill>
-          <a:ln>
-            <a:noFill/>
-          </a:ln>
-        </p:spPr>
-        <p:style>
-          <a:lnRef idx="0">
-            <a:scrgbClr r="0" g="0" b="0"/>
-          </a:lnRef>
-          <a:fillRef idx="0">
-            <a:scrgbClr r="0" g="0" b="0"/>
-          </a:fillRef>
-          <a:effectRef idx="0">
-            <a:scrgbClr r="0" g="0" b="0"/>
-          </a:effectRef>
-          <a:fontRef idx="minor">
-            <a:schemeClr val="lt1"/>
-          </a:fontRef>
-        </p:style>
-        <p:txBody>
-          <a:bodyPr rtlCol="0" anchor="ctr"/>
-          <a:lstStyle/>
-          <a:p>
-            <a:pPr algn="ctr"/>
-            <a:r>
-              <a:rPr lang="en-US" altLang="ko-KR" sz="900" dirty="0"/>
-              <a:t>../../lib/Robot/Handling</a:t>
-            </a:r>
-          </a:p>
-          <a:p>
-            <a:pPr algn="ctr"/>
-            <a:r>
-              <a:rPr lang="en-US" altLang="ko-KR" sz="900" dirty="0"/>
-              <a:t>[RbtHand01]</a:t>
-            </a:r>
-            <a:endParaRPr lang="ko-KR" altLang="en-US" sz="900" dirty="0"/>
-          </a:p>
-        </p:txBody>
-      </p:sp>
-      <p:sp>
-        <p:nvSpPr>
-          <p:cNvPr id="46" name="사각형: 모서리가 접힌 도형 45">
-            <a:extLst>
-              <a:ext uri="{FF2B5EF4-FFF2-40B4-BE49-F238E27FC236}">
-                <a16:creationId xmlns:a16="http://schemas.microsoft.com/office/drawing/2014/main" id="{4034FC19-A510-FD71-9E0A-2A1CB1ECD130}"/>
-              </a:ext>
-            </a:extLst>
-          </p:cNvPr>
-          <p:cNvSpPr/>
-          <p:nvPr/>
-        </p:nvSpPr>
-        <p:spPr>
-          <a:xfrm>
-            <a:off x="8491003" y="2583820"/>
-            <a:ext cx="1685035" cy="591039"/>
-          </a:xfrm>
-          <a:prstGeom prst="foldedCorner">
-            <a:avLst>
-              <a:gd name="adj" fmla="val 27487"/>
-            </a:avLst>
-          </a:prstGeom>
-          <a:solidFill>
-            <a:schemeClr val="accent3">
-              <a:alpha val="50000"/>
-            </a:schemeClr>
-          </a:solidFill>
-          <a:ln>
-            <a:noFill/>
-          </a:ln>
-        </p:spPr>
-        <p:style>
-          <a:lnRef idx="0">
-            <a:scrgbClr r="0" g="0" b="0"/>
-          </a:lnRef>
-          <a:fillRef idx="0">
-            <a:scrgbClr r="0" g="0" b="0"/>
-          </a:fillRef>
-          <a:effectRef idx="0">
-            <a:scrgbClr r="0" g="0" b="0"/>
-          </a:effectRef>
-          <a:fontRef idx="minor">
-            <a:schemeClr val="lt1"/>
-          </a:fontRef>
-        </p:style>
-        <p:txBody>
-          <a:bodyPr rtlCol="0" anchor="ctr"/>
-          <a:lstStyle/>
-          <a:p>
-            <a:pPr algn="ctr"/>
-            <a:r>
-              <a:rPr lang="en-US" altLang="ko-KR" sz="900" dirty="0"/>
-              <a:t>../../lib/Part/Sensor</a:t>
-            </a:r>
-          </a:p>
-          <a:p>
-            <a:pPr algn="ctr"/>
-            <a:r>
-              <a:rPr lang="en-US" altLang="ko-KR" sz="900" dirty="0"/>
-              <a:t>[PART01]</a:t>
-            </a:r>
-            <a:endParaRPr lang="ko-KR" altLang="en-US" sz="900" dirty="0"/>
-          </a:p>
-        </p:txBody>
-      </p:sp>
-      <p:sp>
-        <p:nvSpPr>
-          <p:cNvPr id="47" name="사각형: 모서리가 접힌 도형 46">
-            <a:extLst>
-              <a:ext uri="{FF2B5EF4-FFF2-40B4-BE49-F238E27FC236}">
-                <a16:creationId xmlns:a16="http://schemas.microsoft.com/office/drawing/2014/main" id="{272202CC-C4F7-E203-03BC-14EB422F553A}"/>
-              </a:ext>
-            </a:extLst>
-          </p:cNvPr>
-          <p:cNvSpPr/>
-          <p:nvPr/>
-        </p:nvSpPr>
-        <p:spPr>
-          <a:xfrm>
-            <a:off x="10301689" y="223372"/>
-            <a:ext cx="1685035" cy="591039"/>
-          </a:xfrm>
-          <a:prstGeom prst="foldedCorner">
-            <a:avLst>
-              <a:gd name="adj" fmla="val 27487"/>
-            </a:avLst>
-          </a:prstGeom>
-          <a:solidFill>
-            <a:schemeClr val="accent3">
-              <a:alpha val="50000"/>
-            </a:schemeClr>
-          </a:solidFill>
-          <a:ln>
-            <a:noFill/>
-          </a:ln>
-        </p:spPr>
-        <p:style>
-          <a:lnRef idx="0">
-            <a:scrgbClr r="0" g="0" b="0"/>
-          </a:lnRef>
-          <a:fillRef idx="0">
-            <a:scrgbClr r="0" g="0" b="0"/>
-          </a:fillRef>
-          <a:effectRef idx="0">
-            <a:scrgbClr r="0" g="0" b="0"/>
-          </a:effectRef>
-          <a:fontRef idx="minor">
-            <a:schemeClr val="lt1"/>
-          </a:fontRef>
-        </p:style>
-        <p:txBody>
-          <a:bodyPr rtlCol="0" anchor="ctr"/>
-          <a:lstStyle/>
-          <a:p>
-            <a:pPr algn="ctr"/>
-            <a:r>
-              <a:rPr lang="en-US" altLang="ko-KR" sz="900" dirty="0"/>
-              <a:t>../../lib/Cylinder/Single</a:t>
-            </a:r>
-          </a:p>
-          <a:p>
-            <a:pPr algn="ctr"/>
-            <a:r>
-              <a:rPr lang="en-US" altLang="ko-KR" sz="900" dirty="0"/>
-              <a:t>[Pin02]</a:t>
-            </a:r>
-            <a:endParaRPr lang="ko-KR" altLang="en-US" sz="900" dirty="0"/>
-          </a:p>
-        </p:txBody>
-      </p:sp>
-      <p:sp>
-        <p:nvSpPr>
-          <p:cNvPr id="48" name="사각형: 모서리가 접힌 도형 47">
-            <a:extLst>
-              <a:ext uri="{FF2B5EF4-FFF2-40B4-BE49-F238E27FC236}">
-                <a16:creationId xmlns:a16="http://schemas.microsoft.com/office/drawing/2014/main" id="{A40B1ACD-653C-192A-74E3-5C9427E67AEA}"/>
-              </a:ext>
-            </a:extLst>
-          </p:cNvPr>
-          <p:cNvSpPr/>
-          <p:nvPr/>
-        </p:nvSpPr>
-        <p:spPr>
-          <a:xfrm>
-            <a:off x="10301689" y="992346"/>
-            <a:ext cx="1685035" cy="591039"/>
-          </a:xfrm>
-          <a:prstGeom prst="foldedCorner">
-            <a:avLst>
-              <a:gd name="adj" fmla="val 27487"/>
-            </a:avLst>
-          </a:prstGeom>
-          <a:solidFill>
-            <a:schemeClr val="accent3">
-              <a:alpha val="50000"/>
-            </a:schemeClr>
-          </a:solidFill>
-          <a:ln>
-            <a:noFill/>
-          </a:ln>
-        </p:spPr>
-        <p:style>
-          <a:lnRef idx="0">
-            <a:scrgbClr r="0" g="0" b="0"/>
-          </a:lnRef>
-          <a:fillRef idx="0">
-            <a:scrgbClr r="0" g="0" b="0"/>
-          </a:fillRef>
-          <a:effectRef idx="0">
-            <a:scrgbClr r="0" g="0" b="0"/>
-          </a:effectRef>
-          <a:fontRef idx="minor">
-            <a:schemeClr val="lt1"/>
-          </a:fontRef>
-        </p:style>
-        <p:txBody>
-          <a:bodyPr rtlCol="0" anchor="ctr"/>
-          <a:lstStyle/>
-          <a:p>
-            <a:pPr algn="ctr"/>
-            <a:r>
-              <a:rPr lang="en-US" altLang="ko-KR" sz="900" dirty="0"/>
-              <a:t>../../lib/Robot/Weld</a:t>
-            </a:r>
-          </a:p>
-          <a:p>
-            <a:pPr algn="ctr"/>
-            <a:r>
-              <a:rPr lang="en-US" altLang="ko-KR" sz="900" dirty="0"/>
-              <a:t>[RbtWeld02]</a:t>
-            </a:r>
-            <a:endParaRPr lang="ko-KR" altLang="en-US" sz="900" dirty="0"/>
-          </a:p>
-        </p:txBody>
-      </p:sp>
-      <p:sp>
-        <p:nvSpPr>
-          <p:cNvPr id="49" name="사각형: 모서리가 접힌 도형 48">
-            <a:extLst>
-              <a:ext uri="{FF2B5EF4-FFF2-40B4-BE49-F238E27FC236}">
-                <a16:creationId xmlns:a16="http://schemas.microsoft.com/office/drawing/2014/main" id="{C4EEC91D-4B8D-CDAB-9D6A-8253CD6272F6}"/>
-              </a:ext>
-            </a:extLst>
-          </p:cNvPr>
-          <p:cNvSpPr/>
-          <p:nvPr/>
-        </p:nvSpPr>
-        <p:spPr>
-          <a:xfrm>
-            <a:off x="10301689" y="1805345"/>
-            <a:ext cx="1685035" cy="591039"/>
-          </a:xfrm>
-          <a:prstGeom prst="foldedCorner">
-            <a:avLst>
-              <a:gd name="adj" fmla="val 27487"/>
-            </a:avLst>
-          </a:prstGeom>
-          <a:solidFill>
-            <a:schemeClr val="accent3">
-              <a:alpha val="50000"/>
-            </a:schemeClr>
-          </a:solidFill>
-          <a:ln>
-            <a:noFill/>
-          </a:ln>
-        </p:spPr>
-        <p:style>
-          <a:lnRef idx="0">
-            <a:scrgbClr r="0" g="0" b="0"/>
-          </a:lnRef>
-          <a:fillRef idx="0">
-            <a:scrgbClr r="0" g="0" b="0"/>
-          </a:fillRef>
-          <a:effectRef idx="0">
-            <a:scrgbClr r="0" g="0" b="0"/>
-          </a:effectRef>
-          <a:fontRef idx="minor">
-            <a:schemeClr val="lt1"/>
-          </a:fontRef>
-        </p:style>
-        <p:txBody>
-          <a:bodyPr rtlCol="0" anchor="ctr"/>
-          <a:lstStyle/>
-          <a:p>
-            <a:pPr algn="ctr"/>
-            <a:r>
-              <a:rPr lang="en-US" altLang="ko-KR" sz="900" dirty="0"/>
-              <a:t>../../lib/Robot/Handling</a:t>
-            </a:r>
-          </a:p>
-          <a:p>
-            <a:pPr algn="ctr"/>
-            <a:r>
-              <a:rPr lang="en-US" altLang="ko-KR" sz="900" dirty="0"/>
-              <a:t>[RbtHand02]</a:t>
-            </a:r>
-            <a:endParaRPr lang="ko-KR" altLang="en-US" sz="900" dirty="0"/>
-          </a:p>
-        </p:txBody>
-      </p:sp>
-      <p:sp>
-        <p:nvSpPr>
-          <p:cNvPr id="50" name="사각형: 모서리가 접힌 도형 49">
-            <a:extLst>
-              <a:ext uri="{FF2B5EF4-FFF2-40B4-BE49-F238E27FC236}">
-                <a16:creationId xmlns:a16="http://schemas.microsoft.com/office/drawing/2014/main" id="{4AEBDB3A-3587-5887-5A31-F2B3D80C61FD}"/>
-              </a:ext>
-            </a:extLst>
-          </p:cNvPr>
-          <p:cNvSpPr/>
-          <p:nvPr/>
-        </p:nvSpPr>
-        <p:spPr>
-          <a:xfrm>
-            <a:off x="10301689" y="2583820"/>
-            <a:ext cx="1685035" cy="591039"/>
-          </a:xfrm>
-          <a:prstGeom prst="foldedCorner">
-            <a:avLst>
-              <a:gd name="adj" fmla="val 27487"/>
-            </a:avLst>
-          </a:prstGeom>
-          <a:solidFill>
-            <a:schemeClr val="accent3">
-              <a:alpha val="50000"/>
-            </a:schemeClr>
-          </a:solidFill>
-          <a:ln>
-            <a:noFill/>
-          </a:ln>
-        </p:spPr>
-        <p:style>
-          <a:lnRef idx="0">
-            <a:scrgbClr r="0" g="0" b="0"/>
-          </a:lnRef>
-          <a:fillRef idx="0">
-            <a:scrgbClr r="0" g="0" b="0"/>
-          </a:fillRef>
-          <a:effectRef idx="0">
-            <a:scrgbClr r="0" g="0" b="0"/>
-          </a:effectRef>
-          <a:fontRef idx="minor">
-            <a:schemeClr val="lt1"/>
-          </a:fontRef>
-        </p:style>
-        <p:txBody>
-          <a:bodyPr rtlCol="0" anchor="ctr"/>
-          <a:lstStyle/>
-          <a:p>
-            <a:pPr algn="ctr"/>
-            <a:r>
-              <a:rPr lang="en-US" altLang="ko-KR" sz="900" dirty="0"/>
-              <a:t>../../lib/Part/Sensor</a:t>
-            </a:r>
-          </a:p>
-          <a:p>
-            <a:pPr algn="ctr"/>
-            <a:r>
-              <a:rPr lang="en-US" altLang="ko-KR" sz="900" dirty="0"/>
-              <a:t>[PART02]</a:t>
-            </a:r>
-            <a:endParaRPr lang="ko-KR" altLang="en-US" sz="900" dirty="0"/>
-          </a:p>
-        </p:txBody>
-      </p:sp>
     </p:spTree>
     <p:extLst>
       <p:ext uri="{BB962C8B-B14F-4D97-AF65-F5344CB8AC3E}">
@@ -7581,10 +7069,10 @@
       </p:sp>
       <p:grpSp>
         <p:nvGrpSpPr>
-          <p:cNvPr id="3" name="그룹 2">
+          <p:cNvPr id="4" name="그룹 3">
             <a:extLst>
               <a:ext uri="{FF2B5EF4-FFF2-40B4-BE49-F238E27FC236}">
-                <a16:creationId xmlns:a16="http://schemas.microsoft.com/office/drawing/2014/main" id="{E3C9F733-07D6-CE1E-D236-CF7EF6B2E134}"/>
+                <a16:creationId xmlns:a16="http://schemas.microsoft.com/office/drawing/2014/main" id="{E2F5F9A4-2770-8060-4787-4D2CBB5097D5}"/>
               </a:ext>
             </a:extLst>
           </p:cNvPr>
@@ -9553,526 +9041,6 @@
           </p:style>
         </p:cxnSp>
       </p:grpSp>
-      <p:sp>
-        <p:nvSpPr>
-          <p:cNvPr id="43" name="사각형: 모서리가 접힌 도형 42">
-            <a:extLst>
-              <a:ext uri="{FF2B5EF4-FFF2-40B4-BE49-F238E27FC236}">
-                <a16:creationId xmlns:a16="http://schemas.microsoft.com/office/drawing/2014/main" id="{542319C5-DBB3-FECE-CDA9-B7F88B7E8B70}"/>
-              </a:ext>
-            </a:extLst>
-          </p:cNvPr>
-          <p:cNvSpPr/>
-          <p:nvPr/>
-        </p:nvSpPr>
-        <p:spPr>
-          <a:xfrm>
-            <a:off x="8491003" y="223372"/>
-            <a:ext cx="1685035" cy="591039"/>
-          </a:xfrm>
-          <a:prstGeom prst="foldedCorner">
-            <a:avLst>
-              <a:gd name="adj" fmla="val 27487"/>
-            </a:avLst>
-          </a:prstGeom>
-          <a:solidFill>
-            <a:schemeClr val="accent3">
-              <a:alpha val="50000"/>
-            </a:schemeClr>
-          </a:solidFill>
-          <a:ln>
-            <a:noFill/>
-          </a:ln>
-        </p:spPr>
-        <p:style>
-          <a:lnRef idx="0">
-            <a:scrgbClr r="0" g="0" b="0"/>
-          </a:lnRef>
-          <a:fillRef idx="0">
-            <a:scrgbClr r="0" g="0" b="0"/>
-          </a:fillRef>
-          <a:effectRef idx="0">
-            <a:scrgbClr r="0" g="0" b="0"/>
-          </a:effectRef>
-          <a:fontRef idx="minor">
-            <a:schemeClr val="lt1"/>
-          </a:fontRef>
-        </p:style>
-        <p:txBody>
-          <a:bodyPr rtlCol="0" anchor="ctr"/>
-          <a:lstStyle/>
-          <a:p>
-            <a:pPr algn="ctr"/>
-            <a:r>
-              <a:rPr lang="en-US" altLang="ko-KR" sz="900" dirty="0"/>
-              <a:t>../../lib/Cylinder/Single</a:t>
-            </a:r>
-          </a:p>
-          <a:p>
-            <a:pPr algn="ctr"/>
-            <a:r>
-              <a:rPr lang="en-US" altLang="ko-KR" sz="900" dirty="0"/>
-              <a:t>[Pin01]</a:t>
-            </a:r>
-            <a:endParaRPr lang="ko-KR" altLang="en-US" sz="900" dirty="0"/>
-          </a:p>
-        </p:txBody>
-      </p:sp>
-      <p:sp>
-        <p:nvSpPr>
-          <p:cNvPr id="44" name="사각형: 모서리가 접힌 도형 43">
-            <a:extLst>
-              <a:ext uri="{FF2B5EF4-FFF2-40B4-BE49-F238E27FC236}">
-                <a16:creationId xmlns:a16="http://schemas.microsoft.com/office/drawing/2014/main" id="{FE62AFEE-E51D-82BF-2097-68D97AEF5B08}"/>
-              </a:ext>
-            </a:extLst>
-          </p:cNvPr>
-          <p:cNvSpPr/>
-          <p:nvPr/>
-        </p:nvSpPr>
-        <p:spPr>
-          <a:xfrm>
-            <a:off x="8491003" y="992346"/>
-            <a:ext cx="1685035" cy="591039"/>
-          </a:xfrm>
-          <a:prstGeom prst="foldedCorner">
-            <a:avLst>
-              <a:gd name="adj" fmla="val 27487"/>
-            </a:avLst>
-          </a:prstGeom>
-          <a:solidFill>
-            <a:schemeClr val="accent3">
-              <a:alpha val="50000"/>
-            </a:schemeClr>
-          </a:solidFill>
-          <a:ln>
-            <a:noFill/>
-          </a:ln>
-        </p:spPr>
-        <p:style>
-          <a:lnRef idx="0">
-            <a:scrgbClr r="0" g="0" b="0"/>
-          </a:lnRef>
-          <a:fillRef idx="0">
-            <a:scrgbClr r="0" g="0" b="0"/>
-          </a:fillRef>
-          <a:effectRef idx="0">
-            <a:scrgbClr r="0" g="0" b="0"/>
-          </a:effectRef>
-          <a:fontRef idx="minor">
-            <a:schemeClr val="lt1"/>
-          </a:fontRef>
-        </p:style>
-        <p:txBody>
-          <a:bodyPr rtlCol="0" anchor="ctr"/>
-          <a:lstStyle/>
-          <a:p>
-            <a:pPr algn="ctr"/>
-            <a:r>
-              <a:rPr lang="en-US" altLang="ko-KR" sz="900" dirty="0"/>
-              <a:t>../../lib/Robot/Weld</a:t>
-            </a:r>
-          </a:p>
-          <a:p>
-            <a:pPr algn="ctr"/>
-            <a:r>
-              <a:rPr lang="en-US" altLang="ko-KR" sz="900" dirty="0"/>
-              <a:t>[RbtWeld01]</a:t>
-            </a:r>
-            <a:endParaRPr lang="ko-KR" altLang="en-US" sz="900" dirty="0"/>
-          </a:p>
-        </p:txBody>
-      </p:sp>
-      <p:sp>
-        <p:nvSpPr>
-          <p:cNvPr id="45" name="사각형: 모서리가 접힌 도형 44">
-            <a:extLst>
-              <a:ext uri="{FF2B5EF4-FFF2-40B4-BE49-F238E27FC236}">
-                <a16:creationId xmlns:a16="http://schemas.microsoft.com/office/drawing/2014/main" id="{87DD9411-5771-93AA-0B58-A1CB7493175C}"/>
-              </a:ext>
-            </a:extLst>
-          </p:cNvPr>
-          <p:cNvSpPr/>
-          <p:nvPr/>
-        </p:nvSpPr>
-        <p:spPr>
-          <a:xfrm>
-            <a:off x="8491003" y="1805345"/>
-            <a:ext cx="1685035" cy="591039"/>
-          </a:xfrm>
-          <a:prstGeom prst="foldedCorner">
-            <a:avLst>
-              <a:gd name="adj" fmla="val 27487"/>
-            </a:avLst>
-          </a:prstGeom>
-          <a:solidFill>
-            <a:schemeClr val="accent3">
-              <a:alpha val="50000"/>
-            </a:schemeClr>
-          </a:solidFill>
-          <a:ln>
-            <a:noFill/>
-          </a:ln>
-        </p:spPr>
-        <p:style>
-          <a:lnRef idx="0">
-            <a:scrgbClr r="0" g="0" b="0"/>
-          </a:lnRef>
-          <a:fillRef idx="0">
-            <a:scrgbClr r="0" g="0" b="0"/>
-          </a:fillRef>
-          <a:effectRef idx="0">
-            <a:scrgbClr r="0" g="0" b="0"/>
-          </a:effectRef>
-          <a:fontRef idx="minor">
-            <a:schemeClr val="lt1"/>
-          </a:fontRef>
-        </p:style>
-        <p:txBody>
-          <a:bodyPr rtlCol="0" anchor="ctr"/>
-          <a:lstStyle/>
-          <a:p>
-            <a:pPr algn="ctr"/>
-            <a:r>
-              <a:rPr lang="en-US" altLang="ko-KR" sz="900" dirty="0"/>
-              <a:t>../../lib/Robot/Handling</a:t>
-            </a:r>
-          </a:p>
-          <a:p>
-            <a:pPr algn="ctr"/>
-            <a:r>
-              <a:rPr lang="en-US" altLang="ko-KR" sz="900" dirty="0"/>
-              <a:t>[RbtHand01]</a:t>
-            </a:r>
-            <a:endParaRPr lang="ko-KR" altLang="en-US" sz="900" dirty="0"/>
-          </a:p>
-        </p:txBody>
-      </p:sp>
-      <p:sp>
-        <p:nvSpPr>
-          <p:cNvPr id="46" name="사각형: 모서리가 접힌 도형 45">
-            <a:extLst>
-              <a:ext uri="{FF2B5EF4-FFF2-40B4-BE49-F238E27FC236}">
-                <a16:creationId xmlns:a16="http://schemas.microsoft.com/office/drawing/2014/main" id="{4034FC19-A510-FD71-9E0A-2A1CB1ECD130}"/>
-              </a:ext>
-            </a:extLst>
-          </p:cNvPr>
-          <p:cNvSpPr/>
-          <p:nvPr/>
-        </p:nvSpPr>
-        <p:spPr>
-          <a:xfrm>
-            <a:off x="8491003" y="2583820"/>
-            <a:ext cx="1685035" cy="591039"/>
-          </a:xfrm>
-          <a:prstGeom prst="foldedCorner">
-            <a:avLst>
-              <a:gd name="adj" fmla="val 27487"/>
-            </a:avLst>
-          </a:prstGeom>
-          <a:solidFill>
-            <a:schemeClr val="accent3">
-              <a:alpha val="50000"/>
-            </a:schemeClr>
-          </a:solidFill>
-          <a:ln>
-            <a:noFill/>
-          </a:ln>
-        </p:spPr>
-        <p:style>
-          <a:lnRef idx="0">
-            <a:scrgbClr r="0" g="0" b="0"/>
-          </a:lnRef>
-          <a:fillRef idx="0">
-            <a:scrgbClr r="0" g="0" b="0"/>
-          </a:fillRef>
-          <a:effectRef idx="0">
-            <a:scrgbClr r="0" g="0" b="0"/>
-          </a:effectRef>
-          <a:fontRef idx="minor">
-            <a:schemeClr val="lt1"/>
-          </a:fontRef>
-        </p:style>
-        <p:txBody>
-          <a:bodyPr rtlCol="0" anchor="ctr"/>
-          <a:lstStyle/>
-          <a:p>
-            <a:pPr algn="ctr"/>
-            <a:r>
-              <a:rPr lang="en-US" altLang="ko-KR" sz="900" dirty="0"/>
-              <a:t>../../lib/Part/Sensor</a:t>
-            </a:r>
-          </a:p>
-          <a:p>
-            <a:pPr algn="ctr"/>
-            <a:r>
-              <a:rPr lang="en-US" altLang="ko-KR" sz="900" dirty="0"/>
-              <a:t>[PART01]</a:t>
-            </a:r>
-            <a:endParaRPr lang="ko-KR" altLang="en-US" sz="900" dirty="0"/>
-          </a:p>
-        </p:txBody>
-      </p:sp>
-      <p:sp>
-        <p:nvSpPr>
-          <p:cNvPr id="47" name="사각형: 모서리가 접힌 도형 46">
-            <a:extLst>
-              <a:ext uri="{FF2B5EF4-FFF2-40B4-BE49-F238E27FC236}">
-                <a16:creationId xmlns:a16="http://schemas.microsoft.com/office/drawing/2014/main" id="{272202CC-C4F7-E203-03BC-14EB422F553A}"/>
-              </a:ext>
-            </a:extLst>
-          </p:cNvPr>
-          <p:cNvSpPr/>
-          <p:nvPr/>
-        </p:nvSpPr>
-        <p:spPr>
-          <a:xfrm>
-            <a:off x="10301689" y="223372"/>
-            <a:ext cx="1685035" cy="591039"/>
-          </a:xfrm>
-          <a:prstGeom prst="foldedCorner">
-            <a:avLst>
-              <a:gd name="adj" fmla="val 27487"/>
-            </a:avLst>
-          </a:prstGeom>
-          <a:solidFill>
-            <a:schemeClr val="accent3">
-              <a:alpha val="50000"/>
-            </a:schemeClr>
-          </a:solidFill>
-          <a:ln>
-            <a:noFill/>
-          </a:ln>
-        </p:spPr>
-        <p:style>
-          <a:lnRef idx="0">
-            <a:scrgbClr r="0" g="0" b="0"/>
-          </a:lnRef>
-          <a:fillRef idx="0">
-            <a:scrgbClr r="0" g="0" b="0"/>
-          </a:fillRef>
-          <a:effectRef idx="0">
-            <a:scrgbClr r="0" g="0" b="0"/>
-          </a:effectRef>
-          <a:fontRef idx="minor">
-            <a:schemeClr val="lt1"/>
-          </a:fontRef>
-        </p:style>
-        <p:txBody>
-          <a:bodyPr rtlCol="0" anchor="ctr"/>
-          <a:lstStyle/>
-          <a:p>
-            <a:pPr algn="ctr"/>
-            <a:r>
-              <a:rPr lang="en-US" altLang="ko-KR" sz="900" dirty="0"/>
-              <a:t>../../lib/Cylinder/Single</a:t>
-            </a:r>
-          </a:p>
-          <a:p>
-            <a:pPr algn="ctr"/>
-            <a:r>
-              <a:rPr lang="en-US" altLang="ko-KR" sz="900" dirty="0"/>
-              <a:t>[Pin02]</a:t>
-            </a:r>
-            <a:endParaRPr lang="ko-KR" altLang="en-US" sz="900" dirty="0"/>
-          </a:p>
-        </p:txBody>
-      </p:sp>
-      <p:sp>
-        <p:nvSpPr>
-          <p:cNvPr id="48" name="사각형: 모서리가 접힌 도형 47">
-            <a:extLst>
-              <a:ext uri="{FF2B5EF4-FFF2-40B4-BE49-F238E27FC236}">
-                <a16:creationId xmlns:a16="http://schemas.microsoft.com/office/drawing/2014/main" id="{A40B1ACD-653C-192A-74E3-5C9427E67AEA}"/>
-              </a:ext>
-            </a:extLst>
-          </p:cNvPr>
-          <p:cNvSpPr/>
-          <p:nvPr/>
-        </p:nvSpPr>
-        <p:spPr>
-          <a:xfrm>
-            <a:off x="10301689" y="992346"/>
-            <a:ext cx="1685035" cy="591039"/>
-          </a:xfrm>
-          <a:prstGeom prst="foldedCorner">
-            <a:avLst>
-              <a:gd name="adj" fmla="val 27487"/>
-            </a:avLst>
-          </a:prstGeom>
-          <a:solidFill>
-            <a:schemeClr val="accent3">
-              <a:alpha val="50000"/>
-            </a:schemeClr>
-          </a:solidFill>
-          <a:ln>
-            <a:noFill/>
-          </a:ln>
-        </p:spPr>
-        <p:style>
-          <a:lnRef idx="0">
-            <a:scrgbClr r="0" g="0" b="0"/>
-          </a:lnRef>
-          <a:fillRef idx="0">
-            <a:scrgbClr r="0" g="0" b="0"/>
-          </a:fillRef>
-          <a:effectRef idx="0">
-            <a:scrgbClr r="0" g="0" b="0"/>
-          </a:effectRef>
-          <a:fontRef idx="minor">
-            <a:schemeClr val="lt1"/>
-          </a:fontRef>
-        </p:style>
-        <p:txBody>
-          <a:bodyPr rtlCol="0" anchor="ctr"/>
-          <a:lstStyle/>
-          <a:p>
-            <a:pPr algn="ctr"/>
-            <a:r>
-              <a:rPr lang="en-US" altLang="ko-KR" sz="900" dirty="0"/>
-              <a:t>../../lib/Robot/Weld</a:t>
-            </a:r>
-          </a:p>
-          <a:p>
-            <a:pPr algn="ctr"/>
-            <a:r>
-              <a:rPr lang="en-US" altLang="ko-KR" sz="900" dirty="0"/>
-              <a:t>[RbtWeld02]</a:t>
-            </a:r>
-            <a:endParaRPr lang="ko-KR" altLang="en-US" sz="900" dirty="0"/>
-          </a:p>
-        </p:txBody>
-      </p:sp>
-      <p:sp>
-        <p:nvSpPr>
-          <p:cNvPr id="49" name="사각형: 모서리가 접힌 도형 48">
-            <a:extLst>
-              <a:ext uri="{FF2B5EF4-FFF2-40B4-BE49-F238E27FC236}">
-                <a16:creationId xmlns:a16="http://schemas.microsoft.com/office/drawing/2014/main" id="{C4EEC91D-4B8D-CDAB-9D6A-8253CD6272F6}"/>
-              </a:ext>
-            </a:extLst>
-          </p:cNvPr>
-          <p:cNvSpPr/>
-          <p:nvPr/>
-        </p:nvSpPr>
-        <p:spPr>
-          <a:xfrm>
-            <a:off x="10301689" y="1805345"/>
-            <a:ext cx="1685035" cy="591039"/>
-          </a:xfrm>
-          <a:prstGeom prst="foldedCorner">
-            <a:avLst>
-              <a:gd name="adj" fmla="val 27487"/>
-            </a:avLst>
-          </a:prstGeom>
-          <a:solidFill>
-            <a:schemeClr val="accent3">
-              <a:alpha val="50000"/>
-            </a:schemeClr>
-          </a:solidFill>
-          <a:ln>
-            <a:noFill/>
-          </a:ln>
-        </p:spPr>
-        <p:style>
-          <a:lnRef idx="0">
-            <a:scrgbClr r="0" g="0" b="0"/>
-          </a:lnRef>
-          <a:fillRef idx="0">
-            <a:scrgbClr r="0" g="0" b="0"/>
-          </a:fillRef>
-          <a:effectRef idx="0">
-            <a:scrgbClr r="0" g="0" b="0"/>
-          </a:effectRef>
-          <a:fontRef idx="minor">
-            <a:schemeClr val="lt1"/>
-          </a:fontRef>
-        </p:style>
-        <p:txBody>
-          <a:bodyPr rtlCol="0" anchor="ctr"/>
-          <a:lstStyle/>
-          <a:p>
-            <a:pPr algn="ctr"/>
-            <a:r>
-              <a:rPr lang="en-US" altLang="ko-KR" sz="900" dirty="0"/>
-              <a:t>../../lib/Robot/Handling</a:t>
-            </a:r>
-          </a:p>
-          <a:p>
-            <a:pPr algn="ctr"/>
-            <a:r>
-              <a:rPr lang="en-US" altLang="ko-KR" sz="900" dirty="0"/>
-              <a:t>[RbtHand02]</a:t>
-            </a:r>
-            <a:endParaRPr lang="ko-KR" altLang="en-US" sz="900" dirty="0"/>
-          </a:p>
-        </p:txBody>
-      </p:sp>
-      <p:sp>
-        <p:nvSpPr>
-          <p:cNvPr id="50" name="사각형: 모서리가 접힌 도형 49">
-            <a:extLst>
-              <a:ext uri="{FF2B5EF4-FFF2-40B4-BE49-F238E27FC236}">
-                <a16:creationId xmlns:a16="http://schemas.microsoft.com/office/drawing/2014/main" id="{4AEBDB3A-3587-5887-5A31-F2B3D80C61FD}"/>
-              </a:ext>
-            </a:extLst>
-          </p:cNvPr>
-          <p:cNvSpPr/>
-          <p:nvPr/>
-        </p:nvSpPr>
-        <p:spPr>
-          <a:xfrm>
-            <a:off x="10301689" y="2583820"/>
-            <a:ext cx="1685035" cy="591039"/>
-          </a:xfrm>
-          <a:prstGeom prst="foldedCorner">
-            <a:avLst>
-              <a:gd name="adj" fmla="val 27487"/>
-            </a:avLst>
-          </a:prstGeom>
-          <a:solidFill>
-            <a:schemeClr val="accent3">
-              <a:alpha val="50000"/>
-            </a:schemeClr>
-          </a:solidFill>
-          <a:ln>
-            <a:noFill/>
-          </a:ln>
-        </p:spPr>
-        <p:style>
-          <a:lnRef idx="0">
-            <a:scrgbClr r="0" g="0" b="0"/>
-          </a:lnRef>
-          <a:fillRef idx="0">
-            <a:scrgbClr r="0" g="0" b="0"/>
-          </a:fillRef>
-          <a:effectRef idx="0">
-            <a:scrgbClr r="0" g="0" b="0"/>
-          </a:effectRef>
-          <a:fontRef idx="minor">
-            <a:schemeClr val="lt1"/>
-          </a:fontRef>
-        </p:style>
-        <p:txBody>
-          <a:bodyPr rtlCol="0" anchor="ctr"/>
-          <a:lstStyle/>
-          <a:p>
-            <a:pPr algn="ctr"/>
-            <a:r>
-              <a:rPr lang="en-US" altLang="ko-KR" sz="900" dirty="0"/>
-              <a:t>../../lib/Part/Sensor</a:t>
-            </a:r>
-          </a:p>
-          <a:p>
-            <a:pPr algn="ctr"/>
-            <a:r>
-              <a:rPr lang="en-US" altLang="ko-KR" sz="900" dirty="0"/>
-              <a:t>[PART02]</a:t>
-            </a:r>
-            <a:endParaRPr lang="ko-KR" altLang="en-US" sz="900" dirty="0"/>
-          </a:p>
-        </p:txBody>
-      </p:sp>
     </p:spTree>
     <p:extLst>
       <p:ext uri="{BB962C8B-B14F-4D97-AF65-F5344CB8AC3E}">
@@ -10134,10 +9102,10 @@
       </p:sp>
       <p:grpSp>
         <p:nvGrpSpPr>
-          <p:cNvPr id="3" name="그룹 2">
+          <p:cNvPr id="4" name="그룹 3">
             <a:extLst>
               <a:ext uri="{FF2B5EF4-FFF2-40B4-BE49-F238E27FC236}">
-                <a16:creationId xmlns:a16="http://schemas.microsoft.com/office/drawing/2014/main" id="{383CD751-23FA-34CE-C706-6B6E637F69E9}"/>
+                <a16:creationId xmlns:a16="http://schemas.microsoft.com/office/drawing/2014/main" id="{40516A6D-AA06-0C23-9FF1-3226ABB65D78}"/>
               </a:ext>
             </a:extLst>
           </p:cNvPr>
@@ -12106,526 +11074,6 @@
           </p:style>
         </p:cxnSp>
       </p:grpSp>
-      <p:sp>
-        <p:nvSpPr>
-          <p:cNvPr id="43" name="사각형: 모서리가 접힌 도형 42">
-            <a:extLst>
-              <a:ext uri="{FF2B5EF4-FFF2-40B4-BE49-F238E27FC236}">
-                <a16:creationId xmlns:a16="http://schemas.microsoft.com/office/drawing/2014/main" id="{542319C5-DBB3-FECE-CDA9-B7F88B7E8B70}"/>
-              </a:ext>
-            </a:extLst>
-          </p:cNvPr>
-          <p:cNvSpPr/>
-          <p:nvPr/>
-        </p:nvSpPr>
-        <p:spPr>
-          <a:xfrm>
-            <a:off x="8491003" y="223372"/>
-            <a:ext cx="1685035" cy="591039"/>
-          </a:xfrm>
-          <a:prstGeom prst="foldedCorner">
-            <a:avLst>
-              <a:gd name="adj" fmla="val 27487"/>
-            </a:avLst>
-          </a:prstGeom>
-          <a:solidFill>
-            <a:schemeClr val="accent3">
-              <a:alpha val="50000"/>
-            </a:schemeClr>
-          </a:solidFill>
-          <a:ln>
-            <a:noFill/>
-          </a:ln>
-        </p:spPr>
-        <p:style>
-          <a:lnRef idx="0">
-            <a:scrgbClr r="0" g="0" b="0"/>
-          </a:lnRef>
-          <a:fillRef idx="0">
-            <a:scrgbClr r="0" g="0" b="0"/>
-          </a:fillRef>
-          <a:effectRef idx="0">
-            <a:scrgbClr r="0" g="0" b="0"/>
-          </a:effectRef>
-          <a:fontRef idx="minor">
-            <a:schemeClr val="lt1"/>
-          </a:fontRef>
-        </p:style>
-        <p:txBody>
-          <a:bodyPr rtlCol="0" anchor="ctr"/>
-          <a:lstStyle/>
-          <a:p>
-            <a:pPr algn="ctr"/>
-            <a:r>
-              <a:rPr lang="en-US" altLang="ko-KR" sz="900" dirty="0"/>
-              <a:t>../../lib/Cylinder/Single</a:t>
-            </a:r>
-          </a:p>
-          <a:p>
-            <a:pPr algn="ctr"/>
-            <a:r>
-              <a:rPr lang="en-US" altLang="ko-KR" sz="900" dirty="0"/>
-              <a:t>[Pin01]</a:t>
-            </a:r>
-            <a:endParaRPr lang="ko-KR" altLang="en-US" sz="900" dirty="0"/>
-          </a:p>
-        </p:txBody>
-      </p:sp>
-      <p:sp>
-        <p:nvSpPr>
-          <p:cNvPr id="44" name="사각형: 모서리가 접힌 도형 43">
-            <a:extLst>
-              <a:ext uri="{FF2B5EF4-FFF2-40B4-BE49-F238E27FC236}">
-                <a16:creationId xmlns:a16="http://schemas.microsoft.com/office/drawing/2014/main" id="{FE62AFEE-E51D-82BF-2097-68D97AEF5B08}"/>
-              </a:ext>
-            </a:extLst>
-          </p:cNvPr>
-          <p:cNvSpPr/>
-          <p:nvPr/>
-        </p:nvSpPr>
-        <p:spPr>
-          <a:xfrm>
-            <a:off x="8491003" y="992346"/>
-            <a:ext cx="1685035" cy="591039"/>
-          </a:xfrm>
-          <a:prstGeom prst="foldedCorner">
-            <a:avLst>
-              <a:gd name="adj" fmla="val 27487"/>
-            </a:avLst>
-          </a:prstGeom>
-          <a:solidFill>
-            <a:schemeClr val="accent3">
-              <a:alpha val="50000"/>
-            </a:schemeClr>
-          </a:solidFill>
-          <a:ln>
-            <a:noFill/>
-          </a:ln>
-        </p:spPr>
-        <p:style>
-          <a:lnRef idx="0">
-            <a:scrgbClr r="0" g="0" b="0"/>
-          </a:lnRef>
-          <a:fillRef idx="0">
-            <a:scrgbClr r="0" g="0" b="0"/>
-          </a:fillRef>
-          <a:effectRef idx="0">
-            <a:scrgbClr r="0" g="0" b="0"/>
-          </a:effectRef>
-          <a:fontRef idx="minor">
-            <a:schemeClr val="lt1"/>
-          </a:fontRef>
-        </p:style>
-        <p:txBody>
-          <a:bodyPr rtlCol="0" anchor="ctr"/>
-          <a:lstStyle/>
-          <a:p>
-            <a:pPr algn="ctr"/>
-            <a:r>
-              <a:rPr lang="en-US" altLang="ko-KR" sz="900" dirty="0"/>
-              <a:t>../../lib/Robot/Weld</a:t>
-            </a:r>
-          </a:p>
-          <a:p>
-            <a:pPr algn="ctr"/>
-            <a:r>
-              <a:rPr lang="en-US" altLang="ko-KR" sz="900" dirty="0"/>
-              <a:t>[RbtWeld01]</a:t>
-            </a:r>
-            <a:endParaRPr lang="ko-KR" altLang="en-US" sz="900" dirty="0"/>
-          </a:p>
-        </p:txBody>
-      </p:sp>
-      <p:sp>
-        <p:nvSpPr>
-          <p:cNvPr id="45" name="사각형: 모서리가 접힌 도형 44">
-            <a:extLst>
-              <a:ext uri="{FF2B5EF4-FFF2-40B4-BE49-F238E27FC236}">
-                <a16:creationId xmlns:a16="http://schemas.microsoft.com/office/drawing/2014/main" id="{87DD9411-5771-93AA-0B58-A1CB7493175C}"/>
-              </a:ext>
-            </a:extLst>
-          </p:cNvPr>
-          <p:cNvSpPr/>
-          <p:nvPr/>
-        </p:nvSpPr>
-        <p:spPr>
-          <a:xfrm>
-            <a:off x="8491003" y="1805345"/>
-            <a:ext cx="1685035" cy="591039"/>
-          </a:xfrm>
-          <a:prstGeom prst="foldedCorner">
-            <a:avLst>
-              <a:gd name="adj" fmla="val 27487"/>
-            </a:avLst>
-          </a:prstGeom>
-          <a:solidFill>
-            <a:schemeClr val="accent3">
-              <a:alpha val="50000"/>
-            </a:schemeClr>
-          </a:solidFill>
-          <a:ln>
-            <a:noFill/>
-          </a:ln>
-        </p:spPr>
-        <p:style>
-          <a:lnRef idx="0">
-            <a:scrgbClr r="0" g="0" b="0"/>
-          </a:lnRef>
-          <a:fillRef idx="0">
-            <a:scrgbClr r="0" g="0" b="0"/>
-          </a:fillRef>
-          <a:effectRef idx="0">
-            <a:scrgbClr r="0" g="0" b="0"/>
-          </a:effectRef>
-          <a:fontRef idx="minor">
-            <a:schemeClr val="lt1"/>
-          </a:fontRef>
-        </p:style>
-        <p:txBody>
-          <a:bodyPr rtlCol="0" anchor="ctr"/>
-          <a:lstStyle/>
-          <a:p>
-            <a:pPr algn="ctr"/>
-            <a:r>
-              <a:rPr lang="en-US" altLang="ko-KR" sz="900" dirty="0"/>
-              <a:t>../../lib/Robot/Handling</a:t>
-            </a:r>
-          </a:p>
-          <a:p>
-            <a:pPr algn="ctr"/>
-            <a:r>
-              <a:rPr lang="en-US" altLang="ko-KR" sz="900" dirty="0"/>
-              <a:t>[RbtHand01]</a:t>
-            </a:r>
-            <a:endParaRPr lang="ko-KR" altLang="en-US" sz="900" dirty="0"/>
-          </a:p>
-        </p:txBody>
-      </p:sp>
-      <p:sp>
-        <p:nvSpPr>
-          <p:cNvPr id="46" name="사각형: 모서리가 접힌 도형 45">
-            <a:extLst>
-              <a:ext uri="{FF2B5EF4-FFF2-40B4-BE49-F238E27FC236}">
-                <a16:creationId xmlns:a16="http://schemas.microsoft.com/office/drawing/2014/main" id="{4034FC19-A510-FD71-9E0A-2A1CB1ECD130}"/>
-              </a:ext>
-            </a:extLst>
-          </p:cNvPr>
-          <p:cNvSpPr/>
-          <p:nvPr/>
-        </p:nvSpPr>
-        <p:spPr>
-          <a:xfrm>
-            <a:off x="8491003" y="2583820"/>
-            <a:ext cx="1685035" cy="591039"/>
-          </a:xfrm>
-          <a:prstGeom prst="foldedCorner">
-            <a:avLst>
-              <a:gd name="adj" fmla="val 27487"/>
-            </a:avLst>
-          </a:prstGeom>
-          <a:solidFill>
-            <a:schemeClr val="accent3">
-              <a:alpha val="50000"/>
-            </a:schemeClr>
-          </a:solidFill>
-          <a:ln>
-            <a:noFill/>
-          </a:ln>
-        </p:spPr>
-        <p:style>
-          <a:lnRef idx="0">
-            <a:scrgbClr r="0" g="0" b="0"/>
-          </a:lnRef>
-          <a:fillRef idx="0">
-            <a:scrgbClr r="0" g="0" b="0"/>
-          </a:fillRef>
-          <a:effectRef idx="0">
-            <a:scrgbClr r="0" g="0" b="0"/>
-          </a:effectRef>
-          <a:fontRef idx="minor">
-            <a:schemeClr val="lt1"/>
-          </a:fontRef>
-        </p:style>
-        <p:txBody>
-          <a:bodyPr rtlCol="0" anchor="ctr"/>
-          <a:lstStyle/>
-          <a:p>
-            <a:pPr algn="ctr"/>
-            <a:r>
-              <a:rPr lang="en-US" altLang="ko-KR" sz="900" dirty="0"/>
-              <a:t>../../lib/Part/Sensor</a:t>
-            </a:r>
-          </a:p>
-          <a:p>
-            <a:pPr algn="ctr"/>
-            <a:r>
-              <a:rPr lang="en-US" altLang="ko-KR" sz="900" dirty="0"/>
-              <a:t>[PART01]</a:t>
-            </a:r>
-            <a:endParaRPr lang="ko-KR" altLang="en-US" sz="900" dirty="0"/>
-          </a:p>
-        </p:txBody>
-      </p:sp>
-      <p:sp>
-        <p:nvSpPr>
-          <p:cNvPr id="47" name="사각형: 모서리가 접힌 도형 46">
-            <a:extLst>
-              <a:ext uri="{FF2B5EF4-FFF2-40B4-BE49-F238E27FC236}">
-                <a16:creationId xmlns:a16="http://schemas.microsoft.com/office/drawing/2014/main" id="{272202CC-C4F7-E203-03BC-14EB422F553A}"/>
-              </a:ext>
-            </a:extLst>
-          </p:cNvPr>
-          <p:cNvSpPr/>
-          <p:nvPr/>
-        </p:nvSpPr>
-        <p:spPr>
-          <a:xfrm>
-            <a:off x="10301689" y="223372"/>
-            <a:ext cx="1685035" cy="591039"/>
-          </a:xfrm>
-          <a:prstGeom prst="foldedCorner">
-            <a:avLst>
-              <a:gd name="adj" fmla="val 27487"/>
-            </a:avLst>
-          </a:prstGeom>
-          <a:solidFill>
-            <a:schemeClr val="accent3">
-              <a:alpha val="50000"/>
-            </a:schemeClr>
-          </a:solidFill>
-          <a:ln>
-            <a:noFill/>
-          </a:ln>
-        </p:spPr>
-        <p:style>
-          <a:lnRef idx="0">
-            <a:scrgbClr r="0" g="0" b="0"/>
-          </a:lnRef>
-          <a:fillRef idx="0">
-            <a:scrgbClr r="0" g="0" b="0"/>
-          </a:fillRef>
-          <a:effectRef idx="0">
-            <a:scrgbClr r="0" g="0" b="0"/>
-          </a:effectRef>
-          <a:fontRef idx="minor">
-            <a:schemeClr val="lt1"/>
-          </a:fontRef>
-        </p:style>
-        <p:txBody>
-          <a:bodyPr rtlCol="0" anchor="ctr"/>
-          <a:lstStyle/>
-          <a:p>
-            <a:pPr algn="ctr"/>
-            <a:r>
-              <a:rPr lang="en-US" altLang="ko-KR" sz="900" dirty="0"/>
-              <a:t>../../lib/Cylinder/Single</a:t>
-            </a:r>
-          </a:p>
-          <a:p>
-            <a:pPr algn="ctr"/>
-            <a:r>
-              <a:rPr lang="en-US" altLang="ko-KR" sz="900" dirty="0"/>
-              <a:t>[Pin02]</a:t>
-            </a:r>
-            <a:endParaRPr lang="ko-KR" altLang="en-US" sz="900" dirty="0"/>
-          </a:p>
-        </p:txBody>
-      </p:sp>
-      <p:sp>
-        <p:nvSpPr>
-          <p:cNvPr id="48" name="사각형: 모서리가 접힌 도형 47">
-            <a:extLst>
-              <a:ext uri="{FF2B5EF4-FFF2-40B4-BE49-F238E27FC236}">
-                <a16:creationId xmlns:a16="http://schemas.microsoft.com/office/drawing/2014/main" id="{A40B1ACD-653C-192A-74E3-5C9427E67AEA}"/>
-              </a:ext>
-            </a:extLst>
-          </p:cNvPr>
-          <p:cNvSpPr/>
-          <p:nvPr/>
-        </p:nvSpPr>
-        <p:spPr>
-          <a:xfrm>
-            <a:off x="10301689" y="992346"/>
-            <a:ext cx="1685035" cy="591039"/>
-          </a:xfrm>
-          <a:prstGeom prst="foldedCorner">
-            <a:avLst>
-              <a:gd name="adj" fmla="val 27487"/>
-            </a:avLst>
-          </a:prstGeom>
-          <a:solidFill>
-            <a:schemeClr val="accent3">
-              <a:alpha val="50000"/>
-            </a:schemeClr>
-          </a:solidFill>
-          <a:ln>
-            <a:noFill/>
-          </a:ln>
-        </p:spPr>
-        <p:style>
-          <a:lnRef idx="0">
-            <a:scrgbClr r="0" g="0" b="0"/>
-          </a:lnRef>
-          <a:fillRef idx="0">
-            <a:scrgbClr r="0" g="0" b="0"/>
-          </a:fillRef>
-          <a:effectRef idx="0">
-            <a:scrgbClr r="0" g="0" b="0"/>
-          </a:effectRef>
-          <a:fontRef idx="minor">
-            <a:schemeClr val="lt1"/>
-          </a:fontRef>
-        </p:style>
-        <p:txBody>
-          <a:bodyPr rtlCol="0" anchor="ctr"/>
-          <a:lstStyle/>
-          <a:p>
-            <a:pPr algn="ctr"/>
-            <a:r>
-              <a:rPr lang="en-US" altLang="ko-KR" sz="900" dirty="0"/>
-              <a:t>../../lib/Robot/Weld</a:t>
-            </a:r>
-          </a:p>
-          <a:p>
-            <a:pPr algn="ctr"/>
-            <a:r>
-              <a:rPr lang="en-US" altLang="ko-KR" sz="900" dirty="0"/>
-              <a:t>[RbtWeld02]</a:t>
-            </a:r>
-            <a:endParaRPr lang="ko-KR" altLang="en-US" sz="900" dirty="0"/>
-          </a:p>
-        </p:txBody>
-      </p:sp>
-      <p:sp>
-        <p:nvSpPr>
-          <p:cNvPr id="49" name="사각형: 모서리가 접힌 도형 48">
-            <a:extLst>
-              <a:ext uri="{FF2B5EF4-FFF2-40B4-BE49-F238E27FC236}">
-                <a16:creationId xmlns:a16="http://schemas.microsoft.com/office/drawing/2014/main" id="{C4EEC91D-4B8D-CDAB-9D6A-8253CD6272F6}"/>
-              </a:ext>
-            </a:extLst>
-          </p:cNvPr>
-          <p:cNvSpPr/>
-          <p:nvPr/>
-        </p:nvSpPr>
-        <p:spPr>
-          <a:xfrm>
-            <a:off x="10301689" y="1805345"/>
-            <a:ext cx="1685035" cy="591039"/>
-          </a:xfrm>
-          <a:prstGeom prst="foldedCorner">
-            <a:avLst>
-              <a:gd name="adj" fmla="val 27487"/>
-            </a:avLst>
-          </a:prstGeom>
-          <a:solidFill>
-            <a:schemeClr val="accent3">
-              <a:alpha val="50000"/>
-            </a:schemeClr>
-          </a:solidFill>
-          <a:ln>
-            <a:noFill/>
-          </a:ln>
-        </p:spPr>
-        <p:style>
-          <a:lnRef idx="0">
-            <a:scrgbClr r="0" g="0" b="0"/>
-          </a:lnRef>
-          <a:fillRef idx="0">
-            <a:scrgbClr r="0" g="0" b="0"/>
-          </a:fillRef>
-          <a:effectRef idx="0">
-            <a:scrgbClr r="0" g="0" b="0"/>
-          </a:effectRef>
-          <a:fontRef idx="minor">
-            <a:schemeClr val="lt1"/>
-          </a:fontRef>
-        </p:style>
-        <p:txBody>
-          <a:bodyPr rtlCol="0" anchor="ctr"/>
-          <a:lstStyle/>
-          <a:p>
-            <a:pPr algn="ctr"/>
-            <a:r>
-              <a:rPr lang="en-US" altLang="ko-KR" sz="900" dirty="0"/>
-              <a:t>../../lib/Robot/Handling</a:t>
-            </a:r>
-          </a:p>
-          <a:p>
-            <a:pPr algn="ctr"/>
-            <a:r>
-              <a:rPr lang="en-US" altLang="ko-KR" sz="900" dirty="0"/>
-              <a:t>[RbtHand02]</a:t>
-            </a:r>
-            <a:endParaRPr lang="ko-KR" altLang="en-US" sz="900" dirty="0"/>
-          </a:p>
-        </p:txBody>
-      </p:sp>
-      <p:sp>
-        <p:nvSpPr>
-          <p:cNvPr id="50" name="사각형: 모서리가 접힌 도형 49">
-            <a:extLst>
-              <a:ext uri="{FF2B5EF4-FFF2-40B4-BE49-F238E27FC236}">
-                <a16:creationId xmlns:a16="http://schemas.microsoft.com/office/drawing/2014/main" id="{4AEBDB3A-3587-5887-5A31-F2B3D80C61FD}"/>
-              </a:ext>
-            </a:extLst>
-          </p:cNvPr>
-          <p:cNvSpPr/>
-          <p:nvPr/>
-        </p:nvSpPr>
-        <p:spPr>
-          <a:xfrm>
-            <a:off x="10301689" y="2583820"/>
-            <a:ext cx="1685035" cy="591039"/>
-          </a:xfrm>
-          <a:prstGeom prst="foldedCorner">
-            <a:avLst>
-              <a:gd name="adj" fmla="val 27487"/>
-            </a:avLst>
-          </a:prstGeom>
-          <a:solidFill>
-            <a:schemeClr val="accent3">
-              <a:alpha val="50000"/>
-            </a:schemeClr>
-          </a:solidFill>
-          <a:ln>
-            <a:noFill/>
-          </a:ln>
-        </p:spPr>
-        <p:style>
-          <a:lnRef idx="0">
-            <a:scrgbClr r="0" g="0" b="0"/>
-          </a:lnRef>
-          <a:fillRef idx="0">
-            <a:scrgbClr r="0" g="0" b="0"/>
-          </a:fillRef>
-          <a:effectRef idx="0">
-            <a:scrgbClr r="0" g="0" b="0"/>
-          </a:effectRef>
-          <a:fontRef idx="minor">
-            <a:schemeClr val="lt1"/>
-          </a:fontRef>
-        </p:style>
-        <p:txBody>
-          <a:bodyPr rtlCol="0" anchor="ctr"/>
-          <a:lstStyle/>
-          <a:p>
-            <a:pPr algn="ctr"/>
-            <a:r>
-              <a:rPr lang="en-US" altLang="ko-KR" sz="900" dirty="0"/>
-              <a:t>../../lib/Part/Sensor</a:t>
-            </a:r>
-          </a:p>
-          <a:p>
-            <a:pPr algn="ctr"/>
-            <a:r>
-              <a:rPr lang="en-US" altLang="ko-KR" sz="900" dirty="0"/>
-              <a:t>[PART02]</a:t>
-            </a:r>
-            <a:endParaRPr lang="ko-KR" altLang="en-US" sz="900" dirty="0"/>
-          </a:p>
-        </p:txBody>
-      </p:sp>
     </p:spTree>
     <p:extLst>
       <p:ext uri="{BB962C8B-B14F-4D97-AF65-F5344CB8AC3E}">
@@ -12687,10 +11135,10 @@
       </p:sp>
       <p:grpSp>
         <p:nvGrpSpPr>
-          <p:cNvPr id="3" name="그룹 2">
+          <p:cNvPr id="4" name="그룹 3">
             <a:extLst>
               <a:ext uri="{FF2B5EF4-FFF2-40B4-BE49-F238E27FC236}">
-                <a16:creationId xmlns:a16="http://schemas.microsoft.com/office/drawing/2014/main" id="{DC8B5343-556B-888E-26B9-971B3B2C2C97}"/>
+                <a16:creationId xmlns:a16="http://schemas.microsoft.com/office/drawing/2014/main" id="{58A2C56A-5F30-77F0-A701-087813255496}"/>
               </a:ext>
             </a:extLst>
           </p:cNvPr>
@@ -14659,526 +13107,6 @@
           </p:style>
         </p:cxnSp>
       </p:grpSp>
-      <p:sp>
-        <p:nvSpPr>
-          <p:cNvPr id="43" name="사각형: 모서리가 접힌 도형 42">
-            <a:extLst>
-              <a:ext uri="{FF2B5EF4-FFF2-40B4-BE49-F238E27FC236}">
-                <a16:creationId xmlns:a16="http://schemas.microsoft.com/office/drawing/2014/main" id="{542319C5-DBB3-FECE-CDA9-B7F88B7E8B70}"/>
-              </a:ext>
-            </a:extLst>
-          </p:cNvPr>
-          <p:cNvSpPr/>
-          <p:nvPr/>
-        </p:nvSpPr>
-        <p:spPr>
-          <a:xfrm>
-            <a:off x="8491003" y="223372"/>
-            <a:ext cx="1685035" cy="591039"/>
-          </a:xfrm>
-          <a:prstGeom prst="foldedCorner">
-            <a:avLst>
-              <a:gd name="adj" fmla="val 27487"/>
-            </a:avLst>
-          </a:prstGeom>
-          <a:solidFill>
-            <a:schemeClr val="accent3">
-              <a:alpha val="50000"/>
-            </a:schemeClr>
-          </a:solidFill>
-          <a:ln>
-            <a:noFill/>
-          </a:ln>
-        </p:spPr>
-        <p:style>
-          <a:lnRef idx="0">
-            <a:scrgbClr r="0" g="0" b="0"/>
-          </a:lnRef>
-          <a:fillRef idx="0">
-            <a:scrgbClr r="0" g="0" b="0"/>
-          </a:fillRef>
-          <a:effectRef idx="0">
-            <a:scrgbClr r="0" g="0" b="0"/>
-          </a:effectRef>
-          <a:fontRef idx="minor">
-            <a:schemeClr val="lt1"/>
-          </a:fontRef>
-        </p:style>
-        <p:txBody>
-          <a:bodyPr rtlCol="0" anchor="ctr"/>
-          <a:lstStyle/>
-          <a:p>
-            <a:pPr algn="ctr"/>
-            <a:r>
-              <a:rPr lang="en-US" altLang="ko-KR" sz="900" dirty="0"/>
-              <a:t>../../lib/Cylinder/Single</a:t>
-            </a:r>
-          </a:p>
-          <a:p>
-            <a:pPr algn="ctr"/>
-            <a:r>
-              <a:rPr lang="en-US" altLang="ko-KR" sz="900" dirty="0"/>
-              <a:t>[Pin01]</a:t>
-            </a:r>
-            <a:endParaRPr lang="ko-KR" altLang="en-US" sz="900" dirty="0"/>
-          </a:p>
-        </p:txBody>
-      </p:sp>
-      <p:sp>
-        <p:nvSpPr>
-          <p:cNvPr id="44" name="사각형: 모서리가 접힌 도형 43">
-            <a:extLst>
-              <a:ext uri="{FF2B5EF4-FFF2-40B4-BE49-F238E27FC236}">
-                <a16:creationId xmlns:a16="http://schemas.microsoft.com/office/drawing/2014/main" id="{FE62AFEE-E51D-82BF-2097-68D97AEF5B08}"/>
-              </a:ext>
-            </a:extLst>
-          </p:cNvPr>
-          <p:cNvSpPr/>
-          <p:nvPr/>
-        </p:nvSpPr>
-        <p:spPr>
-          <a:xfrm>
-            <a:off x="8491003" y="992346"/>
-            <a:ext cx="1685035" cy="591039"/>
-          </a:xfrm>
-          <a:prstGeom prst="foldedCorner">
-            <a:avLst>
-              <a:gd name="adj" fmla="val 27487"/>
-            </a:avLst>
-          </a:prstGeom>
-          <a:solidFill>
-            <a:schemeClr val="accent3">
-              <a:alpha val="50000"/>
-            </a:schemeClr>
-          </a:solidFill>
-          <a:ln>
-            <a:noFill/>
-          </a:ln>
-        </p:spPr>
-        <p:style>
-          <a:lnRef idx="0">
-            <a:scrgbClr r="0" g="0" b="0"/>
-          </a:lnRef>
-          <a:fillRef idx="0">
-            <a:scrgbClr r="0" g="0" b="0"/>
-          </a:fillRef>
-          <a:effectRef idx="0">
-            <a:scrgbClr r="0" g="0" b="0"/>
-          </a:effectRef>
-          <a:fontRef idx="minor">
-            <a:schemeClr val="lt1"/>
-          </a:fontRef>
-        </p:style>
-        <p:txBody>
-          <a:bodyPr rtlCol="0" anchor="ctr"/>
-          <a:lstStyle/>
-          <a:p>
-            <a:pPr algn="ctr"/>
-            <a:r>
-              <a:rPr lang="en-US" altLang="ko-KR" sz="900" dirty="0"/>
-              <a:t>../../lib/Robot/Weld</a:t>
-            </a:r>
-          </a:p>
-          <a:p>
-            <a:pPr algn="ctr"/>
-            <a:r>
-              <a:rPr lang="en-US" altLang="ko-KR" sz="900" dirty="0"/>
-              <a:t>[RbtWeld01]</a:t>
-            </a:r>
-            <a:endParaRPr lang="ko-KR" altLang="en-US" sz="900" dirty="0"/>
-          </a:p>
-        </p:txBody>
-      </p:sp>
-      <p:sp>
-        <p:nvSpPr>
-          <p:cNvPr id="45" name="사각형: 모서리가 접힌 도형 44">
-            <a:extLst>
-              <a:ext uri="{FF2B5EF4-FFF2-40B4-BE49-F238E27FC236}">
-                <a16:creationId xmlns:a16="http://schemas.microsoft.com/office/drawing/2014/main" id="{87DD9411-5771-93AA-0B58-A1CB7493175C}"/>
-              </a:ext>
-            </a:extLst>
-          </p:cNvPr>
-          <p:cNvSpPr/>
-          <p:nvPr/>
-        </p:nvSpPr>
-        <p:spPr>
-          <a:xfrm>
-            <a:off x="8491003" y="1805345"/>
-            <a:ext cx="1685035" cy="591039"/>
-          </a:xfrm>
-          <a:prstGeom prst="foldedCorner">
-            <a:avLst>
-              <a:gd name="adj" fmla="val 27487"/>
-            </a:avLst>
-          </a:prstGeom>
-          <a:solidFill>
-            <a:schemeClr val="accent3">
-              <a:alpha val="50000"/>
-            </a:schemeClr>
-          </a:solidFill>
-          <a:ln>
-            <a:noFill/>
-          </a:ln>
-        </p:spPr>
-        <p:style>
-          <a:lnRef idx="0">
-            <a:scrgbClr r="0" g="0" b="0"/>
-          </a:lnRef>
-          <a:fillRef idx="0">
-            <a:scrgbClr r="0" g="0" b="0"/>
-          </a:fillRef>
-          <a:effectRef idx="0">
-            <a:scrgbClr r="0" g="0" b="0"/>
-          </a:effectRef>
-          <a:fontRef idx="minor">
-            <a:schemeClr val="lt1"/>
-          </a:fontRef>
-        </p:style>
-        <p:txBody>
-          <a:bodyPr rtlCol="0" anchor="ctr"/>
-          <a:lstStyle/>
-          <a:p>
-            <a:pPr algn="ctr"/>
-            <a:r>
-              <a:rPr lang="en-US" altLang="ko-KR" sz="900" dirty="0"/>
-              <a:t>../../lib/Robot/Handling</a:t>
-            </a:r>
-          </a:p>
-          <a:p>
-            <a:pPr algn="ctr"/>
-            <a:r>
-              <a:rPr lang="en-US" altLang="ko-KR" sz="900" dirty="0"/>
-              <a:t>[RbtHand01]</a:t>
-            </a:r>
-            <a:endParaRPr lang="ko-KR" altLang="en-US" sz="900" dirty="0"/>
-          </a:p>
-        </p:txBody>
-      </p:sp>
-      <p:sp>
-        <p:nvSpPr>
-          <p:cNvPr id="46" name="사각형: 모서리가 접힌 도형 45">
-            <a:extLst>
-              <a:ext uri="{FF2B5EF4-FFF2-40B4-BE49-F238E27FC236}">
-                <a16:creationId xmlns:a16="http://schemas.microsoft.com/office/drawing/2014/main" id="{4034FC19-A510-FD71-9E0A-2A1CB1ECD130}"/>
-              </a:ext>
-            </a:extLst>
-          </p:cNvPr>
-          <p:cNvSpPr/>
-          <p:nvPr/>
-        </p:nvSpPr>
-        <p:spPr>
-          <a:xfrm>
-            <a:off x="8491003" y="2583820"/>
-            <a:ext cx="1685035" cy="591039"/>
-          </a:xfrm>
-          <a:prstGeom prst="foldedCorner">
-            <a:avLst>
-              <a:gd name="adj" fmla="val 27487"/>
-            </a:avLst>
-          </a:prstGeom>
-          <a:solidFill>
-            <a:schemeClr val="accent3">
-              <a:alpha val="50000"/>
-            </a:schemeClr>
-          </a:solidFill>
-          <a:ln>
-            <a:noFill/>
-          </a:ln>
-        </p:spPr>
-        <p:style>
-          <a:lnRef idx="0">
-            <a:scrgbClr r="0" g="0" b="0"/>
-          </a:lnRef>
-          <a:fillRef idx="0">
-            <a:scrgbClr r="0" g="0" b="0"/>
-          </a:fillRef>
-          <a:effectRef idx="0">
-            <a:scrgbClr r="0" g="0" b="0"/>
-          </a:effectRef>
-          <a:fontRef idx="minor">
-            <a:schemeClr val="lt1"/>
-          </a:fontRef>
-        </p:style>
-        <p:txBody>
-          <a:bodyPr rtlCol="0" anchor="ctr"/>
-          <a:lstStyle/>
-          <a:p>
-            <a:pPr algn="ctr"/>
-            <a:r>
-              <a:rPr lang="en-US" altLang="ko-KR" sz="900" dirty="0"/>
-              <a:t>../../lib/Part/Sensor</a:t>
-            </a:r>
-          </a:p>
-          <a:p>
-            <a:pPr algn="ctr"/>
-            <a:r>
-              <a:rPr lang="en-US" altLang="ko-KR" sz="900" dirty="0"/>
-              <a:t>[PART01]</a:t>
-            </a:r>
-            <a:endParaRPr lang="ko-KR" altLang="en-US" sz="900" dirty="0"/>
-          </a:p>
-        </p:txBody>
-      </p:sp>
-      <p:sp>
-        <p:nvSpPr>
-          <p:cNvPr id="47" name="사각형: 모서리가 접힌 도형 46">
-            <a:extLst>
-              <a:ext uri="{FF2B5EF4-FFF2-40B4-BE49-F238E27FC236}">
-                <a16:creationId xmlns:a16="http://schemas.microsoft.com/office/drawing/2014/main" id="{272202CC-C4F7-E203-03BC-14EB422F553A}"/>
-              </a:ext>
-            </a:extLst>
-          </p:cNvPr>
-          <p:cNvSpPr/>
-          <p:nvPr/>
-        </p:nvSpPr>
-        <p:spPr>
-          <a:xfrm>
-            <a:off x="10301689" y="223372"/>
-            <a:ext cx="1685035" cy="591039"/>
-          </a:xfrm>
-          <a:prstGeom prst="foldedCorner">
-            <a:avLst>
-              <a:gd name="adj" fmla="val 27487"/>
-            </a:avLst>
-          </a:prstGeom>
-          <a:solidFill>
-            <a:schemeClr val="accent3">
-              <a:alpha val="50000"/>
-            </a:schemeClr>
-          </a:solidFill>
-          <a:ln>
-            <a:noFill/>
-          </a:ln>
-        </p:spPr>
-        <p:style>
-          <a:lnRef idx="0">
-            <a:scrgbClr r="0" g="0" b="0"/>
-          </a:lnRef>
-          <a:fillRef idx="0">
-            <a:scrgbClr r="0" g="0" b="0"/>
-          </a:fillRef>
-          <a:effectRef idx="0">
-            <a:scrgbClr r="0" g="0" b="0"/>
-          </a:effectRef>
-          <a:fontRef idx="minor">
-            <a:schemeClr val="lt1"/>
-          </a:fontRef>
-        </p:style>
-        <p:txBody>
-          <a:bodyPr rtlCol="0" anchor="ctr"/>
-          <a:lstStyle/>
-          <a:p>
-            <a:pPr algn="ctr"/>
-            <a:r>
-              <a:rPr lang="en-US" altLang="ko-KR" sz="900" dirty="0"/>
-              <a:t>../../lib/Cylinder/Single</a:t>
-            </a:r>
-          </a:p>
-          <a:p>
-            <a:pPr algn="ctr"/>
-            <a:r>
-              <a:rPr lang="en-US" altLang="ko-KR" sz="900" dirty="0"/>
-              <a:t>[Pin02]</a:t>
-            </a:r>
-            <a:endParaRPr lang="ko-KR" altLang="en-US" sz="900" dirty="0"/>
-          </a:p>
-        </p:txBody>
-      </p:sp>
-      <p:sp>
-        <p:nvSpPr>
-          <p:cNvPr id="48" name="사각형: 모서리가 접힌 도형 47">
-            <a:extLst>
-              <a:ext uri="{FF2B5EF4-FFF2-40B4-BE49-F238E27FC236}">
-                <a16:creationId xmlns:a16="http://schemas.microsoft.com/office/drawing/2014/main" id="{A40B1ACD-653C-192A-74E3-5C9427E67AEA}"/>
-              </a:ext>
-            </a:extLst>
-          </p:cNvPr>
-          <p:cNvSpPr/>
-          <p:nvPr/>
-        </p:nvSpPr>
-        <p:spPr>
-          <a:xfrm>
-            <a:off x="10301689" y="992346"/>
-            <a:ext cx="1685035" cy="591039"/>
-          </a:xfrm>
-          <a:prstGeom prst="foldedCorner">
-            <a:avLst>
-              <a:gd name="adj" fmla="val 27487"/>
-            </a:avLst>
-          </a:prstGeom>
-          <a:solidFill>
-            <a:schemeClr val="accent3">
-              <a:alpha val="50000"/>
-            </a:schemeClr>
-          </a:solidFill>
-          <a:ln>
-            <a:noFill/>
-          </a:ln>
-        </p:spPr>
-        <p:style>
-          <a:lnRef idx="0">
-            <a:scrgbClr r="0" g="0" b="0"/>
-          </a:lnRef>
-          <a:fillRef idx="0">
-            <a:scrgbClr r="0" g="0" b="0"/>
-          </a:fillRef>
-          <a:effectRef idx="0">
-            <a:scrgbClr r="0" g="0" b="0"/>
-          </a:effectRef>
-          <a:fontRef idx="minor">
-            <a:schemeClr val="lt1"/>
-          </a:fontRef>
-        </p:style>
-        <p:txBody>
-          <a:bodyPr rtlCol="0" anchor="ctr"/>
-          <a:lstStyle/>
-          <a:p>
-            <a:pPr algn="ctr"/>
-            <a:r>
-              <a:rPr lang="en-US" altLang="ko-KR" sz="900" dirty="0"/>
-              <a:t>../../lib/Robot/Weld</a:t>
-            </a:r>
-          </a:p>
-          <a:p>
-            <a:pPr algn="ctr"/>
-            <a:r>
-              <a:rPr lang="en-US" altLang="ko-KR" sz="900" dirty="0"/>
-              <a:t>[RbtWeld02]</a:t>
-            </a:r>
-            <a:endParaRPr lang="ko-KR" altLang="en-US" sz="900" dirty="0"/>
-          </a:p>
-        </p:txBody>
-      </p:sp>
-      <p:sp>
-        <p:nvSpPr>
-          <p:cNvPr id="49" name="사각형: 모서리가 접힌 도형 48">
-            <a:extLst>
-              <a:ext uri="{FF2B5EF4-FFF2-40B4-BE49-F238E27FC236}">
-                <a16:creationId xmlns:a16="http://schemas.microsoft.com/office/drawing/2014/main" id="{C4EEC91D-4B8D-CDAB-9D6A-8253CD6272F6}"/>
-              </a:ext>
-            </a:extLst>
-          </p:cNvPr>
-          <p:cNvSpPr/>
-          <p:nvPr/>
-        </p:nvSpPr>
-        <p:spPr>
-          <a:xfrm>
-            <a:off x="10301689" y="1805345"/>
-            <a:ext cx="1685035" cy="591039"/>
-          </a:xfrm>
-          <a:prstGeom prst="foldedCorner">
-            <a:avLst>
-              <a:gd name="adj" fmla="val 27487"/>
-            </a:avLst>
-          </a:prstGeom>
-          <a:solidFill>
-            <a:schemeClr val="accent3">
-              <a:alpha val="50000"/>
-            </a:schemeClr>
-          </a:solidFill>
-          <a:ln>
-            <a:noFill/>
-          </a:ln>
-        </p:spPr>
-        <p:style>
-          <a:lnRef idx="0">
-            <a:scrgbClr r="0" g="0" b="0"/>
-          </a:lnRef>
-          <a:fillRef idx="0">
-            <a:scrgbClr r="0" g="0" b="0"/>
-          </a:fillRef>
-          <a:effectRef idx="0">
-            <a:scrgbClr r="0" g="0" b="0"/>
-          </a:effectRef>
-          <a:fontRef idx="minor">
-            <a:schemeClr val="lt1"/>
-          </a:fontRef>
-        </p:style>
-        <p:txBody>
-          <a:bodyPr rtlCol="0" anchor="ctr"/>
-          <a:lstStyle/>
-          <a:p>
-            <a:pPr algn="ctr"/>
-            <a:r>
-              <a:rPr lang="en-US" altLang="ko-KR" sz="900" dirty="0"/>
-              <a:t>../../lib/Robot/Handling</a:t>
-            </a:r>
-          </a:p>
-          <a:p>
-            <a:pPr algn="ctr"/>
-            <a:r>
-              <a:rPr lang="en-US" altLang="ko-KR" sz="900" dirty="0"/>
-              <a:t>[RbtHand02]</a:t>
-            </a:r>
-            <a:endParaRPr lang="ko-KR" altLang="en-US" sz="900" dirty="0"/>
-          </a:p>
-        </p:txBody>
-      </p:sp>
-      <p:sp>
-        <p:nvSpPr>
-          <p:cNvPr id="50" name="사각형: 모서리가 접힌 도형 49">
-            <a:extLst>
-              <a:ext uri="{FF2B5EF4-FFF2-40B4-BE49-F238E27FC236}">
-                <a16:creationId xmlns:a16="http://schemas.microsoft.com/office/drawing/2014/main" id="{4AEBDB3A-3587-5887-5A31-F2B3D80C61FD}"/>
-              </a:ext>
-            </a:extLst>
-          </p:cNvPr>
-          <p:cNvSpPr/>
-          <p:nvPr/>
-        </p:nvSpPr>
-        <p:spPr>
-          <a:xfrm>
-            <a:off x="10301689" y="2583820"/>
-            <a:ext cx="1685035" cy="591039"/>
-          </a:xfrm>
-          <a:prstGeom prst="foldedCorner">
-            <a:avLst>
-              <a:gd name="adj" fmla="val 27487"/>
-            </a:avLst>
-          </a:prstGeom>
-          <a:solidFill>
-            <a:schemeClr val="accent3">
-              <a:alpha val="50000"/>
-            </a:schemeClr>
-          </a:solidFill>
-          <a:ln>
-            <a:noFill/>
-          </a:ln>
-        </p:spPr>
-        <p:style>
-          <a:lnRef idx="0">
-            <a:scrgbClr r="0" g="0" b="0"/>
-          </a:lnRef>
-          <a:fillRef idx="0">
-            <a:scrgbClr r="0" g="0" b="0"/>
-          </a:fillRef>
-          <a:effectRef idx="0">
-            <a:scrgbClr r="0" g="0" b="0"/>
-          </a:effectRef>
-          <a:fontRef idx="minor">
-            <a:schemeClr val="lt1"/>
-          </a:fontRef>
-        </p:style>
-        <p:txBody>
-          <a:bodyPr rtlCol="0" anchor="ctr"/>
-          <a:lstStyle/>
-          <a:p>
-            <a:pPr algn="ctr"/>
-            <a:r>
-              <a:rPr lang="en-US" altLang="ko-KR" sz="900" dirty="0"/>
-              <a:t>../../lib/Part/Sensor</a:t>
-            </a:r>
-          </a:p>
-          <a:p>
-            <a:pPr algn="ctr"/>
-            <a:r>
-              <a:rPr lang="en-US" altLang="ko-KR" sz="900" dirty="0"/>
-              <a:t>[PART02]</a:t>
-            </a:r>
-            <a:endParaRPr lang="ko-KR" altLang="en-US" sz="900" dirty="0"/>
-          </a:p>
-        </p:txBody>
-      </p:sp>
     </p:spTree>
     <p:extLst>
       <p:ext uri="{BB962C8B-B14F-4D97-AF65-F5344CB8AC3E}">

--- a/DsDotNet/src/UnitTest/UnitTest.Model/ImportOfficeExample/Sample/Sub/Sub/Floor.pptx
+++ b/DsDotNet/src/UnitTest/UnitTest.Model/ImportOfficeExample/Sample/Sub/Sub/Floor.pptx
@@ -1402,6 +1402,131 @@
 </p:sldLayout>
 </file>
 
+<file path=ppt/slideLayouts/slideLayout3.xml><?xml version="1.0" encoding="utf-8"?>
+<p:sldLayout xmlns:a="http://schemas.openxmlformats.org/drawingml/2006/main" xmlns:r="http://schemas.openxmlformats.org/officeDocument/2006/relationships" xmlns:p="http://schemas.openxmlformats.org/presentationml/2006/main" type="blank" preserve="1">
+  <p:cSld name="빈 화면">
+    <p:spTree>
+      <p:nvGrpSpPr>
+        <p:cNvPr id="1" name=""/>
+        <p:cNvGrpSpPr/>
+        <p:nvPr/>
+      </p:nvGrpSpPr>
+      <p:grpSpPr>
+        <a:xfrm>
+          <a:off x="0" y="0"/>
+          <a:ext cx="0" cy="0"/>
+          <a:chOff x="0" y="0"/>
+          <a:chExt cx="0" cy="0"/>
+        </a:xfrm>
+      </p:grpSpPr>
+      <p:sp>
+        <p:nvSpPr>
+          <p:cNvPr id="2" name="날짜 개체 틀 1">
+            <a:extLst>
+              <a:ext uri="{FF2B5EF4-FFF2-40B4-BE49-F238E27FC236}">
+                <a16:creationId xmlns:a16="http://schemas.microsoft.com/office/drawing/2014/main" id="{FCBD241C-B2DC-A155-7A4C-72194DD8803E}"/>
+              </a:ext>
+            </a:extLst>
+          </p:cNvPr>
+          <p:cNvSpPr>
+            <a:spLocks noGrp="1"/>
+          </p:cNvSpPr>
+          <p:nvPr>
+            <p:ph type="dt" sz="half" idx="10"/>
+          </p:nvPr>
+        </p:nvSpPr>
+        <p:spPr/>
+        <p:txBody>
+          <a:bodyPr/>
+          <a:lstStyle/>
+          <a:p>
+            <a:pPr rtl="0"/>
+            <a:r>
+              <a:rPr lang="en-US" altLang="ko-KR"/>
+              <a:t>2022</a:t>
+            </a:r>
+            <a:r>
+              <a:rPr lang="ko-KR" altLang="en-US"/>
+              <a:t>년</a:t>
+            </a:r>
+            <a:endParaRPr lang="ko-KR" dirty="0"/>
+          </a:p>
+        </p:txBody>
+      </p:sp>
+      <p:sp>
+        <p:nvSpPr>
+          <p:cNvPr id="3" name="바닥글 개체 틀 2">
+            <a:extLst>
+              <a:ext uri="{FF2B5EF4-FFF2-40B4-BE49-F238E27FC236}">
+                <a16:creationId xmlns:a16="http://schemas.microsoft.com/office/drawing/2014/main" id="{0EE6EA52-ABD9-7A24-736C-275AE7768491}"/>
+              </a:ext>
+            </a:extLst>
+          </p:cNvPr>
+          <p:cNvSpPr>
+            <a:spLocks noGrp="1"/>
+          </p:cNvSpPr>
+          <p:nvPr>
+            <p:ph type="ftr" sz="quarter" idx="11"/>
+          </p:nvPr>
+        </p:nvSpPr>
+        <p:spPr/>
+        <p:txBody>
+          <a:bodyPr/>
+          <a:lstStyle/>
+          <a:p>
+            <a:pPr rtl="0"/>
+            <a:r>
+              <a:rPr lang="en-US" altLang="ko-KR"/>
+              <a:t>Dualsoft</a:t>
+            </a:r>
+            <a:endParaRPr lang="ko-KR" dirty="0"/>
+          </a:p>
+        </p:txBody>
+      </p:sp>
+      <p:sp>
+        <p:nvSpPr>
+          <p:cNvPr id="4" name="슬라이드 번호 개체 틀 3">
+            <a:extLst>
+              <a:ext uri="{FF2B5EF4-FFF2-40B4-BE49-F238E27FC236}">
+                <a16:creationId xmlns:a16="http://schemas.microsoft.com/office/drawing/2014/main" id="{EE821592-8204-049B-8FD4-F03D01427DC4}"/>
+              </a:ext>
+            </a:extLst>
+          </p:cNvPr>
+          <p:cNvSpPr>
+            <a:spLocks noGrp="1"/>
+          </p:cNvSpPr>
+          <p:nvPr>
+            <p:ph type="sldNum" sz="quarter" idx="12"/>
+          </p:nvPr>
+        </p:nvSpPr>
+        <p:spPr/>
+        <p:txBody>
+          <a:bodyPr/>
+          <a:lstStyle/>
+          <a:p>
+            <a:pPr rtl="0"/>
+            <a:fld id="{DBA1B0FB-D917-4C8C-928F-313BD683BF39}" type="slidenum">
+              <a:rPr lang="ko-KR" smtClean="0"/>
+              <a:pPr/>
+              <a:t>‹#›</a:t>
+            </a:fld>
+            <a:endParaRPr lang="ko-KR"/>
+          </a:p>
+        </p:txBody>
+      </p:sp>
+    </p:spTree>
+    <p:extLst>
+      <p:ext uri="{BB962C8B-B14F-4D97-AF65-F5344CB8AC3E}">
+        <p14:creationId xmlns:p14="http://schemas.microsoft.com/office/powerpoint/2010/main" val="1720957446"/>
+      </p:ext>
+    </p:extLst>
+  </p:cSld>
+  <p:clrMapOvr>
+    <a:masterClrMapping/>
+  </p:clrMapOvr>
+</p:sldLayout>
+</file>
+
 <file path=ppt/slideMasters/slideMaster1.xml><?xml version="1.0" encoding="utf-8"?>
 <p:sldMaster xmlns:a="http://schemas.openxmlformats.org/drawingml/2006/main" xmlns:r="http://schemas.openxmlformats.org/officeDocument/2006/relationships" xmlns:p="http://schemas.openxmlformats.org/presentationml/2006/main">
   <p:cSld>
@@ -1704,6 +1829,7 @@
   <p:sldLayoutIdLst>
     <p:sldLayoutId id="2147483700" r:id="rId1"/>
     <p:sldLayoutId id="2147483701" r:id="rId2"/>
+    <p:sldLayoutId id="2147483702" r:id="rId3"/>
   </p:sldLayoutIdLst>
   <p:hf sldNum="0" hdr="0" ftr="0" dt="0"/>
   <p:txStyles>
@@ -3367,10 +3493,10 @@
       </p:sp>
       <p:grpSp>
         <p:nvGrpSpPr>
-          <p:cNvPr id="25" name="그룹 24">
+          <p:cNvPr id="27" name="그룹 26">
             <a:extLst>
               <a:ext uri="{FF2B5EF4-FFF2-40B4-BE49-F238E27FC236}">
-                <a16:creationId xmlns:a16="http://schemas.microsoft.com/office/drawing/2014/main" id="{C0627CFF-7D98-61F7-4CD0-F11F5F1D2F35}"/>
+                <a16:creationId xmlns:a16="http://schemas.microsoft.com/office/drawing/2014/main" id="{D3A8C99D-3978-5EE9-E79E-E65D64CB8C3C}"/>
               </a:ext>
             </a:extLst>
           </p:cNvPr>
@@ -5036,10 +5162,10 @@
       </p:sp>
       <p:grpSp>
         <p:nvGrpSpPr>
-          <p:cNvPr id="4" name="그룹 3">
+          <p:cNvPr id="5" name="그룹 4">
             <a:extLst>
               <a:ext uri="{FF2B5EF4-FFF2-40B4-BE49-F238E27FC236}">
-                <a16:creationId xmlns:a16="http://schemas.microsoft.com/office/drawing/2014/main" id="{D65D1406-EF7C-6E68-A17E-01E1EDEAA9F1}"/>
+                <a16:creationId xmlns:a16="http://schemas.microsoft.com/office/drawing/2014/main" id="{E77692F3-B939-2E79-1A0C-F274590D0AA4}"/>
               </a:ext>
             </a:extLst>
           </p:cNvPr>
@@ -7069,10 +7195,10 @@
       </p:sp>
       <p:grpSp>
         <p:nvGrpSpPr>
-          <p:cNvPr id="4" name="그룹 3">
+          <p:cNvPr id="5" name="그룹 4">
             <a:extLst>
               <a:ext uri="{FF2B5EF4-FFF2-40B4-BE49-F238E27FC236}">
-                <a16:creationId xmlns:a16="http://schemas.microsoft.com/office/drawing/2014/main" id="{E2F5F9A4-2770-8060-4787-4D2CBB5097D5}"/>
+                <a16:creationId xmlns:a16="http://schemas.microsoft.com/office/drawing/2014/main" id="{75BA127C-FB6F-2D7F-E1A0-144B05A48233}"/>
               </a:ext>
             </a:extLst>
           </p:cNvPr>
@@ -9102,10 +9228,10 @@
       </p:sp>
       <p:grpSp>
         <p:nvGrpSpPr>
-          <p:cNvPr id="4" name="그룹 3">
+          <p:cNvPr id="5" name="그룹 4">
             <a:extLst>
               <a:ext uri="{FF2B5EF4-FFF2-40B4-BE49-F238E27FC236}">
-                <a16:creationId xmlns:a16="http://schemas.microsoft.com/office/drawing/2014/main" id="{40516A6D-AA06-0C23-9FF1-3226ABB65D78}"/>
+                <a16:creationId xmlns:a16="http://schemas.microsoft.com/office/drawing/2014/main" id="{B2D025BE-1920-6A56-5FF6-1110C467621A}"/>
               </a:ext>
             </a:extLst>
           </p:cNvPr>
@@ -11135,10 +11261,10 @@
       </p:sp>
       <p:grpSp>
         <p:nvGrpSpPr>
-          <p:cNvPr id="4" name="그룹 3">
+          <p:cNvPr id="5" name="그룹 4">
             <a:extLst>
               <a:ext uri="{FF2B5EF4-FFF2-40B4-BE49-F238E27FC236}">
-                <a16:creationId xmlns:a16="http://schemas.microsoft.com/office/drawing/2014/main" id="{58A2C56A-5F30-77F0-A701-087813255496}"/>
+                <a16:creationId xmlns:a16="http://schemas.microsoft.com/office/drawing/2014/main" id="{28BAD4C2-727A-5905-C10D-257856B072DA}"/>
               </a:ext>
             </a:extLst>
           </p:cNvPr>

--- a/DsDotNet/src/UnitTest/UnitTest.Model/ImportOfficeExample/Sample/Sub/Sub/Floor.pptx
+++ b/DsDotNet/src/UnitTest/UnitTest.Model/ImportOfficeExample/Sample/Sub/Sub/Floor.pptx
@@ -220,7 +220,7 @@
           <a:p>
             <a:fld id="{DD503887-5801-43A0-AEF9-041E8DDC2558}" type="datetimeFigureOut">
               <a:rPr lang="ko-KR" altLang="en-US" smtClean="0"/>
-              <a:t>2024-07-14</a:t>
+              <a:t>2024-07-17</a:t>
             </a:fld>
             <a:endParaRPr lang="ko-KR" altLang="en-US" dirty="0"/>
           </a:p>
@@ -397,7 +397,7 @@
           <a:p>
             <a:fld id="{95336A0E-57B1-4D4C-BD9B-2F72B5943464}" type="datetimeFigureOut">
               <a:rPr lang="ko-KR" altLang="en-US" smtClean="0"/>
-              <a:t>2024-07-14</a:t>
+              <a:t>2024-07-17</a:t>
             </a:fld>
             <a:endParaRPr lang="ko-KR" altLang="en-US" dirty="0"/>
           </a:p>
@@ -757,407 +757,6 @@
           </a:p>
         </p:txBody>
       </p:sp>
-      <p:sp>
-        <p:nvSpPr>
-          <p:cNvPr id="8" name="타원 7">
-            <a:extLst>
-              <a:ext uri="{FF2B5EF4-FFF2-40B4-BE49-F238E27FC236}">
-                <a16:creationId xmlns:a16="http://schemas.microsoft.com/office/drawing/2014/main" id="{938AD48E-7D67-4BE9-97B6-DB64DE5253B9}"/>
-              </a:ext>
-              <a:ext uri="{C183D7F6-B498-43B3-948B-1728B52AA6E4}">
-                <adec:decorative xmlns:adec="http://schemas.microsoft.com/office/drawing/2017/decorative" val="1"/>
-              </a:ext>
-            </a:extLst>
-          </p:cNvPr>
-          <p:cNvSpPr>
-            <a:spLocks noChangeAspect="1"/>
-          </p:cNvSpPr>
-          <p:nvPr userDrawn="1"/>
-        </p:nvSpPr>
-        <p:spPr>
-          <a:xfrm>
-            <a:off x="7999413" y="445272"/>
-            <a:ext cx="360000" cy="360000"/>
-          </a:xfrm>
-          <a:prstGeom prst="ellipse">
-            <a:avLst/>
-          </a:prstGeom>
-          <a:gradFill flip="none" rotWithShape="1">
-            <a:gsLst>
-              <a:gs pos="100000">
-                <a:schemeClr val="bg2">
-                  <a:lumMod val="50000"/>
-                  <a:lumOff val="50000"/>
-                </a:schemeClr>
-              </a:gs>
-              <a:gs pos="60000">
-                <a:schemeClr val="bg2"/>
-              </a:gs>
-            </a:gsLst>
-            <a:path path="circle">
-              <a:fillToRect l="100000" b="100000"/>
-            </a:path>
-            <a:tileRect t="-100000" r="-100000"/>
-          </a:gradFill>
-          <a:ln>
-            <a:noFill/>
-          </a:ln>
-          <a:effectLst>
-            <a:innerShdw blurRad="127000" dist="63500" dir="2700000">
-              <a:schemeClr val="accent1">
-                <a:lumMod val="60000"/>
-                <a:lumOff val="40000"/>
-                <a:alpha val="20000"/>
-              </a:schemeClr>
-            </a:innerShdw>
-            <a:softEdge rad="0"/>
-          </a:effectLst>
-        </p:spPr>
-        <p:style>
-          <a:lnRef idx="2">
-            <a:schemeClr val="accent1">
-              <a:shade val="50000"/>
-            </a:schemeClr>
-          </a:lnRef>
-          <a:fillRef idx="1">
-            <a:schemeClr val="accent1"/>
-          </a:fillRef>
-          <a:effectRef idx="0">
-            <a:schemeClr val="accent1"/>
-          </a:effectRef>
-          <a:fontRef idx="minor">
-            <a:schemeClr val="lt1"/>
-          </a:fontRef>
-        </p:style>
-        <p:txBody>
-          <a:bodyPr rot="0" spcFirstLastPara="0" vertOverflow="overflow" horzOverflow="overflow" vert="horz" wrap="square" lIns="91440" tIns="45720" rIns="91440" bIns="45720" numCol="1" spcCol="0" rtlCol="0" fromWordArt="0" anchor="ctr" anchorCtr="0" forceAA="0" compatLnSpc="1">
-            <a:prstTxWarp prst="textNoShape">
-              <a:avLst/>
-            </a:prstTxWarp>
-            <a:noAutofit/>
-          </a:bodyPr>
-          <a:lstStyle/>
-          <a:p>
-            <a:pPr algn="ctr" rtl="0"/>
-            <a:endParaRPr lang="ko-KR"/>
-          </a:p>
-        </p:txBody>
-      </p:sp>
-      <p:grpSp>
-        <p:nvGrpSpPr>
-          <p:cNvPr id="9" name="그룹 8">
-            <a:extLst>
-              <a:ext uri="{FF2B5EF4-FFF2-40B4-BE49-F238E27FC236}">
-                <a16:creationId xmlns:a16="http://schemas.microsoft.com/office/drawing/2014/main" id="{EB6FF8E2-165B-49EB-8120-14190F9491BC}"/>
-              </a:ext>
-              <a:ext uri="{C183D7F6-B498-43B3-948B-1728B52AA6E4}">
-                <adec:decorative xmlns:adec="http://schemas.microsoft.com/office/drawing/2017/decorative" val="1"/>
-              </a:ext>
-            </a:extLst>
-          </p:cNvPr>
-          <p:cNvGrpSpPr/>
-          <p:nvPr userDrawn="1"/>
-        </p:nvGrpSpPr>
-        <p:grpSpPr>
-          <a:xfrm rot="5400000">
-            <a:off x="10915300" y="5534727"/>
-            <a:ext cx="667802" cy="631474"/>
-            <a:chOff x="10478914" y="1506691"/>
-            <a:chExt cx="667802" cy="631474"/>
-          </a:xfrm>
-        </p:grpSpPr>
-        <p:sp>
-          <p:nvSpPr>
-            <p:cNvPr id="10" name="자유형: 도형 9">
-              <a:extLst>
-                <a:ext uri="{FF2B5EF4-FFF2-40B4-BE49-F238E27FC236}">
-                  <a16:creationId xmlns:a16="http://schemas.microsoft.com/office/drawing/2014/main" id="{79B763A7-EE7D-4306-8306-01E8C86E6350}"/>
-                </a:ext>
-              </a:extLst>
-            </p:cNvPr>
-            <p:cNvSpPr>
-              <a:spLocks noChangeAspect="1"/>
-            </p:cNvSpPr>
-            <p:nvPr/>
-          </p:nvSpPr>
-          <p:spPr>
-            <a:xfrm rot="8100000">
-              <a:off x="10606715" y="1506691"/>
-              <a:ext cx="540001" cy="631474"/>
-            </a:xfrm>
-            <a:custGeom>
-              <a:avLst/>
-              <a:gdLst>
-                <a:gd name="connsiteX0" fmla="*/ 540000 w 1080000"/>
-                <a:gd name="connsiteY0" fmla="*/ 0 h 1262947"/>
-                <a:gd name="connsiteX1" fmla="*/ 1080000 w 1080000"/>
-                <a:gd name="connsiteY1" fmla="*/ 931034 h 1262947"/>
-                <a:gd name="connsiteX2" fmla="*/ 1064374 w 1080000"/>
-                <a:gd name="connsiteY2" fmla="*/ 931034 h 1262947"/>
-                <a:gd name="connsiteX3" fmla="*/ 1069029 w 1080000"/>
-                <a:gd name="connsiteY3" fmla="*/ 938533 h 1262947"/>
-                <a:gd name="connsiteX4" fmla="*/ 1080000 w 1080000"/>
-                <a:gd name="connsiteY4" fmla="*/ 992947 h 1262947"/>
-                <a:gd name="connsiteX5" fmla="*/ 540000 w 1080000"/>
-                <a:gd name="connsiteY5" fmla="*/ 1262947 h 1262947"/>
-                <a:gd name="connsiteX6" fmla="*/ 0 w 1080000"/>
-                <a:gd name="connsiteY6" fmla="*/ 992947 h 1262947"/>
-                <a:gd name="connsiteX7" fmla="*/ 10971 w 1080000"/>
-                <a:gd name="connsiteY7" fmla="*/ 938533 h 1262947"/>
-                <a:gd name="connsiteX8" fmla="*/ 15626 w 1080000"/>
-                <a:gd name="connsiteY8" fmla="*/ 931034 h 1262947"/>
-                <a:gd name="connsiteX9" fmla="*/ 0 w 1080000"/>
-                <a:gd name="connsiteY9" fmla="*/ 931034 h 1262947"/>
-                <a:gd name="connsiteX0" fmla="*/ 540000 w 1080000"/>
-                <a:gd name="connsiteY0" fmla="*/ 0 h 1262947"/>
-                <a:gd name="connsiteX1" fmla="*/ 1080000 w 1080000"/>
-                <a:gd name="connsiteY1" fmla="*/ 931034 h 1262947"/>
-                <a:gd name="connsiteX2" fmla="*/ 1064374 w 1080000"/>
-                <a:gd name="connsiteY2" fmla="*/ 931034 h 1262947"/>
-                <a:gd name="connsiteX3" fmla="*/ 1069029 w 1080000"/>
-                <a:gd name="connsiteY3" fmla="*/ 938533 h 1262947"/>
-                <a:gd name="connsiteX4" fmla="*/ 1080000 w 1080000"/>
-                <a:gd name="connsiteY4" fmla="*/ 992947 h 1262947"/>
-                <a:gd name="connsiteX5" fmla="*/ 540000 w 1080000"/>
-                <a:gd name="connsiteY5" fmla="*/ 1262947 h 1262947"/>
-                <a:gd name="connsiteX6" fmla="*/ 0 w 1080000"/>
-                <a:gd name="connsiteY6" fmla="*/ 992947 h 1262947"/>
-                <a:gd name="connsiteX7" fmla="*/ 10971 w 1080000"/>
-                <a:gd name="connsiteY7" fmla="*/ 938533 h 1262947"/>
-                <a:gd name="connsiteX8" fmla="*/ 15626 w 1080000"/>
-                <a:gd name="connsiteY8" fmla="*/ 931034 h 1262947"/>
-                <a:gd name="connsiteX9" fmla="*/ 540000 w 1080000"/>
-                <a:gd name="connsiteY9" fmla="*/ 0 h 1262947"/>
-                <a:gd name="connsiteX0" fmla="*/ 540000 w 1080000"/>
-                <a:gd name="connsiteY0" fmla="*/ 0 h 1262947"/>
-                <a:gd name="connsiteX1" fmla="*/ 1064374 w 1080000"/>
-                <a:gd name="connsiteY1" fmla="*/ 931034 h 1262947"/>
-                <a:gd name="connsiteX2" fmla="*/ 1069029 w 1080000"/>
-                <a:gd name="connsiteY2" fmla="*/ 938533 h 1262947"/>
-                <a:gd name="connsiteX3" fmla="*/ 1080000 w 1080000"/>
-                <a:gd name="connsiteY3" fmla="*/ 992947 h 1262947"/>
-                <a:gd name="connsiteX4" fmla="*/ 540000 w 1080000"/>
-                <a:gd name="connsiteY4" fmla="*/ 1262947 h 1262947"/>
-                <a:gd name="connsiteX5" fmla="*/ 0 w 1080000"/>
-                <a:gd name="connsiteY5" fmla="*/ 992947 h 1262947"/>
-                <a:gd name="connsiteX6" fmla="*/ 10971 w 1080000"/>
-                <a:gd name="connsiteY6" fmla="*/ 938533 h 1262947"/>
-                <a:gd name="connsiteX7" fmla="*/ 15626 w 1080000"/>
-                <a:gd name="connsiteY7" fmla="*/ 931034 h 1262947"/>
-                <a:gd name="connsiteX8" fmla="*/ 540000 w 1080000"/>
-                <a:gd name="connsiteY8" fmla="*/ 0 h 1262947"/>
-              </a:gdLst>
-              <a:ahLst/>
-              <a:cxnLst>
-                <a:cxn ang="0">
-                  <a:pos x="connsiteX0" y="connsiteY0"/>
-                </a:cxn>
-                <a:cxn ang="0">
-                  <a:pos x="connsiteX1" y="connsiteY1"/>
-                </a:cxn>
-                <a:cxn ang="0">
-                  <a:pos x="connsiteX2" y="connsiteY2"/>
-                </a:cxn>
-                <a:cxn ang="0">
-                  <a:pos x="connsiteX3" y="connsiteY3"/>
-                </a:cxn>
-                <a:cxn ang="0">
-                  <a:pos x="connsiteX4" y="connsiteY4"/>
-                </a:cxn>
-                <a:cxn ang="0">
-                  <a:pos x="connsiteX5" y="connsiteY5"/>
-                </a:cxn>
-                <a:cxn ang="0">
-                  <a:pos x="connsiteX6" y="connsiteY6"/>
-                </a:cxn>
-                <a:cxn ang="0">
-                  <a:pos x="connsiteX7" y="connsiteY7"/>
-                </a:cxn>
-                <a:cxn ang="0">
-                  <a:pos x="connsiteX8" y="connsiteY8"/>
-                </a:cxn>
-              </a:cxnLst>
-              <a:rect l="l" t="t" r="r" b="b"/>
-              <a:pathLst>
-                <a:path w="1080000" h="1262947">
-                  <a:moveTo>
-                    <a:pt x="540000" y="0"/>
-                  </a:moveTo>
-                  <a:lnTo>
-                    <a:pt x="1064374" y="931034"/>
-                  </a:lnTo>
-                  <a:lnTo>
-                    <a:pt x="1069029" y="938533"/>
-                  </a:lnTo>
-                  <a:cubicBezTo>
-                    <a:pt x="1076223" y="956109"/>
-                    <a:pt x="1080000" y="974307"/>
-                    <a:pt x="1080000" y="992947"/>
-                  </a:cubicBezTo>
-                  <a:cubicBezTo>
-                    <a:pt x="1080000" y="1142064"/>
-                    <a:pt x="838234" y="1262947"/>
-                    <a:pt x="540000" y="1262947"/>
-                  </a:cubicBezTo>
-                  <a:cubicBezTo>
-                    <a:pt x="241766" y="1262947"/>
-                    <a:pt x="0" y="1142064"/>
-                    <a:pt x="0" y="992947"/>
-                  </a:cubicBezTo>
-                  <a:cubicBezTo>
-                    <a:pt x="0" y="974307"/>
-                    <a:pt x="3778" y="956109"/>
-                    <a:pt x="10971" y="938533"/>
-                  </a:cubicBezTo>
-                  <a:lnTo>
-                    <a:pt x="15626" y="931034"/>
-                  </a:lnTo>
-                  <a:lnTo>
-                    <a:pt x="540000" y="0"/>
-                  </a:lnTo>
-                  <a:close/>
-                </a:path>
-              </a:pathLst>
-            </a:custGeom>
-            <a:gradFill>
-              <a:gsLst>
-                <a:gs pos="60000">
-                  <a:schemeClr val="bg2">
-                    <a:lumMod val="90000"/>
-                    <a:lumOff val="10000"/>
-                  </a:schemeClr>
-                </a:gs>
-                <a:gs pos="30000">
-                  <a:schemeClr val="bg2">
-                    <a:lumMod val="90000"/>
-                    <a:lumOff val="10000"/>
-                  </a:schemeClr>
-                </a:gs>
-                <a:gs pos="40000">
-                  <a:schemeClr val="bg2">
-                    <a:lumMod val="80000"/>
-                    <a:lumOff val="20000"/>
-                  </a:schemeClr>
-                </a:gs>
-                <a:gs pos="100000">
-                  <a:schemeClr val="bg2"/>
-                </a:gs>
-              </a:gsLst>
-              <a:lin ang="600000" scaled="0"/>
-            </a:gradFill>
-            <a:ln>
-              <a:noFill/>
-            </a:ln>
-            <a:effectLst>
-              <a:innerShdw blurRad="101600" dist="50800" dir="7320000">
-                <a:schemeClr val="accent1">
-                  <a:lumMod val="60000"/>
-                  <a:lumOff val="40000"/>
-                  <a:alpha val="20000"/>
-                </a:schemeClr>
-              </a:innerShdw>
-            </a:effectLst>
-          </p:spPr>
-          <p:style>
-            <a:lnRef idx="2">
-              <a:schemeClr val="accent1">
-                <a:shade val="50000"/>
-              </a:schemeClr>
-            </a:lnRef>
-            <a:fillRef idx="1">
-              <a:schemeClr val="accent1"/>
-            </a:fillRef>
-            <a:effectRef idx="0">
-              <a:schemeClr val="accent1"/>
-            </a:effectRef>
-            <a:fontRef idx="minor">
-              <a:schemeClr val="lt1"/>
-            </a:fontRef>
-          </p:style>
-          <p:txBody>
-            <a:bodyPr rot="0" spcFirstLastPara="0" vertOverflow="overflow" horzOverflow="overflow" vert="horz" wrap="square" lIns="91440" tIns="45720" rIns="91440" bIns="45720" numCol="1" spcCol="0" rtlCol="0" fromWordArt="0" anchor="ctr" anchorCtr="0" forceAA="0" compatLnSpc="1">
-              <a:prstTxWarp prst="textNoShape">
-                <a:avLst/>
-              </a:prstTxWarp>
-              <a:noAutofit/>
-            </a:bodyPr>
-            <a:lstStyle/>
-            <a:p>
-              <a:pPr algn="ctr" rtl="0"/>
-              <a:endParaRPr lang="ko-KR"/>
-            </a:p>
-          </p:txBody>
-        </p:sp>
-        <p:sp>
-          <p:nvSpPr>
-            <p:cNvPr id="11" name="타원 10">
-              <a:extLst>
-                <a:ext uri="{FF2B5EF4-FFF2-40B4-BE49-F238E27FC236}">
-                  <a16:creationId xmlns:a16="http://schemas.microsoft.com/office/drawing/2014/main" id="{4B3A935F-6844-4FCE-B0AE-5492715A58F1}"/>
-                </a:ext>
-              </a:extLst>
-            </p:cNvPr>
-            <p:cNvSpPr/>
-            <p:nvPr/>
-          </p:nvSpPr>
-          <p:spPr>
-            <a:xfrm rot="13500000">
-              <a:off x="10613915" y="1424627"/>
-              <a:ext cx="270000" cy="540001"/>
-            </a:xfrm>
-            <a:prstGeom prst="ellipse">
-              <a:avLst/>
-            </a:prstGeom>
-            <a:solidFill>
-              <a:schemeClr val="bg2">
-                <a:lumMod val="90000"/>
-                <a:lumOff val="10000"/>
-              </a:schemeClr>
-            </a:solidFill>
-            <a:ln>
-              <a:noFill/>
-            </a:ln>
-            <a:effectLst>
-              <a:innerShdw blurRad="1270000" dist="2540000">
-                <a:schemeClr val="accent1">
-                  <a:lumMod val="60000"/>
-                  <a:lumOff val="40000"/>
-                  <a:alpha val="0"/>
-                </a:schemeClr>
-              </a:innerShdw>
-            </a:effectLst>
-          </p:spPr>
-          <p:style>
-            <a:lnRef idx="2">
-              <a:schemeClr val="accent1">
-                <a:shade val="50000"/>
-              </a:schemeClr>
-            </a:lnRef>
-            <a:fillRef idx="1">
-              <a:schemeClr val="accent1"/>
-            </a:fillRef>
-            <a:effectRef idx="0">
-              <a:schemeClr val="accent1"/>
-            </a:effectRef>
-            <a:fontRef idx="minor">
-              <a:schemeClr val="lt1"/>
-            </a:fontRef>
-          </p:style>
-          <p:txBody>
-            <a:bodyPr rot="0" spcFirstLastPara="0" vertOverflow="overflow" horzOverflow="overflow" vert="horz" wrap="square" lIns="91440" tIns="45720" rIns="91440" bIns="45720" numCol="1" spcCol="0" rtlCol="0" fromWordArt="0" anchor="ctr" anchorCtr="0" forceAA="0" compatLnSpc="1">
-              <a:prstTxWarp prst="textNoShape">
-                <a:avLst/>
-              </a:prstTxWarp>
-              <a:noAutofit/>
-            </a:bodyPr>
-            <a:lstStyle/>
-            <a:p>
-              <a:pPr algn="ctr" rtl="0"/>
-              <a:endParaRPr lang="ko-KR"/>
-            </a:p>
-          </p:txBody>
-        </p:sp>
-      </p:grpSp>
       <p:sp>
         <p:nvSpPr>
           <p:cNvPr id="3" name="텍스트 개체 틀 2">
@@ -3493,10 +3092,10 @@
       </p:sp>
       <p:grpSp>
         <p:nvGrpSpPr>
-          <p:cNvPr id="27" name="그룹 26">
+          <p:cNvPr id="5" name="그룹 4">
             <a:extLst>
               <a:ext uri="{FF2B5EF4-FFF2-40B4-BE49-F238E27FC236}">
-                <a16:creationId xmlns:a16="http://schemas.microsoft.com/office/drawing/2014/main" id="{D3A8C99D-3978-5EE9-E79E-E65D64CB8C3C}"/>
+                <a16:creationId xmlns:a16="http://schemas.microsoft.com/office/drawing/2014/main" id="{69F5F755-84F0-5339-3A2C-9D080A425476}"/>
               </a:ext>
             </a:extLst>
           </p:cNvPr>
@@ -5162,10 +4761,10 @@
       </p:sp>
       <p:grpSp>
         <p:nvGrpSpPr>
-          <p:cNvPr id="5" name="그룹 4">
+          <p:cNvPr id="3" name="그룹 2">
             <a:extLst>
               <a:ext uri="{FF2B5EF4-FFF2-40B4-BE49-F238E27FC236}">
-                <a16:creationId xmlns:a16="http://schemas.microsoft.com/office/drawing/2014/main" id="{E77692F3-B939-2E79-1A0C-F274590D0AA4}"/>
+                <a16:creationId xmlns:a16="http://schemas.microsoft.com/office/drawing/2014/main" id="{FD1B65A5-8EC6-AD5D-7D52-7A59E9B3969D}"/>
               </a:ext>
             </a:extLst>
           </p:cNvPr>
@@ -7195,10 +6794,10 @@
       </p:sp>
       <p:grpSp>
         <p:nvGrpSpPr>
-          <p:cNvPr id="5" name="그룹 4">
+          <p:cNvPr id="3" name="그룹 2">
             <a:extLst>
               <a:ext uri="{FF2B5EF4-FFF2-40B4-BE49-F238E27FC236}">
-                <a16:creationId xmlns:a16="http://schemas.microsoft.com/office/drawing/2014/main" id="{75BA127C-FB6F-2D7F-E1A0-144B05A48233}"/>
+                <a16:creationId xmlns:a16="http://schemas.microsoft.com/office/drawing/2014/main" id="{EAA80974-6BFE-A9F3-1D42-2E4B59BA7E2C}"/>
               </a:ext>
             </a:extLst>
           </p:cNvPr>
@@ -9228,10 +8827,10 @@
       </p:sp>
       <p:grpSp>
         <p:nvGrpSpPr>
-          <p:cNvPr id="5" name="그룹 4">
+          <p:cNvPr id="3" name="그룹 2">
             <a:extLst>
               <a:ext uri="{FF2B5EF4-FFF2-40B4-BE49-F238E27FC236}">
-                <a16:creationId xmlns:a16="http://schemas.microsoft.com/office/drawing/2014/main" id="{B2D025BE-1920-6A56-5FF6-1110C467621A}"/>
+                <a16:creationId xmlns:a16="http://schemas.microsoft.com/office/drawing/2014/main" id="{6D227B46-1360-DA77-CB72-9CEB5F11FF2F}"/>
               </a:ext>
             </a:extLst>
           </p:cNvPr>
@@ -11261,10 +10860,10 @@
       </p:sp>
       <p:grpSp>
         <p:nvGrpSpPr>
-          <p:cNvPr id="5" name="그룹 4">
+          <p:cNvPr id="3" name="그룹 2">
             <a:extLst>
               <a:ext uri="{FF2B5EF4-FFF2-40B4-BE49-F238E27FC236}">
-                <a16:creationId xmlns:a16="http://schemas.microsoft.com/office/drawing/2014/main" id="{28BAD4C2-727A-5905-C10D-257856B072DA}"/>
+                <a16:creationId xmlns:a16="http://schemas.microsoft.com/office/drawing/2014/main" id="{C4D17407-455E-8677-BA0A-3BF71464568B}"/>
               </a:ext>
             </a:extLst>
           </p:cNvPr>

--- a/DsDotNet/src/UnitTest/UnitTest.Model/ImportOfficeExample/Sample/Sub/Sub/Floor.pptx
+++ b/DsDotNet/src/UnitTest/UnitTest.Model/ImportOfficeExample/Sample/Sub/Sub/Floor.pptx
@@ -220,7 +220,7 @@
           <a:p>
             <a:fld id="{DD503887-5801-43A0-AEF9-041E8DDC2558}" type="datetimeFigureOut">
               <a:rPr lang="ko-KR" altLang="en-US" smtClean="0"/>
-              <a:t>2024-07-17</a:t>
+              <a:t>2024-07-20</a:t>
             </a:fld>
             <a:endParaRPr lang="ko-KR" altLang="en-US" dirty="0"/>
           </a:p>
@@ -397,7 +397,7 @@
           <a:p>
             <a:fld id="{95336A0E-57B1-4D4C-BD9B-2F72B5943464}" type="datetimeFigureOut">
               <a:rPr lang="ko-KR" altLang="en-US" smtClean="0"/>
-              <a:t>2024-07-17</a:t>
+              <a:t>2024-07-20</a:t>
             </a:fld>
             <a:endParaRPr lang="ko-KR" altLang="en-US" dirty="0"/>
           </a:p>
@@ -3092,10 +3092,10 @@
       </p:sp>
       <p:grpSp>
         <p:nvGrpSpPr>
-          <p:cNvPr id="5" name="그룹 4">
+          <p:cNvPr id="28" name="그룹 27">
             <a:extLst>
               <a:ext uri="{FF2B5EF4-FFF2-40B4-BE49-F238E27FC236}">
-                <a16:creationId xmlns:a16="http://schemas.microsoft.com/office/drawing/2014/main" id="{69F5F755-84F0-5339-3A2C-9D080A425476}"/>
+                <a16:creationId xmlns:a16="http://schemas.microsoft.com/office/drawing/2014/main" id="{CBA7D5BC-3138-ACE7-ADF2-20BDBC11DDC4}"/>
               </a:ext>
             </a:extLst>
           </p:cNvPr>
@@ -4761,10 +4761,10 @@
       </p:sp>
       <p:grpSp>
         <p:nvGrpSpPr>
-          <p:cNvPr id="3" name="그룹 2">
+          <p:cNvPr id="6" name="그룹 5">
             <a:extLst>
               <a:ext uri="{FF2B5EF4-FFF2-40B4-BE49-F238E27FC236}">
-                <a16:creationId xmlns:a16="http://schemas.microsoft.com/office/drawing/2014/main" id="{FD1B65A5-8EC6-AD5D-7D52-7A59E9B3969D}"/>
+                <a16:creationId xmlns:a16="http://schemas.microsoft.com/office/drawing/2014/main" id="{53544557-E050-E37C-49E9-AF3F8D964446}"/>
               </a:ext>
             </a:extLst>
           </p:cNvPr>
@@ -6794,10 +6794,10 @@
       </p:sp>
       <p:grpSp>
         <p:nvGrpSpPr>
-          <p:cNvPr id="3" name="그룹 2">
+          <p:cNvPr id="6" name="그룹 5">
             <a:extLst>
               <a:ext uri="{FF2B5EF4-FFF2-40B4-BE49-F238E27FC236}">
-                <a16:creationId xmlns:a16="http://schemas.microsoft.com/office/drawing/2014/main" id="{EAA80974-6BFE-A9F3-1D42-2E4B59BA7E2C}"/>
+                <a16:creationId xmlns:a16="http://schemas.microsoft.com/office/drawing/2014/main" id="{A3C65748-77FF-42B3-996B-338A2BC947FE}"/>
               </a:ext>
             </a:extLst>
           </p:cNvPr>
@@ -8827,10 +8827,10 @@
       </p:sp>
       <p:grpSp>
         <p:nvGrpSpPr>
-          <p:cNvPr id="3" name="그룹 2">
+          <p:cNvPr id="6" name="그룹 5">
             <a:extLst>
               <a:ext uri="{FF2B5EF4-FFF2-40B4-BE49-F238E27FC236}">
-                <a16:creationId xmlns:a16="http://schemas.microsoft.com/office/drawing/2014/main" id="{6D227B46-1360-DA77-CB72-9CEB5F11FF2F}"/>
+                <a16:creationId xmlns:a16="http://schemas.microsoft.com/office/drawing/2014/main" id="{F3E524A0-5A26-C03B-06E5-57D2E725B7E7}"/>
               </a:ext>
             </a:extLst>
           </p:cNvPr>
@@ -10860,10 +10860,10 @@
       </p:sp>
       <p:grpSp>
         <p:nvGrpSpPr>
-          <p:cNvPr id="3" name="그룹 2">
+          <p:cNvPr id="6" name="그룹 5">
             <a:extLst>
               <a:ext uri="{FF2B5EF4-FFF2-40B4-BE49-F238E27FC236}">
-                <a16:creationId xmlns:a16="http://schemas.microsoft.com/office/drawing/2014/main" id="{C4D17407-455E-8677-BA0A-3BF71464568B}"/>
+                <a16:creationId xmlns:a16="http://schemas.microsoft.com/office/drawing/2014/main" id="{D87E8E36-4707-97F1-A5C4-529E1EAB7853}"/>
               </a:ext>
             </a:extLst>
           </p:cNvPr>

--- a/DsDotNet/src/UnitTest/UnitTest.Model/ImportOfficeExample/Sample/Sub/Sub/Floor.pptx
+++ b/DsDotNet/src/UnitTest/UnitTest.Model/ImportOfficeExample/Sample/Sub/Sub/Floor.pptx
@@ -220,7 +220,7 @@
           <a:p>
             <a:fld id="{DD503887-5801-43A0-AEF9-041E8DDC2558}" type="datetimeFigureOut">
               <a:rPr lang="ko-KR" altLang="en-US" smtClean="0"/>
-              <a:t>2024-07-20</a:t>
+              <a:t>2024-07-26</a:t>
             </a:fld>
             <a:endParaRPr lang="ko-KR" altLang="en-US" dirty="0"/>
           </a:p>
@@ -397,7 +397,7 @@
           <a:p>
             <a:fld id="{95336A0E-57B1-4D4C-BD9B-2F72B5943464}" type="datetimeFigureOut">
               <a:rPr lang="ko-KR" altLang="en-US" smtClean="0"/>
-              <a:t>2024-07-20</a:t>
+              <a:t>2024-07-26</a:t>
             </a:fld>
             <a:endParaRPr lang="ko-KR" altLang="en-US" dirty="0"/>
           </a:p>
@@ -3092,10 +3092,10 @@
       </p:sp>
       <p:grpSp>
         <p:nvGrpSpPr>
-          <p:cNvPr id="28" name="그룹 27">
+          <p:cNvPr id="25" name="그룹 24">
             <a:extLst>
               <a:ext uri="{FF2B5EF4-FFF2-40B4-BE49-F238E27FC236}">
-                <a16:creationId xmlns:a16="http://schemas.microsoft.com/office/drawing/2014/main" id="{CBA7D5BC-3138-ACE7-ADF2-20BDBC11DDC4}"/>
+                <a16:creationId xmlns:a16="http://schemas.microsoft.com/office/drawing/2014/main" id="{5DB4E5A6-171C-14DA-A7C6-828550C2E6EA}"/>
               </a:ext>
             </a:extLst>
           </p:cNvPr>
@@ -4761,10 +4761,10 @@
       </p:sp>
       <p:grpSp>
         <p:nvGrpSpPr>
-          <p:cNvPr id="6" name="그룹 5">
+          <p:cNvPr id="4" name="그룹 3">
             <a:extLst>
               <a:ext uri="{FF2B5EF4-FFF2-40B4-BE49-F238E27FC236}">
-                <a16:creationId xmlns:a16="http://schemas.microsoft.com/office/drawing/2014/main" id="{53544557-E050-E37C-49E9-AF3F8D964446}"/>
+                <a16:creationId xmlns:a16="http://schemas.microsoft.com/office/drawing/2014/main" id="{35F78417-6221-065B-7A85-BECA9571F18C}"/>
               </a:ext>
             </a:extLst>
           </p:cNvPr>
@@ -5725,7 +5725,7 @@
                     <a:schemeClr val="tx1"/>
                   </a:solidFill>
                 </a:rPr>
-                <a:t>.MOVE</a:t>
+                <a:t>.ON</a:t>
               </a:r>
               <a:endParaRPr lang="ko-KR" altLang="en-US" sz="800" b="1" dirty="0">
                 <a:solidFill>
@@ -6417,7 +6417,7 @@
                     <a:schemeClr val="tx1"/>
                   </a:solidFill>
                 </a:rPr>
-                <a:t>.REMOVE</a:t>
+                <a:t>.OFF</a:t>
               </a:r>
               <a:endParaRPr lang="ko-KR" altLang="en-US" sz="800" b="1" dirty="0">
                 <a:solidFill>
@@ -6794,10 +6794,10 @@
       </p:sp>
       <p:grpSp>
         <p:nvGrpSpPr>
-          <p:cNvPr id="6" name="그룹 5">
+          <p:cNvPr id="4" name="그룹 3">
             <a:extLst>
               <a:ext uri="{FF2B5EF4-FFF2-40B4-BE49-F238E27FC236}">
-                <a16:creationId xmlns:a16="http://schemas.microsoft.com/office/drawing/2014/main" id="{A3C65748-77FF-42B3-996B-338A2BC947FE}"/>
+                <a16:creationId xmlns:a16="http://schemas.microsoft.com/office/drawing/2014/main" id="{3D73B089-4575-2B68-B9AF-6315071941F0}"/>
               </a:ext>
             </a:extLst>
           </p:cNvPr>
@@ -7758,7 +7758,7 @@
                     <a:schemeClr val="tx1"/>
                   </a:solidFill>
                 </a:rPr>
-                <a:t>.MOVE</a:t>
+                <a:t>.ON</a:t>
               </a:r>
               <a:endParaRPr lang="ko-KR" altLang="en-US" sz="800" b="1" dirty="0">
                 <a:solidFill>
@@ -8450,7 +8450,7 @@
                     <a:schemeClr val="tx1"/>
                   </a:solidFill>
                 </a:rPr>
-                <a:t>.REMOVE</a:t>
+                <a:t>.OFF</a:t>
               </a:r>
               <a:endParaRPr lang="ko-KR" altLang="en-US" sz="800" b="1" dirty="0">
                 <a:solidFill>
@@ -8827,10 +8827,10 @@
       </p:sp>
       <p:grpSp>
         <p:nvGrpSpPr>
-          <p:cNvPr id="6" name="그룹 5">
+          <p:cNvPr id="4" name="그룹 3">
             <a:extLst>
               <a:ext uri="{FF2B5EF4-FFF2-40B4-BE49-F238E27FC236}">
-                <a16:creationId xmlns:a16="http://schemas.microsoft.com/office/drawing/2014/main" id="{F3E524A0-5A26-C03B-06E5-57D2E725B7E7}"/>
+                <a16:creationId xmlns:a16="http://schemas.microsoft.com/office/drawing/2014/main" id="{B885CCC3-B856-0B80-31B8-CCDE45BDEEDE}"/>
               </a:ext>
             </a:extLst>
           </p:cNvPr>
@@ -9791,7 +9791,7 @@
                     <a:schemeClr val="tx1"/>
                   </a:solidFill>
                 </a:rPr>
-                <a:t>.MOVE</a:t>
+                <a:t>.ON</a:t>
               </a:r>
               <a:endParaRPr lang="ko-KR" altLang="en-US" sz="800" b="1" dirty="0">
                 <a:solidFill>
@@ -10483,7 +10483,7 @@
                     <a:schemeClr val="tx1"/>
                   </a:solidFill>
                 </a:rPr>
-                <a:t>.REMOVE</a:t>
+                <a:t>.OFF</a:t>
               </a:r>
               <a:endParaRPr lang="ko-KR" altLang="en-US" sz="800" b="1" dirty="0">
                 <a:solidFill>
@@ -10860,10 +10860,10 @@
       </p:sp>
       <p:grpSp>
         <p:nvGrpSpPr>
-          <p:cNvPr id="6" name="그룹 5">
+          <p:cNvPr id="4" name="그룹 3">
             <a:extLst>
               <a:ext uri="{FF2B5EF4-FFF2-40B4-BE49-F238E27FC236}">
-                <a16:creationId xmlns:a16="http://schemas.microsoft.com/office/drawing/2014/main" id="{D87E8E36-4707-97F1-A5C4-529E1EAB7853}"/>
+                <a16:creationId xmlns:a16="http://schemas.microsoft.com/office/drawing/2014/main" id="{58C116EC-A43E-E8BF-81A2-7D147030677A}"/>
               </a:ext>
             </a:extLst>
           </p:cNvPr>
@@ -11824,7 +11824,7 @@
                     <a:schemeClr val="tx1"/>
                   </a:solidFill>
                 </a:rPr>
-                <a:t>.MOVE</a:t>
+                <a:t>.ON</a:t>
               </a:r>
               <a:endParaRPr lang="ko-KR" altLang="en-US" sz="800" b="1" dirty="0">
                 <a:solidFill>
@@ -12516,7 +12516,7 @@
                     <a:schemeClr val="tx1"/>
                   </a:solidFill>
                 </a:rPr>
-                <a:t>.REMOVE</a:t>
+                <a:t>.OFF</a:t>
               </a:r>
               <a:endParaRPr lang="ko-KR" altLang="en-US" sz="800" b="1" dirty="0">
                 <a:solidFill>
